--- a/presentation/cppcon.pptx
+++ b/presentation/cppcon.pptx
@@ -47,7 +47,6 @@
     <p:sldId id="291" r:id="rId40"/>
     <p:sldId id="292" r:id="rId41"/>
     <p:sldId id="293" r:id="rId42"/>
-    <p:sldId id="294" r:id="rId43"/>
   </p:sldIdLst>
   <p:sldSz cx="12192000" cy="6858000"/>
   <p:notesSz cx="6858000" cy="9144000"/>
@@ -331,7 +330,7 @@
             <a:pPr algn="r">
               <a:buNone/>
             </a:pPr>
-            <a:fld id="{3AC72613-F2C0-474C-BA29-88E1C136487E}" type="slidenum">
+            <a:fld id="{421086DF-D876-482F-AC51-9A0D49894C19}" type="slidenum">
               <a:rPr b="0" lang="en-US" sz="1400" spc="-1" strike="noStrike">
                 <a:latin typeface="Times New Roman"/>
               </a:rPr>
@@ -379,7 +378,7 @@
         <p:spPr>
           <a:xfrm>
             <a:off x="685800" y="1143000"/>
-            <a:ext cx="5484960" cy="3084840"/>
+            <a:ext cx="5484600" cy="3084480"/>
           </a:xfrm>
           <a:prstGeom prst="rect">
             <a:avLst/>
@@ -402,7 +401,7 @@
         <p:spPr>
           <a:xfrm>
             <a:off x="685800" y="4400640"/>
-            <a:ext cx="5484960" cy="3598920"/>
+            <a:ext cx="5484600" cy="3598560"/>
           </a:xfrm>
           <a:prstGeom prst="rect">
             <a:avLst/>
@@ -451,7 +450,7 @@
         <p:spPr>
           <a:xfrm>
             <a:off x="3884760" y="8685360"/>
-            <a:ext cx="2970360" cy="457200"/>
+            <a:ext cx="2970000" cy="456840"/>
           </a:xfrm>
           <a:prstGeom prst="rect">
             <a:avLst/>
@@ -483,11 +482,11 @@
               </a:lnSpc>
               <a:buNone/>
             </a:pPr>
-            <a:fld id="{B016D044-53DC-4065-B201-5F6E635AC906}" type="slidenum">
+            <a:fld id="{ACBFF075-D043-4682-866A-8F956D05BC1F}" type="slidenum">
               <a:rPr b="0" lang="en-US" sz="1200" spc="-1" strike="noStrike">
                 <a:latin typeface="Times New Roman"/>
               </a:rPr>
-              <a:t>39</a:t>
+              <a:t>&lt;number&gt;</a:t>
             </a:fld>
             <a:endParaRPr b="0" lang="en-US" sz="1200" spc="-1" strike="noStrike">
               <a:latin typeface="Times New Roman"/>
@@ -551,7 +550,7 @@
         <p:txBody>
           <a:bodyPr/>
           <a:p>
-            <a:fld id="{48A38A2E-16C9-4211-9BC6-ADFFE1A52431}" type="slidenum">
+            <a:fld id="{31960DA1-54C8-4C54-A761-92544C7E719D}" type="slidenum">
               <a:t>&lt;#&gt;</a:t>
             </a:fld>
           </a:p>
@@ -739,7 +738,7 @@
         <p:txBody>
           <a:bodyPr/>
           <a:p>
-            <a:fld id="{7CCE350E-264B-416B-8E58-671BD26F5E62}" type="slidenum">
+            <a:fld id="{3C928B26-D4E7-4B4C-BEF2-3DFF691F80B2}" type="slidenum">
               <a:t>&lt;#&gt;</a:t>
             </a:fld>
           </a:p>
@@ -995,7 +994,7 @@
         <p:txBody>
           <a:bodyPr/>
           <a:p>
-            <a:fld id="{35357B4C-3231-4AA8-A195-052E343D45AF}" type="slidenum">
+            <a:fld id="{C773B0AB-24F0-4A47-9650-251B76BB12F4}" type="slidenum">
               <a:t>&lt;#&gt;</a:t>
             </a:fld>
           </a:p>
@@ -1319,7 +1318,7 @@
         <p:txBody>
           <a:bodyPr/>
           <a:p>
-            <a:fld id="{6A30CF51-786E-4A11-9E8A-0ECC809B5527}" type="slidenum">
+            <a:fld id="{FD8CE492-E15F-4792-86FF-91FC30E1D7F6}" type="slidenum">
               <a:t>&lt;#&gt;</a:t>
             </a:fld>
           </a:p>
@@ -1402,7 +1401,7 @@
         <p:txBody>
           <a:bodyPr/>
           <a:p>
-            <a:fld id="{7CEE2EF5-06E4-46DA-AF59-810F08DE22A5}" type="slidenum">
+            <a:fld id="{4326D022-1B26-42F2-B4F3-CC05F5ED7147}" type="slidenum">
               <a:t>&lt;#&gt;</a:t>
             </a:fld>
           </a:p>
@@ -1559,7 +1558,7 @@
         <p:txBody>
           <a:bodyPr/>
           <a:p>
-            <a:fld id="{23D4AB30-7984-4BC0-A963-6E88363B8380}" type="slidenum">
+            <a:fld id="{28A1962E-B8C6-41D4-A45C-EB67E7FA718C}" type="slidenum">
               <a:t>&lt;#&gt;</a:t>
             </a:fld>
           </a:p>
@@ -1713,7 +1712,7 @@
         <p:txBody>
           <a:bodyPr/>
           <a:p>
-            <a:fld id="{34F71A9A-CBA3-4D01-AB51-4EC04EC1E735}" type="slidenum">
+            <a:fld id="{18A1396C-C18D-411E-B8E7-D6E428B4560B}" type="slidenum">
               <a:t>&lt;#&gt;</a:t>
             </a:fld>
           </a:p>
@@ -1901,7 +1900,7 @@
         <p:txBody>
           <a:bodyPr/>
           <a:p>
-            <a:fld id="{5756ED4E-2A25-40F0-A266-134B9DB99AB8}" type="slidenum">
+            <a:fld id="{0C5A9DDB-0920-4F0D-80B6-054F29F398FE}" type="slidenum">
               <a:t>&lt;#&gt;</a:t>
             </a:fld>
           </a:p>
@@ -2021,7 +2020,7 @@
         <p:txBody>
           <a:bodyPr/>
           <a:p>
-            <a:fld id="{D4FBB37F-F991-4AF1-B122-BC924BA5A98D}" type="slidenum">
+            <a:fld id="{519179D5-1E1F-4C53-92F6-E6979C868BDB}" type="slidenum">
               <a:t>&lt;#&gt;</a:t>
             </a:fld>
           </a:p>
@@ -2141,7 +2140,7 @@
         <p:txBody>
           <a:bodyPr/>
           <a:p>
-            <a:fld id="{5DB1E729-0303-4D26-9820-7BB81A5CA710}" type="slidenum">
+            <a:fld id="{4B27921B-142C-4F15-96C5-E833FE362FAF}" type="slidenum">
               <a:t>&lt;#&gt;</a:t>
             </a:fld>
           </a:p>
@@ -2363,7 +2362,7 @@
         <p:txBody>
           <a:bodyPr/>
           <a:p>
-            <a:fld id="{B25622AD-E204-43BB-B3A8-DB166297215D}" type="slidenum">
+            <a:fld id="{EBBDB4EF-6D2F-4279-8822-4EB35E75BACC}" type="slidenum">
               <a:t>&lt;#&gt;</a:t>
             </a:fld>
           </a:p>
@@ -2520,7 +2519,7 @@
         <p:txBody>
           <a:bodyPr/>
           <a:p>
-            <a:fld id="{C3503BCC-785B-4155-8B0E-054EC30FECC9}" type="slidenum">
+            <a:fld id="{29FC269F-FFFD-4CEB-AEF7-3B88B4C645C5}" type="slidenum">
               <a:t>&lt;#&gt;</a:t>
             </a:fld>
           </a:p>
@@ -2742,7 +2741,7 @@
         <p:txBody>
           <a:bodyPr/>
           <a:p>
-            <a:fld id="{101AAC3D-FD55-4F48-B871-2992D88D004C}" type="slidenum">
+            <a:fld id="{3D2A3440-FAFA-4BB7-82B4-9F4BC2C52966}" type="slidenum">
               <a:t>&lt;#&gt;</a:t>
             </a:fld>
           </a:p>
@@ -2964,7 +2963,7 @@
         <p:txBody>
           <a:bodyPr/>
           <a:p>
-            <a:fld id="{5BDC19DA-D134-4041-8F97-2C9FCC088183}" type="slidenum">
+            <a:fld id="{F935A456-F026-4F50-BFE9-C03F9AB92B1E}" type="slidenum">
               <a:t>&lt;#&gt;</a:t>
             </a:fld>
           </a:p>
@@ -3152,7 +3151,7 @@
         <p:txBody>
           <a:bodyPr/>
           <a:p>
-            <a:fld id="{2533C76E-C1DE-4C41-A59F-51962A576340}" type="slidenum">
+            <a:fld id="{CB37A2FE-4493-417A-9866-829995687F49}" type="slidenum">
               <a:t>&lt;#&gt;</a:t>
             </a:fld>
           </a:p>
@@ -3408,7 +3407,7 @@
         <p:txBody>
           <a:bodyPr/>
           <a:p>
-            <a:fld id="{7FC17952-7C6B-4F26-B0AF-148A4A08B8CE}" type="slidenum">
+            <a:fld id="{A836B078-91E6-4482-8966-60636B96D1D2}" type="slidenum">
               <a:t>&lt;#&gt;</a:t>
             </a:fld>
           </a:p>
@@ -3732,7 +3731,7 @@
         <p:txBody>
           <a:bodyPr/>
           <a:p>
-            <a:fld id="{241FCE23-9955-4ADB-9C95-6515CB2E2BDC}" type="slidenum">
+            <a:fld id="{4CAE8781-8811-4D14-9110-C2B836071C40}" type="slidenum">
               <a:t>&lt;#&gt;</a:t>
             </a:fld>
           </a:p>
@@ -3886,7 +3885,7 @@
         <p:txBody>
           <a:bodyPr/>
           <a:p>
-            <a:fld id="{36C50B4B-0294-4EA2-A0D3-A82085818A2E}" type="slidenum">
+            <a:fld id="{4F14F47A-A2AB-41EB-B9DE-DBF4515C76FC}" type="slidenum">
               <a:t>&lt;#&gt;</a:t>
             </a:fld>
           </a:p>
@@ -4074,7 +4073,7 @@
         <p:txBody>
           <a:bodyPr/>
           <a:p>
-            <a:fld id="{E2023749-AEFB-46A1-B272-8DAA72C4B28E}" type="slidenum">
+            <a:fld id="{D31978CE-B3A0-48F7-80C3-37C1491AAB81}" type="slidenum">
               <a:t>&lt;#&gt;</a:t>
             </a:fld>
           </a:p>
@@ -4194,7 +4193,7 @@
         <p:txBody>
           <a:bodyPr/>
           <a:p>
-            <a:fld id="{BC653DBB-E2DD-48CC-9A10-C2A286EC863D}" type="slidenum">
+            <a:fld id="{A9928017-08B1-4C64-83A9-466ED057D164}" type="slidenum">
               <a:t>&lt;#&gt;</a:t>
             </a:fld>
           </a:p>
@@ -4314,7 +4313,7 @@
         <p:txBody>
           <a:bodyPr/>
           <a:p>
-            <a:fld id="{6D4AA68E-4FF9-4AD5-BB1D-AAC63DB631E7}" type="slidenum">
+            <a:fld id="{C4ADC27A-D959-4BFF-966C-03BF069322B6}" type="slidenum">
               <a:t>&lt;#&gt;</a:t>
             </a:fld>
           </a:p>
@@ -4536,7 +4535,7 @@
         <p:txBody>
           <a:bodyPr/>
           <a:p>
-            <a:fld id="{63E24831-A534-4859-9922-965630073367}" type="slidenum">
+            <a:fld id="{03A09B9F-8CC9-4809-8A3E-049AAAF058B1}" type="slidenum">
               <a:t>&lt;#&gt;</a:t>
             </a:fld>
           </a:p>
@@ -4758,7 +4757,7 @@
         <p:txBody>
           <a:bodyPr/>
           <a:p>
-            <a:fld id="{AAEBF828-7308-43D6-8E13-153DA2E862CB}" type="slidenum">
+            <a:fld id="{DC7A9496-84BE-49D1-9596-0FFB72A72F8D}" type="slidenum">
               <a:t>&lt;#&gt;</a:t>
             </a:fld>
           </a:p>
@@ -4980,7 +4979,7 @@
         <p:txBody>
           <a:bodyPr/>
           <a:p>
-            <a:fld id="{65F8E1B5-5BB3-42FC-8F45-401828468771}" type="slidenum">
+            <a:fld id="{8D91E639-D5BA-41BE-9BE6-ABC545D35FA8}" type="slidenum">
               <a:t>&lt;#&gt;</a:t>
             </a:fld>
           </a:p>
@@ -5049,7 +5048,7 @@
         <p:spPr>
           <a:xfrm>
             <a:off x="4038480" y="6356520"/>
-            <a:ext cx="4113360" cy="363600"/>
+            <a:ext cx="4113000" cy="363240"/>
           </a:xfrm>
           <a:prstGeom prst="rect">
             <a:avLst/>
@@ -5106,7 +5105,7 @@
         <p:spPr>
           <a:xfrm>
             <a:off x="8610480" y="6356520"/>
-            <a:ext cx="2741760" cy="363600"/>
+            <a:ext cx="2741400" cy="363240"/>
           </a:xfrm>
           <a:prstGeom prst="rect">
             <a:avLst/>
@@ -5141,7 +5140,7 @@
               </a:lnSpc>
               <a:buNone/>
             </a:pPr>
-            <a:fld id="{B98A33E9-E9EB-48A4-A11D-F01A8E6611FD}" type="slidenum">
+            <a:fld id="{7D357717-D235-4C1A-8C64-8EF08F347A8B}" type="slidenum">
               <a:rPr b="0" lang="en-US" sz="1200" spc="-1" strike="noStrike">
                 <a:solidFill>
                   <a:srgbClr val="787878"/>
@@ -5169,7 +5168,7 @@
         <p:spPr>
           <a:xfrm>
             <a:off x="838080" y="6356520"/>
-            <a:ext cx="2741760" cy="363600"/>
+            <a:ext cx="2741400" cy="363240"/>
           </a:xfrm>
           <a:prstGeom prst="rect">
             <a:avLst/>
@@ -5486,7 +5485,7 @@
         <p:spPr>
           <a:xfrm>
             <a:off x="4038480" y="6356520"/>
-            <a:ext cx="4113360" cy="363600"/>
+            <a:ext cx="4113000" cy="363240"/>
           </a:xfrm>
           <a:prstGeom prst="rect">
             <a:avLst/>
@@ -5543,7 +5542,7 @@
         <p:spPr>
           <a:xfrm>
             <a:off x="8610480" y="6356520"/>
-            <a:ext cx="2741760" cy="363600"/>
+            <a:ext cx="2741400" cy="363240"/>
           </a:xfrm>
           <a:prstGeom prst="rect">
             <a:avLst/>
@@ -5578,7 +5577,7 @@
               </a:lnSpc>
               <a:buNone/>
             </a:pPr>
-            <a:fld id="{95F7918F-2DF6-4DCE-83D0-DA1D11ED6A80}" type="slidenum">
+            <a:fld id="{DA52741A-5DC4-4361-9BA0-E3C6723F7A8D}" type="slidenum">
               <a:rPr b="0" lang="en-US" sz="1200" spc="-1" strike="noStrike">
                 <a:solidFill>
                   <a:srgbClr val="787878"/>
@@ -5606,7 +5605,7 @@
         <p:spPr>
           <a:xfrm>
             <a:off x="838080" y="6356520"/>
-            <a:ext cx="2741760" cy="363600"/>
+            <a:ext cx="2741400" cy="363240"/>
           </a:xfrm>
           <a:prstGeom prst="rect">
             <a:avLst/>
@@ -5916,7 +5915,7 @@
         <p:spPr>
           <a:xfrm>
             <a:off x="1523880" y="1122480"/>
-            <a:ext cx="9142560" cy="2386080"/>
+            <a:ext cx="9142200" cy="2385720"/>
           </a:xfrm>
           <a:prstGeom prst="rect">
             <a:avLst/>
@@ -5977,7 +5976,7 @@
         <p:spPr>
           <a:xfrm>
             <a:off x="1523880" y="3602160"/>
-            <a:ext cx="9142560" cy="1654200"/>
+            <a:ext cx="9142200" cy="1653840"/>
           </a:xfrm>
           <a:prstGeom prst="rect">
             <a:avLst/>
@@ -6073,7 +6072,7 @@
         <p:spPr>
           <a:xfrm>
             <a:off x="2834640" y="6035040"/>
-            <a:ext cx="6491880" cy="345960"/>
+            <a:ext cx="6491520" cy="345600"/>
           </a:xfrm>
           <a:prstGeom prst="rect">
             <a:avLst/>
@@ -6103,7 +6102,7 @@
         <p:spPr>
           <a:xfrm>
             <a:off x="7040160" y="3017520"/>
-            <a:ext cx="2469240" cy="228240"/>
+            <a:ext cx="2468880" cy="227880"/>
           </a:xfrm>
           <a:prstGeom prst="rect">
             <a:avLst/>
@@ -6133,7 +6132,7 @@
         <p:spPr>
           <a:xfrm>
             <a:off x="1933920" y="633240"/>
-            <a:ext cx="8323200" cy="1014480"/>
+            <a:ext cx="8322840" cy="1014120"/>
           </a:xfrm>
           <a:prstGeom prst="rect">
             <a:avLst/>
@@ -6191,7 +6190,7 @@
         <p:spPr>
           <a:xfrm>
             <a:off x="914760" y="2286360"/>
-            <a:ext cx="4799520" cy="2513520"/>
+            <a:ext cx="4799160" cy="2513160"/>
           </a:xfrm>
           <a:prstGeom prst="rect">
             <a:avLst/>
@@ -6722,7 +6721,7 @@
         <p:spPr>
           <a:xfrm>
             <a:off x="7040880" y="2103120"/>
-            <a:ext cx="4343040" cy="3079080"/>
+            <a:ext cx="4342680" cy="3078720"/>
           </a:xfrm>
           <a:prstGeom prst="rect">
             <a:avLst/>
@@ -6942,7 +6941,7 @@
         <p:spPr>
           <a:xfrm flipH="1">
             <a:off x="3574800" y="3108960"/>
-            <a:ext cx="3464280" cy="90720"/>
+            <a:ext cx="3463920" cy="90360"/>
           </a:xfrm>
           <a:prstGeom prst="curvedConnector3">
             <a:avLst>
@@ -6973,8 +6972,8 @@
         </p:nvSpPr>
         <p:spPr>
           <a:xfrm flipH="1">
-            <a:off x="3016800" y="3108960"/>
-            <a:ext cx="4022640" cy="822240"/>
+            <a:off x="3016080" y="3108960"/>
+            <a:ext cx="4022280" cy="821880"/>
           </a:xfrm>
           <a:prstGeom prst="curvedConnector3">
             <a:avLst>
@@ -7006,7 +7005,7 @@
         <p:spPr>
           <a:xfrm>
             <a:off x="2791080" y="6035040"/>
-            <a:ext cx="6609240" cy="365400"/>
+            <a:ext cx="6608880" cy="365040"/>
           </a:xfrm>
           <a:prstGeom prst="rect">
             <a:avLst/>
@@ -7035,7 +7034,11 @@
             </a:pPr>
             <a:r>
               <a:rPr b="0" lang="en-US" sz="1800" spc="-1" strike="noStrike">
+                <a:solidFill>
+                  <a:srgbClr val="000000"/>
+                </a:solidFill>
                 <a:latin typeface="Arial"/>
+                <a:ea typeface="DejaVu Sans"/>
               </a:rPr>
               <a:t>store the pin value in the GPIO_InitStruct structure on the stack</a:t>
             </a:r>
@@ -7059,7 +7062,7 @@
         <p:txBody>
           <a:bodyPr/>
           <a:p>
-            <a:fld id="{D64E598E-D808-4FE2-B416-1615673531A9}" type="slidenum">
+            <a:fld id="{AEFC1F0A-3DB7-414C-8E38-A0EFC22A6612}" type="slidenum">
               <a:t>10</a:t>
             </a:fld>
           </a:p>
@@ -7104,7 +7107,7 @@
         <p:spPr>
           <a:xfrm>
             <a:off x="3431160" y="5855040"/>
-            <a:ext cx="5329080" cy="639720"/>
+            <a:ext cx="5328720" cy="639360"/>
           </a:xfrm>
           <a:prstGeom prst="rect">
             <a:avLst/>
@@ -7134,7 +7137,7 @@
         <p:spPr>
           <a:xfrm>
             <a:off x="7040880" y="3291840"/>
-            <a:ext cx="1782720" cy="228240"/>
+            <a:ext cx="1782360" cy="227880"/>
           </a:xfrm>
           <a:prstGeom prst="rect">
             <a:avLst/>
@@ -7164,7 +7167,7 @@
         <p:spPr>
           <a:xfrm>
             <a:off x="1933920" y="633240"/>
-            <a:ext cx="8323200" cy="1014480"/>
+            <a:ext cx="8322840" cy="1014120"/>
           </a:xfrm>
           <a:prstGeom prst="rect">
             <a:avLst/>
@@ -7222,7 +7225,7 @@
         <p:spPr>
           <a:xfrm>
             <a:off x="914760" y="2286360"/>
-            <a:ext cx="4799520" cy="2513520"/>
+            <a:ext cx="4799160" cy="2513160"/>
           </a:xfrm>
           <a:prstGeom prst="rect">
             <a:avLst/>
@@ -7753,7 +7756,7 @@
         <p:spPr>
           <a:xfrm>
             <a:off x="7040880" y="2103120"/>
-            <a:ext cx="4343040" cy="3079080"/>
+            <a:ext cx="4342680" cy="3078720"/>
           </a:xfrm>
           <a:prstGeom prst="rect">
             <a:avLst/>
@@ -7972,8 +7975,8 @@
         </p:nvSpPr>
         <p:spPr>
           <a:xfrm flipH="1">
-            <a:off x="3016800" y="3383280"/>
-            <a:ext cx="4023360" cy="547920"/>
+            <a:off x="3016080" y="3383280"/>
+            <a:ext cx="4023000" cy="547560"/>
           </a:xfrm>
           <a:prstGeom prst="curvedConnector3">
             <a:avLst>
@@ -8005,7 +8008,7 @@
         <p:spPr>
           <a:xfrm>
             <a:off x="3431160" y="5855040"/>
-            <a:ext cx="5329080" cy="639720"/>
+            <a:ext cx="5328720" cy="639360"/>
           </a:xfrm>
           <a:prstGeom prst="rect">
             <a:avLst/>
@@ -8034,7 +8037,11 @@
             </a:pPr>
             <a:r>
               <a:rPr b="0" lang="en-US" sz="1800" spc="-1" strike="noStrike">
+                <a:solidFill>
+                  <a:srgbClr val="000000"/>
+                </a:solidFill>
                 <a:latin typeface="Arial"/>
+                <a:ea typeface="DejaVu Sans"/>
               </a:rPr>
               <a:t>prepare to pass the address of the GPIO_InitStruct</a:t>
             </a:r>
@@ -8051,7 +8058,11 @@
             </a:pPr>
             <a:r>
               <a:rPr b="0" lang="en-US" sz="1800" spc="-1" strike="noStrike">
+                <a:solidFill>
+                  <a:srgbClr val="000000"/>
+                </a:solidFill>
                 <a:latin typeface="Arial"/>
+                <a:ea typeface="DejaVu Sans"/>
               </a:rPr>
               <a:t>structure to the GPIO_Init function</a:t>
             </a:r>
@@ -8075,7 +8086,7 @@
         <p:txBody>
           <a:bodyPr/>
           <a:p>
-            <a:fld id="{317100EB-C278-4E74-ACAF-A1089385A29E}" type="slidenum">
+            <a:fld id="{565DF3E4-357E-4BDF-8D3E-839D26006794}" type="slidenum">
               <a:t>11</a:t>
             </a:fld>
           </a:p>
@@ -8120,7 +8131,7 @@
         <p:spPr>
           <a:xfrm>
             <a:off x="2379600" y="6035040"/>
-            <a:ext cx="7404120" cy="345960"/>
+            <a:ext cx="7403760" cy="345600"/>
           </a:xfrm>
           <a:prstGeom prst="rect">
             <a:avLst/>
@@ -8150,7 +8161,7 @@
         <p:spPr>
           <a:xfrm>
             <a:off x="7040880" y="3566160"/>
-            <a:ext cx="1782720" cy="228240"/>
+            <a:ext cx="1782360" cy="227880"/>
           </a:xfrm>
           <a:prstGeom prst="rect">
             <a:avLst/>
@@ -8180,7 +8191,7 @@
         <p:spPr>
           <a:xfrm>
             <a:off x="1933920" y="633240"/>
-            <a:ext cx="8323200" cy="1014480"/>
+            <a:ext cx="8322840" cy="1014120"/>
           </a:xfrm>
           <a:prstGeom prst="rect">
             <a:avLst/>
@@ -8238,7 +8249,7 @@
         <p:spPr>
           <a:xfrm>
             <a:off x="914760" y="2286360"/>
-            <a:ext cx="4799520" cy="2513520"/>
+            <a:ext cx="4799160" cy="2513160"/>
           </a:xfrm>
           <a:prstGeom prst="rect">
             <a:avLst/>
@@ -8769,7 +8780,7 @@
         <p:spPr>
           <a:xfrm>
             <a:off x="7040880" y="2103120"/>
-            <a:ext cx="4343040" cy="3079080"/>
+            <a:ext cx="4342680" cy="3078720"/>
           </a:xfrm>
           <a:prstGeom prst="rect">
             <a:avLst/>
@@ -8988,8 +8999,8 @@
         </p:nvSpPr>
         <p:spPr>
           <a:xfrm flipH="1" flipV="1">
-            <a:off x="4479840" y="3474000"/>
-            <a:ext cx="2559600" cy="182160"/>
+            <a:off x="4479120" y="3473280"/>
+            <a:ext cx="2559240" cy="181800"/>
           </a:xfrm>
           <a:prstGeom prst="curvedConnector3">
             <a:avLst>
@@ -9021,7 +9032,7 @@
         <p:spPr>
           <a:xfrm>
             <a:off x="2379600" y="6035040"/>
-            <a:ext cx="7432200" cy="365400"/>
+            <a:ext cx="7431840" cy="365040"/>
           </a:xfrm>
           <a:prstGeom prst="rect">
             <a:avLst/>
@@ -9050,7 +9061,11 @@
             </a:pPr>
             <a:r>
               <a:rPr b="0" lang="en-US" sz="1800" spc="-1" strike="noStrike">
+                <a:solidFill>
+                  <a:srgbClr val="000000"/>
+                </a:solidFill>
                 <a:latin typeface="Arial"/>
+                <a:ea typeface="DejaVu Sans"/>
               </a:rPr>
               <a:t>set up the mode value for GPIO_MODE_INPUT (subtract 5 from 6 -&gt; 1)</a:t>
             </a:r>
@@ -9074,7 +9089,7 @@
         <p:txBody>
           <a:bodyPr/>
           <a:p>
-            <a:fld id="{CD10BD00-CBDD-4358-A328-F6AF7E6A4F81}" type="slidenum">
+            <a:fld id="{97DDBDD7-7485-487E-B18C-1322FEB84FAF}" type="slidenum">
               <a:t>12</a:t>
             </a:fld>
           </a:p>
@@ -9119,7 +9134,7 @@
         <p:spPr>
           <a:xfrm>
             <a:off x="2631240" y="6035040"/>
-            <a:ext cx="6832440" cy="345960"/>
+            <a:ext cx="6832080" cy="345600"/>
           </a:xfrm>
           <a:prstGeom prst="rect">
             <a:avLst/>
@@ -9149,7 +9164,7 @@
         <p:spPr>
           <a:xfrm>
             <a:off x="7040160" y="3840480"/>
-            <a:ext cx="2423520" cy="228240"/>
+            <a:ext cx="2423160" cy="227880"/>
           </a:xfrm>
           <a:prstGeom prst="rect">
             <a:avLst/>
@@ -9179,7 +9194,7 @@
         <p:spPr>
           <a:xfrm>
             <a:off x="1933920" y="633240"/>
-            <a:ext cx="8323200" cy="1014480"/>
+            <a:ext cx="8322840" cy="1014120"/>
           </a:xfrm>
           <a:prstGeom prst="rect">
             <a:avLst/>
@@ -9237,7 +9252,7 @@
         <p:spPr>
           <a:xfrm>
             <a:off x="914760" y="2286360"/>
-            <a:ext cx="4799520" cy="2513520"/>
+            <a:ext cx="4799160" cy="2513160"/>
           </a:xfrm>
           <a:prstGeom prst="rect">
             <a:avLst/>
@@ -9768,7 +9783,7 @@
         <p:spPr>
           <a:xfrm>
             <a:off x="7040880" y="2103120"/>
-            <a:ext cx="4343040" cy="3079080"/>
+            <a:ext cx="4342680" cy="3078720"/>
           </a:xfrm>
           <a:prstGeom prst="rect">
             <a:avLst/>
@@ -9987,8 +10002,8 @@
         </p:nvSpPr>
         <p:spPr>
           <a:xfrm flipH="1" flipV="1">
-            <a:off x="4479840" y="3474000"/>
-            <a:ext cx="2559600" cy="456480"/>
+            <a:off x="4479120" y="3473280"/>
+            <a:ext cx="2559240" cy="456120"/>
           </a:xfrm>
           <a:prstGeom prst="curvedConnector3">
             <a:avLst>
@@ -10019,8 +10034,8 @@
         </p:nvSpPr>
         <p:spPr>
           <a:xfrm flipH="1" flipV="1">
-            <a:off x="3016800" y="3930120"/>
-            <a:ext cx="4022640" cy="360"/>
+            <a:off x="3016080" y="3929400"/>
+            <a:ext cx="4022280" cy="360"/>
           </a:xfrm>
           <a:custGeom>
             <a:avLst/>
@@ -10063,7 +10078,7 @@
         <p:spPr>
           <a:xfrm>
             <a:off x="2631240" y="6035040"/>
-            <a:ext cx="6929280" cy="365400"/>
+            <a:ext cx="6928920" cy="365040"/>
           </a:xfrm>
           <a:prstGeom prst="rect">
             <a:avLst/>
@@ -10092,7 +10107,11 @@
             </a:pPr>
             <a:r>
               <a:rPr b="0" lang="en-US" sz="1800" spc="-1" strike="noStrike">
+                <a:solidFill>
+                  <a:srgbClr val="000000"/>
+                </a:solidFill>
                 <a:latin typeface="Arial"/>
+                <a:ea typeface="DejaVu Sans"/>
               </a:rPr>
               <a:t>store the mode value in the GPIO_InitStruct structure on the stack</a:t>
             </a:r>
@@ -10116,7 +10135,7 @@
         <p:txBody>
           <a:bodyPr/>
           <a:p>
-            <a:fld id="{759C970F-A455-42CD-B374-074241AA0B10}" type="slidenum">
+            <a:fld id="{686BF166-F058-481D-8DF6-E857A9BAF346}" type="slidenum">
               <a:t>13</a:t>
             </a:fld>
           </a:p>
@@ -10161,7 +10180,7 @@
         <p:spPr>
           <a:xfrm>
             <a:off x="3408480" y="5855040"/>
-            <a:ext cx="5374800" cy="601920"/>
+            <a:ext cx="5374440" cy="601560"/>
           </a:xfrm>
           <a:prstGeom prst="rect">
             <a:avLst/>
@@ -10191,7 +10210,7 @@
         <p:spPr>
           <a:xfrm>
             <a:off x="7049520" y="4114800"/>
-            <a:ext cx="3237120" cy="228240"/>
+            <a:ext cx="3236760" cy="227880"/>
           </a:xfrm>
           <a:prstGeom prst="rect">
             <a:avLst/>
@@ -10221,7 +10240,7 @@
         <p:spPr>
           <a:xfrm>
             <a:off x="1933920" y="633240"/>
-            <a:ext cx="8323200" cy="1014480"/>
+            <a:ext cx="8322840" cy="1014120"/>
           </a:xfrm>
           <a:prstGeom prst="rect">
             <a:avLst/>
@@ -10279,7 +10298,7 @@
         <p:spPr>
           <a:xfrm>
             <a:off x="914760" y="2286360"/>
-            <a:ext cx="4799520" cy="2513520"/>
+            <a:ext cx="4799160" cy="2513160"/>
           </a:xfrm>
           <a:prstGeom prst="rect">
             <a:avLst/>
@@ -10810,7 +10829,7 @@
         <p:spPr>
           <a:xfrm>
             <a:off x="7040880" y="2103120"/>
-            <a:ext cx="4343040" cy="3079080"/>
+            <a:ext cx="4342680" cy="3078720"/>
           </a:xfrm>
           <a:prstGeom prst="rect">
             <a:avLst/>
@@ -11029,8 +11048,8 @@
         </p:nvSpPr>
         <p:spPr>
           <a:xfrm flipH="1" flipV="1">
-            <a:off x="3016800" y="3931200"/>
-            <a:ext cx="4032000" cy="273600"/>
+            <a:off x="3016080" y="3930480"/>
+            <a:ext cx="4031640" cy="273240"/>
           </a:xfrm>
           <a:prstGeom prst="curvedConnector3">
             <a:avLst>
@@ -11062,7 +11081,7 @@
         <p:spPr>
           <a:xfrm>
             <a:off x="3408480" y="5855040"/>
-            <a:ext cx="5374800" cy="601920"/>
+            <a:ext cx="5374440" cy="601560"/>
           </a:xfrm>
           <a:prstGeom prst="rect">
             <a:avLst/>
@@ -11091,7 +11110,11 @@
             </a:pPr>
             <a:r>
               <a:rPr b="0" lang="en-US" sz="1800" spc="-1" strike="noStrike">
+                <a:solidFill>
+                  <a:srgbClr val="000000"/>
+                </a:solidFill>
                 <a:latin typeface="Arial"/>
+                <a:ea typeface="DejaVu Sans"/>
               </a:rPr>
               <a:t>call the GPIO_Init function with the GPIO_InitStruct</a:t>
             </a:r>
@@ -11108,7 +11131,11 @@
             </a:pPr>
             <a:r>
               <a:rPr b="0" lang="en-US" sz="1800" spc="-1" strike="noStrike">
+                <a:solidFill>
+                  <a:srgbClr val="000000"/>
+                </a:solidFill>
                 <a:latin typeface="Arial"/>
+                <a:ea typeface="DejaVu Sans"/>
               </a:rPr>
               <a:t>structure as an argument</a:t>
             </a:r>
@@ -11132,7 +11159,7 @@
         <p:txBody>
           <a:bodyPr/>
           <a:p>
-            <a:fld id="{C40FAB8C-2FB3-4A9D-90E8-B4DEEBF01A2E}" type="slidenum">
+            <a:fld id="{C62CC3FB-9B05-4251-98D8-24C653946632}" type="slidenum">
               <a:t>14</a:t>
             </a:fld>
           </a:p>
@@ -11177,7 +11204,7 @@
         <p:spPr>
           <a:xfrm>
             <a:off x="3385440" y="6035040"/>
-            <a:ext cx="5420520" cy="345960"/>
+            <a:ext cx="5420160" cy="345600"/>
           </a:xfrm>
           <a:prstGeom prst="rect">
             <a:avLst/>
@@ -11207,7 +11234,7 @@
         <p:spPr>
           <a:xfrm>
             <a:off x="7040880" y="4389120"/>
-            <a:ext cx="3245760" cy="228240"/>
+            <a:ext cx="3245400" cy="227880"/>
           </a:xfrm>
           <a:prstGeom prst="rect">
             <a:avLst/>
@@ -11237,7 +11264,7 @@
         <p:spPr>
           <a:xfrm>
             <a:off x="1933920" y="633240"/>
-            <a:ext cx="8323200" cy="1014480"/>
+            <a:ext cx="8322840" cy="1014120"/>
           </a:xfrm>
           <a:prstGeom prst="rect">
             <a:avLst/>
@@ -11295,7 +11322,7 @@
         <p:spPr>
           <a:xfrm>
             <a:off x="914760" y="2286360"/>
-            <a:ext cx="4799520" cy="2513520"/>
+            <a:ext cx="4799160" cy="2513160"/>
           </a:xfrm>
           <a:prstGeom prst="rect">
             <a:avLst/>
@@ -11826,7 +11853,7 @@
         <p:spPr>
           <a:xfrm>
             <a:off x="7040880" y="2103120"/>
-            <a:ext cx="4343040" cy="3079080"/>
+            <a:ext cx="4342680" cy="3078720"/>
           </a:xfrm>
           <a:prstGeom prst="rect">
             <a:avLst/>
@@ -12045,8 +12072,8 @@
         </p:nvSpPr>
         <p:spPr>
           <a:xfrm flipH="1" flipV="1">
-            <a:off x="2285280" y="4388400"/>
-            <a:ext cx="4754160" cy="90720"/>
+            <a:off x="2284560" y="4387680"/>
+            <a:ext cx="4753800" cy="90360"/>
           </a:xfrm>
           <a:prstGeom prst="curvedConnector3">
             <a:avLst>
@@ -12078,7 +12105,7 @@
         <p:spPr>
           <a:xfrm>
             <a:off x="3385440" y="6035040"/>
-            <a:ext cx="5420520" cy="345960"/>
+            <a:ext cx="5420160" cy="345600"/>
           </a:xfrm>
           <a:prstGeom prst="rect">
             <a:avLst/>
@@ -12107,7 +12134,11 @@
             </a:pPr>
             <a:r>
               <a:rPr b="0" lang="en-US" sz="1800" spc="-1" strike="noStrike">
+                <a:solidFill>
+                  <a:srgbClr val="000000"/>
+                </a:solidFill>
                 <a:latin typeface="Arial"/>
+                <a:ea typeface="DejaVu Sans"/>
               </a:rPr>
               <a:t>create an infinite loop (branch to the same address)</a:t>
             </a:r>
@@ -12131,7 +12162,7 @@
         <p:txBody>
           <a:bodyPr/>
           <a:p>
-            <a:fld id="{49DF5AE2-ECF6-4060-B0EA-0AA310517CB2}" type="slidenum">
+            <a:fld id="{97A12D09-017B-458D-B85F-A70B4AAF1180}" type="slidenum">
               <a:t>15</a:t>
             </a:fld>
           </a:p>
@@ -12176,7 +12207,7 @@
         <p:spPr>
           <a:xfrm>
             <a:off x="959400" y="3200400"/>
-            <a:ext cx="4572360" cy="273960"/>
+            <a:ext cx="4572000" cy="273600"/>
           </a:xfrm>
           <a:prstGeom prst="rect">
             <a:avLst/>
@@ -12206,7 +12237,7 @@
         <p:spPr>
           <a:xfrm>
             <a:off x="7588800" y="1403640"/>
-            <a:ext cx="4206600" cy="1096920"/>
+            <a:ext cx="4206240" cy="1096560"/>
           </a:xfrm>
           <a:prstGeom prst="rect">
             <a:avLst/>
@@ -12236,7 +12267,7 @@
         <p:spPr>
           <a:xfrm>
             <a:off x="1933920" y="633240"/>
-            <a:ext cx="8323200" cy="1014480"/>
+            <a:ext cx="8322840" cy="1014120"/>
           </a:xfrm>
           <a:prstGeom prst="rect">
             <a:avLst/>
@@ -12294,7 +12325,7 @@
         <p:spPr>
           <a:xfrm>
             <a:off x="457560" y="954720"/>
-            <a:ext cx="6856920" cy="5216760"/>
+            <a:ext cx="6856560" cy="5216400"/>
           </a:xfrm>
           <a:prstGeom prst="rect">
             <a:avLst/>
@@ -13596,8 +13627,8 @@
         </p:nvSpPr>
         <p:spPr>
           <a:xfrm flipH="1">
-            <a:off x="5531760" y="1920240"/>
-            <a:ext cx="1965600" cy="1416600"/>
+            <a:off x="5531040" y="1920240"/>
+            <a:ext cx="1965240" cy="1416240"/>
           </a:xfrm>
           <a:prstGeom prst="curvedConnector3">
             <a:avLst>
@@ -13629,7 +13660,7 @@
         <p:spPr>
           <a:xfrm>
             <a:off x="7635240" y="1357920"/>
-            <a:ext cx="4251600" cy="1371240"/>
+            <a:ext cx="4251240" cy="1370880"/>
           </a:xfrm>
           <a:prstGeom prst="rect">
             <a:avLst/>
@@ -13996,7 +14027,7 @@
         <p:spPr>
           <a:xfrm>
             <a:off x="3703320" y="5897880"/>
-            <a:ext cx="4811400" cy="594000"/>
+            <a:ext cx="4811040" cy="593640"/>
           </a:xfrm>
           <a:prstGeom prst="rect">
             <a:avLst/>
@@ -14057,7 +14088,7 @@
         <p:txBody>
           <a:bodyPr/>
           <a:p>
-            <a:fld id="{1E678AC4-C929-45A8-9FD9-AA6B1A0D884E}" type="slidenum">
+            <a:fld id="{5A168BCB-BDC5-4BC2-AB8C-76E02676B793}" type="slidenum">
               <a:t>16</a:t>
             </a:fld>
           </a:p>
@@ -14102,7 +14133,7 @@
         <p:spPr>
           <a:xfrm>
             <a:off x="959400" y="3429000"/>
-            <a:ext cx="4709520" cy="273960"/>
+            <a:ext cx="4709160" cy="273600"/>
           </a:xfrm>
           <a:prstGeom prst="rect">
             <a:avLst/>
@@ -14132,7 +14163,7 @@
         <p:spPr>
           <a:xfrm>
             <a:off x="7589520" y="2546640"/>
-            <a:ext cx="4206600" cy="776880"/>
+            <a:ext cx="4206240" cy="776520"/>
           </a:xfrm>
           <a:prstGeom prst="rect">
             <a:avLst/>
@@ -14162,7 +14193,7 @@
         <p:spPr>
           <a:xfrm>
             <a:off x="1933920" y="633240"/>
-            <a:ext cx="8323200" cy="1014480"/>
+            <a:ext cx="8322840" cy="1014120"/>
           </a:xfrm>
           <a:prstGeom prst="rect">
             <a:avLst/>
@@ -14220,7 +14251,7 @@
         <p:spPr>
           <a:xfrm>
             <a:off x="457560" y="954720"/>
-            <a:ext cx="6856920" cy="5216760"/>
+            <a:ext cx="6856560" cy="5216400"/>
           </a:xfrm>
           <a:prstGeom prst="rect">
             <a:avLst/>
@@ -15523,7 +15554,7 @@
         <p:spPr>
           <a:xfrm>
             <a:off x="7635240" y="1357920"/>
-            <a:ext cx="4251600" cy="1371240"/>
+            <a:ext cx="4251240" cy="1370880"/>
           </a:xfrm>
           <a:prstGeom prst="rect">
             <a:avLst/>
@@ -15890,7 +15921,7 @@
         <p:spPr>
           <a:xfrm flipH="1">
             <a:off x="5715000" y="2926080"/>
-            <a:ext cx="1827720" cy="640440"/>
+            <a:ext cx="1827360" cy="640080"/>
           </a:xfrm>
           <a:prstGeom prst="curvedConnector3">
             <a:avLst>
@@ -15922,7 +15953,7 @@
         <p:spPr>
           <a:xfrm>
             <a:off x="3703320" y="5897880"/>
-            <a:ext cx="4811400" cy="594000"/>
+            <a:ext cx="4811040" cy="593640"/>
           </a:xfrm>
           <a:prstGeom prst="rect">
             <a:avLst/>
@@ -15983,7 +16014,7 @@
         <p:txBody>
           <a:bodyPr/>
           <a:p>
-            <a:fld id="{F96777CC-DDE8-41D8-A0FE-3BCE69867C97}" type="slidenum">
+            <a:fld id="{047CE0C4-70B8-4CAF-974F-1F6D6D1FBE40}" type="slidenum">
               <a:t>17</a:t>
             </a:fld>
           </a:p>
@@ -16028,7 +16059,7 @@
         <p:spPr>
           <a:xfrm>
             <a:off x="959400" y="4149000"/>
-            <a:ext cx="3978000" cy="273960"/>
+            <a:ext cx="3977640" cy="273600"/>
           </a:xfrm>
           <a:prstGeom prst="rect">
             <a:avLst/>
@@ -16058,7 +16089,7 @@
         <p:spPr>
           <a:xfrm>
             <a:off x="7588800" y="3333600"/>
-            <a:ext cx="4206600" cy="287640"/>
+            <a:ext cx="4206240" cy="287280"/>
           </a:xfrm>
           <a:prstGeom prst="rect">
             <a:avLst/>
@@ -16088,7 +16119,7 @@
         <p:spPr>
           <a:xfrm>
             <a:off x="1933920" y="633240"/>
-            <a:ext cx="8323200" cy="1014480"/>
+            <a:ext cx="8322840" cy="1014120"/>
           </a:xfrm>
           <a:prstGeom prst="rect">
             <a:avLst/>
@@ -16146,7 +16177,7 @@
         <p:spPr>
           <a:xfrm>
             <a:off x="457560" y="954720"/>
-            <a:ext cx="6856920" cy="5216760"/>
+            <a:ext cx="6856560" cy="5216400"/>
           </a:xfrm>
           <a:prstGeom prst="rect">
             <a:avLst/>
@@ -17449,7 +17480,7 @@
         <p:spPr>
           <a:xfrm>
             <a:off x="7635240" y="1357920"/>
-            <a:ext cx="4251600" cy="1371240"/>
+            <a:ext cx="4251240" cy="1370880"/>
           </a:xfrm>
           <a:prstGeom prst="rect">
             <a:avLst/>
@@ -17815,8 +17846,8 @@
         </p:nvSpPr>
         <p:spPr>
           <a:xfrm flipH="1">
-            <a:off x="5211720" y="3474720"/>
-            <a:ext cx="2331360" cy="822600"/>
+            <a:off x="5211000" y="3474720"/>
+            <a:ext cx="2331000" cy="822240"/>
           </a:xfrm>
           <a:prstGeom prst="curvedConnector3">
             <a:avLst>
@@ -17848,7 +17879,7 @@
         <p:spPr>
           <a:xfrm>
             <a:off x="3703320" y="5897880"/>
-            <a:ext cx="4811400" cy="594000"/>
+            <a:ext cx="4811040" cy="593640"/>
           </a:xfrm>
           <a:prstGeom prst="rect">
             <a:avLst/>
@@ -17909,7 +17940,7 @@
         <p:txBody>
           <a:bodyPr/>
           <a:p>
-            <a:fld id="{0048C705-5DEE-4FF4-A8DE-250AFAD45C9A}" type="slidenum">
+            <a:fld id="{739C7716-5AC6-45C1-B94D-F4A63483D305}" type="slidenum">
               <a:t>18</a:t>
             </a:fld>
           </a:p>
@@ -17954,7 +17985,7 @@
         <p:spPr>
           <a:xfrm>
             <a:off x="2514600" y="4663440"/>
-            <a:ext cx="1416960" cy="228240"/>
+            <a:ext cx="1416600" cy="227880"/>
           </a:xfrm>
           <a:prstGeom prst="rect">
             <a:avLst/>
@@ -17984,7 +18015,7 @@
         <p:spPr>
           <a:xfrm>
             <a:off x="7589520" y="3607920"/>
-            <a:ext cx="4206600" cy="287640"/>
+            <a:ext cx="4206240" cy="287280"/>
           </a:xfrm>
           <a:prstGeom prst="rect">
             <a:avLst/>
@@ -18014,7 +18045,7 @@
         <p:spPr>
           <a:xfrm>
             <a:off x="1933920" y="633240"/>
-            <a:ext cx="8323200" cy="1014480"/>
+            <a:ext cx="8322840" cy="1014120"/>
           </a:xfrm>
           <a:prstGeom prst="rect">
             <a:avLst/>
@@ -18072,7 +18103,7 @@
         <p:spPr>
           <a:xfrm>
             <a:off x="457560" y="954720"/>
-            <a:ext cx="6856920" cy="5216760"/>
+            <a:ext cx="6856560" cy="5216400"/>
           </a:xfrm>
           <a:prstGeom prst="rect">
             <a:avLst/>
@@ -19375,7 +19406,7 @@
         <p:spPr>
           <a:xfrm>
             <a:off x="7635240" y="1357920"/>
-            <a:ext cx="4251600" cy="1371240"/>
+            <a:ext cx="4251240" cy="1370880"/>
           </a:xfrm>
           <a:prstGeom prst="rect">
             <a:avLst/>
@@ -19742,7 +19773,7 @@
         <p:spPr>
           <a:xfrm flipH="1">
             <a:off x="3976920" y="3749040"/>
-            <a:ext cx="3565800" cy="914040"/>
+            <a:ext cx="3565440" cy="913680"/>
           </a:xfrm>
           <a:prstGeom prst="curvedConnector3">
             <a:avLst>
@@ -19774,7 +19805,7 @@
         <p:spPr>
           <a:xfrm>
             <a:off x="3703320" y="6035040"/>
-            <a:ext cx="4811400" cy="345960"/>
+            <a:ext cx="4811040" cy="345600"/>
           </a:xfrm>
           <a:prstGeom prst="rect">
             <a:avLst/>
@@ -19835,7 +19866,7 @@
         <p:txBody>
           <a:bodyPr/>
           <a:p>
-            <a:fld id="{4D75941C-1C0C-454F-8860-87DE7D9B5D78}" type="slidenum">
+            <a:fld id="{36C67F6D-81AF-4905-9A99-B200E3155F8C}" type="slidenum">
               <a:t>19</a:t>
             </a:fld>
           </a:p>
@@ -19880,7 +19911,7 @@
         <p:spPr>
           <a:xfrm>
             <a:off x="1933920" y="633240"/>
-            <a:ext cx="8323200" cy="1014480"/>
+            <a:ext cx="8322840" cy="1014120"/>
           </a:xfrm>
           <a:prstGeom prst="rect">
             <a:avLst/>
@@ -19938,7 +19969,7 @@
         <p:spPr>
           <a:xfrm>
             <a:off x="1721160" y="1710000"/>
-            <a:ext cx="8748000" cy="3838680"/>
+            <a:ext cx="8747640" cy="3838680"/>
           </a:xfrm>
           <a:prstGeom prst="rect">
             <a:avLst/>
@@ -20207,7 +20238,7 @@
         <p:txBody>
           <a:bodyPr/>
           <a:p>
-            <a:fld id="{D3DFA17B-046F-4060-B72A-6F9735A39C0F}" type="slidenum">
+            <a:fld id="{1A8AD339-F661-4756-8C5E-DC6AAE5B7A73}" type="slidenum">
               <a:t>2</a:t>
             </a:fld>
           </a:p>
@@ -20252,7 +20283,7 @@
         <p:spPr>
           <a:xfrm>
             <a:off x="4434840" y="4663440"/>
-            <a:ext cx="1554120" cy="228240"/>
+            <a:ext cx="1553760" cy="227880"/>
           </a:xfrm>
           <a:prstGeom prst="rect">
             <a:avLst/>
@@ -20282,7 +20313,7 @@
         <p:spPr>
           <a:xfrm>
             <a:off x="7588800" y="3882240"/>
-            <a:ext cx="4206600" cy="287640"/>
+            <a:ext cx="4206240" cy="287280"/>
           </a:xfrm>
           <a:prstGeom prst="rect">
             <a:avLst/>
@@ -20312,7 +20343,7 @@
         <p:spPr>
           <a:xfrm>
             <a:off x="1933920" y="633240"/>
-            <a:ext cx="8323200" cy="1014480"/>
+            <a:ext cx="8322840" cy="1014120"/>
           </a:xfrm>
           <a:prstGeom prst="rect">
             <a:avLst/>
@@ -20370,7 +20401,7 @@
         <p:spPr>
           <a:xfrm>
             <a:off x="457560" y="954720"/>
-            <a:ext cx="6856920" cy="5216760"/>
+            <a:ext cx="6856560" cy="5216400"/>
           </a:xfrm>
           <a:prstGeom prst="rect">
             <a:avLst/>
@@ -21673,7 +21704,7 @@
         <p:spPr>
           <a:xfrm>
             <a:off x="7635240" y="1357920"/>
-            <a:ext cx="4251600" cy="1371240"/>
+            <a:ext cx="4251240" cy="1370880"/>
           </a:xfrm>
           <a:prstGeom prst="rect">
             <a:avLst/>
@@ -22040,7 +22071,7 @@
         <p:spPr>
           <a:xfrm flipH="1">
             <a:off x="6080040" y="4023360"/>
-            <a:ext cx="1462680" cy="639720"/>
+            <a:ext cx="1462320" cy="639360"/>
           </a:xfrm>
           <a:prstGeom prst="curvedConnector3">
             <a:avLst>
@@ -22072,7 +22103,7 @@
         <p:spPr>
           <a:xfrm>
             <a:off x="3703320" y="6035040"/>
-            <a:ext cx="4811400" cy="345960"/>
+            <a:ext cx="4811040" cy="345600"/>
           </a:xfrm>
           <a:prstGeom prst="rect">
             <a:avLst/>
@@ -22133,7 +22164,7 @@
         <p:txBody>
           <a:bodyPr/>
           <a:p>
-            <a:fld id="{4AB8E874-249E-4199-88BD-B03948CE7ED6}" type="slidenum">
+            <a:fld id="{276D2907-7EDF-46E0-8D6D-3E91B9577E34}" type="slidenum">
               <a:t>20</a:t>
             </a:fld>
           </a:p>
@@ -22178,7 +22209,7 @@
         <p:spPr>
           <a:xfrm>
             <a:off x="2514600" y="4663440"/>
-            <a:ext cx="3611520" cy="228240"/>
+            <a:ext cx="3611160" cy="227880"/>
           </a:xfrm>
           <a:prstGeom prst="rect">
             <a:avLst/>
@@ -22208,7 +22239,7 @@
         <p:spPr>
           <a:xfrm>
             <a:off x="7588800" y="4170240"/>
-            <a:ext cx="4206600" cy="264240"/>
+            <a:ext cx="4206240" cy="263880"/>
           </a:xfrm>
           <a:prstGeom prst="rect">
             <a:avLst/>
@@ -22238,7 +22269,7 @@
         <p:spPr>
           <a:xfrm>
             <a:off x="1933920" y="633240"/>
-            <a:ext cx="8323200" cy="1014480"/>
+            <a:ext cx="8322840" cy="1014120"/>
           </a:xfrm>
           <a:prstGeom prst="rect">
             <a:avLst/>
@@ -22296,7 +22327,7 @@
         <p:spPr>
           <a:xfrm>
             <a:off x="457560" y="954720"/>
-            <a:ext cx="6856920" cy="5216760"/>
+            <a:ext cx="6856560" cy="5216400"/>
           </a:xfrm>
           <a:prstGeom prst="rect">
             <a:avLst/>
@@ -23599,7 +23630,7 @@
         <p:spPr>
           <a:xfrm>
             <a:off x="7635240" y="1357920"/>
-            <a:ext cx="4251600" cy="1371240"/>
+            <a:ext cx="4251240" cy="1370880"/>
           </a:xfrm>
           <a:prstGeom prst="rect">
             <a:avLst/>
@@ -23966,7 +23997,7 @@
         <p:spPr>
           <a:xfrm flipH="1">
             <a:off x="6354360" y="4297680"/>
-            <a:ext cx="1188360" cy="456840"/>
+            <a:ext cx="1188000" cy="456480"/>
           </a:xfrm>
           <a:prstGeom prst="curvedConnector3">
             <a:avLst>
@@ -23998,7 +24029,7 @@
         <p:spPr>
           <a:xfrm>
             <a:off x="3703320" y="6035040"/>
-            <a:ext cx="4811400" cy="345960"/>
+            <a:ext cx="4811040" cy="345600"/>
           </a:xfrm>
           <a:prstGeom prst="rect">
             <a:avLst/>
@@ -24059,7 +24090,7 @@
         <p:txBody>
           <a:bodyPr/>
           <a:p>
-            <a:fld id="{2D58D6BE-24EE-42EC-B57A-D68DD0E85FB9}" type="slidenum">
+            <a:fld id="{C0D2D870-F533-48ED-B68E-7F54F0178C12}" type="slidenum">
               <a:t>21</a:t>
             </a:fld>
           </a:p>
@@ -24104,7 +24135,7 @@
         <p:spPr>
           <a:xfrm>
             <a:off x="2148840" y="4434840"/>
-            <a:ext cx="868320" cy="228240"/>
+            <a:ext cx="867960" cy="227880"/>
           </a:xfrm>
           <a:prstGeom prst="rect">
             <a:avLst/>
@@ -24134,7 +24165,7 @@
         <p:spPr>
           <a:xfrm>
             <a:off x="7588800" y="4458240"/>
-            <a:ext cx="4206600" cy="250560"/>
+            <a:ext cx="4206240" cy="250200"/>
           </a:xfrm>
           <a:prstGeom prst="rect">
             <a:avLst/>
@@ -24164,7 +24195,7 @@
         <p:spPr>
           <a:xfrm>
             <a:off x="1933920" y="633240"/>
-            <a:ext cx="8323200" cy="1014480"/>
+            <a:ext cx="8322840" cy="1014120"/>
           </a:xfrm>
           <a:prstGeom prst="rect">
             <a:avLst/>
@@ -24222,7 +24253,7 @@
         <p:spPr>
           <a:xfrm>
             <a:off x="457560" y="954720"/>
-            <a:ext cx="6856920" cy="5216760"/>
+            <a:ext cx="6856560" cy="5216400"/>
           </a:xfrm>
           <a:prstGeom prst="rect">
             <a:avLst/>
@@ -25525,7 +25556,7 @@
         <p:spPr>
           <a:xfrm>
             <a:off x="7635240" y="1357920"/>
-            <a:ext cx="4251600" cy="1371240"/>
+            <a:ext cx="4251240" cy="1370880"/>
           </a:xfrm>
           <a:prstGeom prst="rect">
             <a:avLst/>
@@ -25891,8 +25922,8 @@
         </p:nvSpPr>
         <p:spPr>
           <a:xfrm flipH="1" flipV="1">
-            <a:off x="3200040" y="4525560"/>
-            <a:ext cx="4343040" cy="91080"/>
+            <a:off x="3199320" y="4525560"/>
+            <a:ext cx="4342680" cy="90720"/>
           </a:xfrm>
           <a:prstGeom prst="curvedConnector3">
             <a:avLst>
@@ -25924,7 +25955,7 @@
         <p:spPr>
           <a:xfrm>
             <a:off x="3703320" y="6035040"/>
-            <a:ext cx="4811400" cy="345960"/>
+            <a:ext cx="4811040" cy="345600"/>
           </a:xfrm>
           <a:prstGeom prst="rect">
             <a:avLst/>
@@ -25985,7 +26016,7 @@
         <p:txBody>
           <a:bodyPr/>
           <a:p>
-            <a:fld id="{9484784D-0F76-4041-B6FA-3E8221DA0447}" type="slidenum">
+            <a:fld id="{BFEE765A-BE2C-41BF-8A09-46B29B0AADC3}" type="slidenum">
               <a:t>22</a:t>
             </a:fld>
           </a:p>
@@ -26030,7 +26061,7 @@
         <p:spPr>
           <a:xfrm>
             <a:off x="1417320" y="4434840"/>
-            <a:ext cx="1691280" cy="228240"/>
+            <a:ext cx="1690920" cy="227880"/>
           </a:xfrm>
           <a:prstGeom prst="rect">
             <a:avLst/>
@@ -26060,7 +26091,7 @@
         <p:spPr>
           <a:xfrm>
             <a:off x="7588800" y="4709160"/>
-            <a:ext cx="4206600" cy="265320"/>
+            <a:ext cx="4206240" cy="264960"/>
           </a:xfrm>
           <a:prstGeom prst="rect">
             <a:avLst/>
@@ -26090,7 +26121,7 @@
         <p:spPr>
           <a:xfrm>
             <a:off x="1933920" y="633240"/>
-            <a:ext cx="8323200" cy="1014480"/>
+            <a:ext cx="8322840" cy="1014120"/>
           </a:xfrm>
           <a:prstGeom prst="rect">
             <a:avLst/>
@@ -26148,7 +26179,7 @@
         <p:spPr>
           <a:xfrm>
             <a:off x="457560" y="954720"/>
-            <a:ext cx="6856920" cy="5216760"/>
+            <a:ext cx="6856560" cy="5216400"/>
           </a:xfrm>
           <a:prstGeom prst="rect">
             <a:avLst/>
@@ -27451,7 +27482,7 @@
         <p:spPr>
           <a:xfrm>
             <a:off x="7635240" y="1357920"/>
-            <a:ext cx="4251600" cy="1371240"/>
+            <a:ext cx="4251240" cy="1370880"/>
           </a:xfrm>
           <a:prstGeom prst="rect">
             <a:avLst/>
@@ -27817,8 +27848,8 @@
         </p:nvSpPr>
         <p:spPr>
           <a:xfrm flipH="1" flipV="1">
-            <a:off x="3200040" y="4525560"/>
-            <a:ext cx="4343040" cy="365400"/>
+            <a:off x="3199320" y="4525560"/>
+            <a:ext cx="4342680" cy="365040"/>
           </a:xfrm>
           <a:prstGeom prst="curvedConnector3">
             <a:avLst>
@@ -27850,7 +27881,7 @@
         <p:spPr>
           <a:xfrm>
             <a:off x="3703320" y="6035040"/>
-            <a:ext cx="4811400" cy="345960"/>
+            <a:ext cx="4811040" cy="345600"/>
           </a:xfrm>
           <a:prstGeom prst="rect">
             <a:avLst/>
@@ -27911,7 +27942,7 @@
         <p:txBody>
           <a:bodyPr/>
           <a:p>
-            <a:fld id="{735690A1-1F5D-4C32-9E1C-D9ECFB8700AE}" type="slidenum">
+            <a:fld id="{D24210E4-4A61-484B-BF3A-0786787A2696}" type="slidenum">
               <a:t>23</a:t>
             </a:fld>
           </a:p>
@@ -27956,7 +27987,7 @@
         <p:spPr>
           <a:xfrm>
             <a:off x="1417320" y="4673160"/>
-            <a:ext cx="4937400" cy="228240"/>
+            <a:ext cx="4937040" cy="227880"/>
           </a:xfrm>
           <a:prstGeom prst="rect">
             <a:avLst/>
@@ -27986,7 +28017,7 @@
         <p:spPr>
           <a:xfrm>
             <a:off x="7588800" y="4998240"/>
-            <a:ext cx="4206600" cy="259200"/>
+            <a:ext cx="4206240" cy="258840"/>
           </a:xfrm>
           <a:prstGeom prst="rect">
             <a:avLst/>
@@ -28016,7 +28047,7 @@
         <p:spPr>
           <a:xfrm>
             <a:off x="1933920" y="633240"/>
-            <a:ext cx="8323200" cy="1014480"/>
+            <a:ext cx="8322840" cy="1014120"/>
           </a:xfrm>
           <a:prstGeom prst="rect">
             <a:avLst/>
@@ -28074,7 +28105,7 @@
         <p:spPr>
           <a:xfrm>
             <a:off x="457560" y="954720"/>
-            <a:ext cx="6856920" cy="5216760"/>
+            <a:ext cx="6856560" cy="5216400"/>
           </a:xfrm>
           <a:prstGeom prst="rect">
             <a:avLst/>
@@ -29377,7 +29408,7 @@
         <p:spPr>
           <a:xfrm>
             <a:off x="7635240" y="1357920"/>
-            <a:ext cx="4251600" cy="1371240"/>
+            <a:ext cx="4251240" cy="1370880"/>
           </a:xfrm>
           <a:prstGeom prst="rect">
             <a:avLst/>
@@ -29743,8 +29774,8 @@
         </p:nvSpPr>
         <p:spPr>
           <a:xfrm flipH="1" flipV="1">
-            <a:off x="6445800" y="4800240"/>
-            <a:ext cx="1096920" cy="319680"/>
+            <a:off x="6445800" y="4799520"/>
+            <a:ext cx="1096560" cy="319320"/>
           </a:xfrm>
           <a:prstGeom prst="curvedConnector3">
             <a:avLst>
@@ -29776,7 +29807,7 @@
         <p:spPr>
           <a:xfrm>
             <a:off x="3703320" y="6035040"/>
-            <a:ext cx="4811400" cy="345960"/>
+            <a:ext cx="4811040" cy="345600"/>
           </a:xfrm>
           <a:prstGeom prst="rect">
             <a:avLst/>
@@ -29837,7 +29868,7 @@
         <p:txBody>
           <a:bodyPr/>
           <a:p>
-            <a:fld id="{C83783F0-E5A0-435E-B69F-2347E8E6B3DE}" type="slidenum">
+            <a:fld id="{729BB8FB-276C-4FB8-93E8-A722E547E0E0}" type="slidenum">
               <a:t>24</a:t>
             </a:fld>
           </a:p>
@@ -29882,7 +29913,7 @@
         <p:spPr>
           <a:xfrm>
             <a:off x="1417320" y="4901760"/>
-            <a:ext cx="5577480" cy="264240"/>
+            <a:ext cx="5577120" cy="263880"/>
           </a:xfrm>
           <a:prstGeom prst="rect">
             <a:avLst/>
@@ -29912,7 +29943,7 @@
         <p:spPr>
           <a:xfrm>
             <a:off x="1933920" y="633240"/>
-            <a:ext cx="8323200" cy="1014480"/>
+            <a:ext cx="8322840" cy="1014120"/>
           </a:xfrm>
           <a:prstGeom prst="rect">
             <a:avLst/>
@@ -29970,7 +30001,7 @@
         <p:spPr>
           <a:xfrm>
             <a:off x="457560" y="954720"/>
-            <a:ext cx="6856920" cy="5216760"/>
+            <a:ext cx="6856560" cy="5216400"/>
           </a:xfrm>
           <a:prstGeom prst="rect">
             <a:avLst/>
@@ -31273,7 +31304,7 @@
         <p:spPr>
           <a:xfrm>
             <a:off x="7635240" y="1357920"/>
-            <a:ext cx="4251600" cy="1371240"/>
+            <a:ext cx="4251240" cy="1370880"/>
           </a:xfrm>
           <a:prstGeom prst="rect">
             <a:avLst/>
@@ -31640,7 +31671,7 @@
         <p:spPr>
           <a:xfrm>
             <a:off x="3703320" y="6035040"/>
-            <a:ext cx="4811400" cy="345960"/>
+            <a:ext cx="4811040" cy="345600"/>
           </a:xfrm>
           <a:prstGeom prst="rect">
             <a:avLst/>
@@ -31701,7 +31732,7 @@
         <p:txBody>
           <a:bodyPr/>
           <a:p>
-            <a:fld id="{7237DD16-EF06-452A-B709-B3B26381597C}" type="slidenum">
+            <a:fld id="{96CB7218-01FA-4219-BD2B-7E0E79885FB8}" type="slidenum">
               <a:t>25</a:t>
             </a:fld>
           </a:p>
@@ -31746,7 +31777,7 @@
         <p:spPr>
           <a:xfrm>
             <a:off x="1417320" y="5167440"/>
-            <a:ext cx="1737000" cy="228240"/>
+            <a:ext cx="1736640" cy="227880"/>
           </a:xfrm>
           <a:prstGeom prst="rect">
             <a:avLst/>
@@ -31776,7 +31807,7 @@
         <p:spPr>
           <a:xfrm>
             <a:off x="7588800" y="5532120"/>
-            <a:ext cx="4206600" cy="270360"/>
+            <a:ext cx="4206240" cy="270000"/>
           </a:xfrm>
           <a:prstGeom prst="rect">
             <a:avLst/>
@@ -31806,7 +31837,7 @@
         <p:spPr>
           <a:xfrm>
             <a:off x="1933920" y="633240"/>
-            <a:ext cx="8323200" cy="1014480"/>
+            <a:ext cx="8322840" cy="1014120"/>
           </a:xfrm>
           <a:prstGeom prst="rect">
             <a:avLst/>
@@ -31864,7 +31895,7 @@
         <p:spPr>
           <a:xfrm>
             <a:off x="457560" y="954720"/>
-            <a:ext cx="6856920" cy="5216760"/>
+            <a:ext cx="6856560" cy="5216400"/>
           </a:xfrm>
           <a:prstGeom prst="rect">
             <a:avLst/>
@@ -33167,7 +33198,7 @@
         <p:spPr>
           <a:xfrm>
             <a:off x="7635240" y="1357920"/>
-            <a:ext cx="4251600" cy="1371240"/>
+            <a:ext cx="4251240" cy="1370880"/>
           </a:xfrm>
           <a:prstGeom prst="rect">
             <a:avLst/>
@@ -33533,8 +33564,8 @@
         </p:nvSpPr>
         <p:spPr>
           <a:xfrm flipH="1" flipV="1">
-            <a:off x="3200040" y="5303160"/>
-            <a:ext cx="4343040" cy="411120"/>
+            <a:off x="3199320" y="5302440"/>
+            <a:ext cx="4342680" cy="410760"/>
           </a:xfrm>
           <a:prstGeom prst="curvedConnector3">
             <a:avLst>
@@ -33566,7 +33597,7 @@
         <p:spPr>
           <a:xfrm>
             <a:off x="3703320" y="6035040"/>
-            <a:ext cx="4811400" cy="345960"/>
+            <a:ext cx="4811040" cy="345600"/>
           </a:xfrm>
           <a:prstGeom prst="rect">
             <a:avLst/>
@@ -33596,7 +33627,7 @@
         <p:spPr>
           <a:xfrm>
             <a:off x="3914280" y="6035040"/>
-            <a:ext cx="4363200" cy="365400"/>
+            <a:ext cx="4362840" cy="365040"/>
           </a:xfrm>
           <a:prstGeom prst="rect">
             <a:avLst/>
@@ -33625,7 +33656,11 @@
             </a:pPr>
             <a:r>
               <a:rPr b="0" lang="en-US" sz="1800" spc="-1" strike="noStrike">
+                <a:solidFill>
+                  <a:srgbClr val="000000"/>
+                </a:solidFill>
                 <a:latin typeface="Arial"/>
+                <a:ea typeface="DejaVu Sans"/>
               </a:rPr>
               <a:t>store the modified OSPEEDR value back</a:t>
             </a:r>
@@ -33649,7 +33684,7 @@
         <p:txBody>
           <a:bodyPr/>
           <a:p>
-            <a:fld id="{BEEAC15E-0387-4B05-BE36-D29877509024}" type="slidenum">
+            <a:fld id="{25D7B890-055C-40C4-A82C-BFF59EA4C7EF}" type="slidenum">
               <a:t>26</a:t>
             </a:fld>
           </a:p>
@@ -33694,7 +33729,7 @@
         <p:spPr>
           <a:xfrm>
             <a:off x="1691640" y="2651760"/>
-            <a:ext cx="5532120" cy="2057400"/>
+            <a:ext cx="5531760" cy="2057040"/>
           </a:xfrm>
           <a:prstGeom prst="rect">
             <a:avLst/>
@@ -33841,7 +33876,7 @@
         <p:spPr>
           <a:xfrm>
             <a:off x="1933920" y="633240"/>
-            <a:ext cx="8323200" cy="1014480"/>
+            <a:ext cx="8322840" cy="1014120"/>
           </a:xfrm>
           <a:prstGeom prst="rect">
             <a:avLst/>
@@ -33904,7 +33939,7 @@
         <p:txBody>
           <a:bodyPr/>
           <a:p>
-            <a:fld id="{42F71741-960C-49A7-BB36-4D26CFCC9936}" type="slidenum">
+            <a:fld id="{B5CCBD29-C14A-4001-8658-987AB788DBD9}" type="slidenum">
               <a:t>27</a:t>
             </a:fld>
           </a:p>
@@ -33949,7 +33984,7 @@
         <p:spPr>
           <a:xfrm>
             <a:off x="1691640" y="2651760"/>
-            <a:ext cx="5532120" cy="2057400"/>
+            <a:ext cx="5531760" cy="2057040"/>
           </a:xfrm>
           <a:prstGeom prst="rect">
             <a:avLst/>
@@ -34100,7 +34135,7 @@
         <p:spPr>
           <a:xfrm>
             <a:off x="7132320" y="2304360"/>
-            <a:ext cx="2907000" cy="3273480"/>
+            <a:ext cx="2906640" cy="3273120"/>
           </a:xfrm>
           <a:prstGeom prst="rect">
             <a:avLst/>
@@ -34123,7 +34158,7 @@
         <p:spPr>
           <a:xfrm>
             <a:off x="1846440" y="1991160"/>
-            <a:ext cx="3685680" cy="3723840"/>
+            <a:ext cx="3685320" cy="3723480"/>
           </a:xfrm>
           <a:prstGeom prst="rect">
             <a:avLst/>
@@ -34142,7 +34177,7 @@
         <p:spPr>
           <a:xfrm>
             <a:off x="1933920" y="633240"/>
-            <a:ext cx="8323200" cy="1014480"/>
+            <a:ext cx="8322840" cy="1014120"/>
           </a:xfrm>
           <a:prstGeom prst="rect">
             <a:avLst/>
@@ -34183,17 +34218,7 @@
                 <a:latin typeface="Aptos"/>
                 <a:ea typeface="DejaVu Sans"/>
               </a:rPr>
-              <a:t>Inefficiencies in </a:t>
-            </a:r>
-            <a:r>
-              <a:rPr b="0" lang="en-US" sz="3200" spc="-1" strike="noStrike">
-                <a:solidFill>
-                  <a:srgbClr val="000000"/>
-                </a:solidFill>
-                <a:latin typeface="Aptos"/>
-                <a:ea typeface="DejaVu Sans"/>
-              </a:rPr>
-              <a:t>HAL</a:t>
+              <a:t>Inefficiencies in HAL</a:t>
             </a:r>
             <a:endParaRPr b="0" lang="en-US" sz="3200" spc="-1" strike="noStrike">
               <a:latin typeface="Arial"/>
@@ -34215,7 +34240,7 @@
         <p:txBody>
           <a:bodyPr/>
           <a:p>
-            <a:fld id="{98E1C5ED-B74B-4BAA-BE38-2F3EE69768A6}" type="slidenum">
+            <a:fld id="{C98E0B2B-8ACA-4A49-BB8A-4A96CC872C53}" type="slidenum">
               <a:t>28</a:t>
             </a:fld>
           </a:p>
@@ -34253,161 +34278,14 @@
       </p:grpSpPr>
       <p:sp>
         <p:nvSpPr>
-          <p:cNvPr id="273" name=""/>
-          <p:cNvSpPr/>
-          <p:nvPr/>
-        </p:nvSpPr>
-        <p:spPr>
-          <a:xfrm>
-            <a:off x="1691640" y="1737360"/>
-            <a:ext cx="9646920" cy="2057400"/>
-          </a:xfrm>
-          <a:prstGeom prst="rect">
-            <a:avLst/>
-          </a:prstGeom>
-          <a:noFill/>
-          <a:ln w="0">
-            <a:noFill/>
-          </a:ln>
-        </p:spPr>
-        <p:style>
-          <a:lnRef idx="0"/>
-          <a:fillRef idx="0"/>
-          <a:effectRef idx="0"/>
-          <a:fontRef idx="minor"/>
-        </p:style>
-        <p:txBody>
-          <a:bodyPr lIns="90000" rIns="90000" tIns="45000" bIns="45000" anchor="t">
-            <a:noAutofit/>
-          </a:bodyPr>
-          <a:p>
-            <a:pPr marL="216000" indent="-216000">
-              <a:lnSpc>
-                <a:spcPct val="100000"/>
-              </a:lnSpc>
-              <a:spcBef>
-                <a:spcPts val="2449"/>
-              </a:spcBef>
-              <a:buClr>
-                <a:srgbClr val="000000"/>
-              </a:buClr>
-              <a:buSzPct val="45000"/>
-              <a:buFont typeface="Wingdings" charset="2"/>
-              <a:buChar char=""/>
-            </a:pPr>
-            <a:r>
-              <a:rPr b="0" lang="en-US" sz="2200" spc="-1" strike="noStrike">
-                <a:solidFill>
-                  <a:srgbClr val="000000"/>
-                </a:solidFill>
-                <a:latin typeface="Arial"/>
-                <a:ea typeface="DejaVu Sans"/>
-              </a:rPr>
-              <a:t>This is about the “special” cases where the hardware is known, which is common for embedded systems.</a:t>
-            </a:r>
-            <a:endParaRPr b="0" lang="en-US" sz="2200" spc="-1" strike="noStrike">
-              <a:latin typeface="Arial"/>
-            </a:endParaRPr>
-          </a:p>
-          <a:p>
-            <a:pPr marL="216000" indent="-216000">
-              <a:lnSpc>
-                <a:spcPct val="100000"/>
-              </a:lnSpc>
-              <a:spcBef>
-                <a:spcPts val="2449"/>
-              </a:spcBef>
-              <a:buClr>
-                <a:srgbClr val="000000"/>
-              </a:buClr>
-              <a:buSzPct val="45000"/>
-              <a:buFont typeface="Wingdings" charset="2"/>
-              <a:buChar char=""/>
-            </a:pPr>
-            <a:r>
-              <a:rPr b="0" lang="en-US" sz="2200" spc="-1" strike="noStrike">
-                <a:solidFill>
-                  <a:srgbClr val="000000"/>
-                </a:solidFill>
-                <a:latin typeface="Arial"/>
-                <a:ea typeface="DejaVu Sans"/>
-              </a:rPr>
-              <a:t>I did not replace the HAL given by the manufacturer, I extended it.</a:t>
-            </a:r>
-            <a:endParaRPr b="0" lang="en-US" sz="2200" spc="-1" strike="noStrike">
-              <a:latin typeface="Arial"/>
-            </a:endParaRPr>
-          </a:p>
-          <a:p>
-            <a:pPr marL="216000" indent="-216000">
-              <a:lnSpc>
-                <a:spcPct val="100000"/>
-              </a:lnSpc>
-              <a:spcBef>
-                <a:spcPts val="2449"/>
-              </a:spcBef>
-              <a:buClr>
-                <a:srgbClr val="000000"/>
-              </a:buClr>
-              <a:buSzPct val="45000"/>
-              <a:buFont typeface="Wingdings" charset="2"/>
-              <a:buChar char=""/>
-            </a:pPr>
-            <a:r>
-              <a:rPr b="0" lang="en-US" sz="2200" spc="-1" strike="noStrike">
-                <a:solidFill>
-                  <a:srgbClr val="000000"/>
-                </a:solidFill>
-                <a:latin typeface="Arial"/>
-                <a:ea typeface="DejaVu Sans"/>
-              </a:rPr>
-              <a:t>The same techniques can be used in any other application as well, if the circumstances allow it.</a:t>
-            </a:r>
-            <a:endParaRPr b="0" lang="en-US" sz="2200" spc="-1" strike="noStrike">
-              <a:latin typeface="Arial"/>
-            </a:endParaRPr>
-          </a:p>
-          <a:p>
-            <a:pPr marL="216000" indent="-216000">
-              <a:lnSpc>
-                <a:spcPct val="100000"/>
-              </a:lnSpc>
-              <a:spcBef>
-                <a:spcPts val="2449"/>
-              </a:spcBef>
-              <a:buClr>
-                <a:srgbClr val="000000"/>
-              </a:buClr>
-              <a:buSzPct val="45000"/>
-              <a:buFont typeface="Wingdings" charset="2"/>
-              <a:buChar char=""/>
-            </a:pPr>
-            <a:r>
-              <a:rPr b="0" lang="en-US" sz="2200" spc="-1" strike="noStrike">
-                <a:solidFill>
-                  <a:srgbClr val="000000"/>
-                </a:solidFill>
-                <a:latin typeface="Arial"/>
-                <a:ea typeface="DejaVu Sans"/>
-              </a:rPr>
-              <a:t>These are no guidelines or rules.</a:t>
-            </a:r>
-            <a:endParaRPr b="0" lang="en-US" sz="2200" spc="-1" strike="noStrike">
-              <a:latin typeface="Arial"/>
-            </a:endParaRPr>
-          </a:p>
-        </p:txBody>
-      </p:sp>
-      <p:sp>
-        <p:nvSpPr>
-          <p:cNvPr id="274" name="Subtitle 26"/>
+          <p:cNvPr id="273" name="Subtitle 4"/>
           <p:cNvSpPr/>
           <p:nvPr/>
         </p:nvSpPr>
         <p:spPr>
           <a:xfrm>
             <a:off x="1933920" y="633240"/>
-            <a:ext cx="8323200" cy="1014480"/>
+            <a:ext cx="8322840" cy="1014120"/>
           </a:xfrm>
           <a:prstGeom prst="rect">
             <a:avLst/>
@@ -34448,7 +34326,7 @@
                 <a:latin typeface="Aptos"/>
                 <a:ea typeface="DejaVu Sans"/>
               </a:rPr>
-              <a:t>Notes</a:t>
+              <a:t>Encapsulation</a:t>
             </a:r>
             <a:endParaRPr b="0" lang="en-US" sz="3200" spc="-1" strike="noStrike">
               <a:latin typeface="Arial"/>
@@ -34456,6 +34334,29 @@
           </a:p>
         </p:txBody>
       </p:sp>
+      <p:pic>
+        <p:nvPicPr>
+          <p:cNvPr id="274" name="" descr=""/>
+          <p:cNvPicPr/>
+          <p:nvPr/>
+        </p:nvPicPr>
+        <p:blipFill>
+          <a:blip r:embed="rId1"/>
+          <a:stretch/>
+        </p:blipFill>
+        <p:spPr>
+          <a:xfrm>
+            <a:off x="999000" y="1658880"/>
+            <a:ext cx="10522440" cy="4330440"/>
+          </a:xfrm>
+          <a:prstGeom prst="rect">
+            <a:avLst/>
+          </a:prstGeom>
+          <a:ln w="0">
+            <a:noFill/>
+          </a:ln>
+        </p:spPr>
+      </p:pic>
       <p:sp>
         <p:nvSpPr>
           <p:cNvPr id="2" name="PlaceHolder 1"/>
@@ -34470,7 +34371,7 @@
         <p:txBody>
           <a:bodyPr/>
           <a:p>
-            <a:fld id="{AB3A82BF-FFAC-4A27-B59A-5BDBF95D01F4}" type="slidenum">
+            <a:fld id="{57F2A569-A0C8-4D38-BA26-625164A0D3E9}" type="slidenum">
               <a:t>29</a:t>
             </a:fld>
           </a:p>
@@ -34515,7 +34416,7 @@
         <p:spPr>
           <a:xfrm>
             <a:off x="1933920" y="633240"/>
-            <a:ext cx="8323200" cy="1014480"/>
+            <a:ext cx="8322840" cy="1014120"/>
           </a:xfrm>
           <a:prstGeom prst="rect">
             <a:avLst/>
@@ -34577,7 +34478,7 @@
         <p:spPr>
           <a:xfrm>
             <a:off x="8006400" y="1670040"/>
-            <a:ext cx="1764000" cy="1986480"/>
+            <a:ext cx="1763640" cy="1986120"/>
           </a:xfrm>
           <a:prstGeom prst="rect">
             <a:avLst/>
@@ -34596,7 +34497,7 @@
         <p:spPr>
           <a:xfrm>
             <a:off x="876600" y="1646640"/>
-            <a:ext cx="7128720" cy="4480200"/>
+            <a:ext cx="7128360" cy="4480200"/>
           </a:xfrm>
           <a:prstGeom prst="rect">
             <a:avLst/>
@@ -34911,7 +34812,7 @@
         <p:spPr>
           <a:xfrm>
             <a:off x="8915400" y="4800600"/>
-            <a:ext cx="922320" cy="795600"/>
+            <a:ext cx="921960" cy="795240"/>
           </a:xfrm>
           <a:prstGeom prst="rect">
             <a:avLst/>
@@ -34934,7 +34835,7 @@
         <p:spPr>
           <a:xfrm>
             <a:off x="7772400" y="4343400"/>
-            <a:ext cx="925560" cy="903600"/>
+            <a:ext cx="925200" cy="903240"/>
           </a:xfrm>
           <a:prstGeom prst="rect">
             <a:avLst/>
@@ -34958,7 +34859,7 @@
         <p:txBody>
           <a:bodyPr/>
           <a:p>
-            <a:fld id="{EC94483C-94E8-48FF-8FA4-C4BA40DF92BE}" type="slidenum">
+            <a:fld id="{6F7FE43F-E9BF-4A2F-B22F-89888435715C}" type="slidenum">
               <a:t>3</a:t>
             </a:fld>
           </a:p>
@@ -34996,14 +34897,14 @@
       </p:grpSpPr>
       <p:sp>
         <p:nvSpPr>
-          <p:cNvPr id="275" name="Subtitle 29"/>
+          <p:cNvPr id="275" name="Subtitle 3"/>
           <p:cNvSpPr/>
           <p:nvPr/>
         </p:nvSpPr>
         <p:spPr>
           <a:xfrm>
             <a:off x="1933920" y="633240"/>
-            <a:ext cx="8323200" cy="1014480"/>
+            <a:ext cx="8322840" cy="1014120"/>
           </a:xfrm>
           <a:prstGeom prst="rect">
             <a:avLst/>
@@ -35044,943 +34945,9 @@
                 <a:latin typeface="Aptos"/>
                 <a:ea typeface="DejaVu Sans"/>
               </a:rPr>
-              <a:t>Enumerations</a:t>
+              <a:t>Inheritance</a:t>
             </a:r>
             <a:endParaRPr b="0" lang="en-US" sz="3200" spc="-1" strike="noStrike">
-              <a:latin typeface="Arial"/>
-            </a:endParaRPr>
-          </a:p>
-        </p:txBody>
-      </p:sp>
-      <p:sp>
-        <p:nvSpPr>
-          <p:cNvPr id="276" name=""/>
-          <p:cNvSpPr/>
-          <p:nvPr/>
-        </p:nvSpPr>
-        <p:spPr>
-          <a:xfrm>
-            <a:off x="3256200" y="2514600"/>
-            <a:ext cx="5298120" cy="1968480"/>
-          </a:xfrm>
-          <a:prstGeom prst="rect">
-            <a:avLst/>
-          </a:prstGeom>
-          <a:noFill/>
-          <a:ln w="0">
-            <a:noFill/>
-          </a:ln>
-        </p:spPr>
-        <p:style>
-          <a:lnRef idx="0"/>
-          <a:fillRef idx="0"/>
-          <a:effectRef idx="0"/>
-          <a:fontRef idx="minor"/>
-        </p:style>
-      </p:sp>
-      <p:sp>
-        <p:nvSpPr>
-          <p:cNvPr id="277" name=""/>
-          <p:cNvSpPr txBox="1"/>
-          <p:nvPr/>
-        </p:nvSpPr>
-        <p:spPr>
-          <a:xfrm>
-            <a:off x="738360" y="1710360"/>
-            <a:ext cx="4107960" cy="1490040"/>
-          </a:xfrm>
-          <a:prstGeom prst="rect">
-            <a:avLst/>
-          </a:prstGeom>
-          <a:noFill/>
-          <a:ln w="0">
-            <a:noFill/>
-          </a:ln>
-        </p:spPr>
-        <p:txBody>
-          <a:bodyPr lIns="90000" rIns="90000" tIns="45000" bIns="45000" anchor="t">
-            <a:noAutofit/>
-          </a:bodyPr>
-          <a:p>
-            <a:pPr>
-              <a:lnSpc>
-                <a:spcPct val="100000"/>
-              </a:lnSpc>
-              <a:spcBef>
-                <a:spcPts val="289"/>
-              </a:spcBef>
-              <a:buNone/>
-            </a:pPr>
-            <a:r>
-              <a:rPr b="0" lang="en-US" sz="1600" spc="-1" strike="noStrike">
-                <a:solidFill>
-                  <a:srgbClr val="0000ff"/>
-                </a:solidFill>
-                <a:latin typeface="Consolas"/>
-              </a:rPr>
-              <a:t>enum</a:t>
-            </a:r>
-            <a:r>
-              <a:rPr b="0" lang="en-US" sz="1600" spc="-1" strike="noStrike">
-                <a:solidFill>
-                  <a:srgbClr val="3b3b3b"/>
-                </a:solidFill>
-                <a:latin typeface="Consolas"/>
-              </a:rPr>
-              <a:t> </a:t>
-            </a:r>
-            <a:r>
-              <a:rPr b="0" lang="en-US" sz="1600" spc="-1" strike="noStrike">
-                <a:solidFill>
-                  <a:srgbClr val="0000ff"/>
-                </a:solidFill>
-                <a:latin typeface="Consolas"/>
-              </a:rPr>
-              <a:t>class</a:t>
-            </a:r>
-            <a:r>
-              <a:rPr b="0" lang="en-US" sz="1600" spc="-1" strike="noStrike">
-                <a:solidFill>
-                  <a:srgbClr val="3b3b3b"/>
-                </a:solidFill>
-                <a:latin typeface="Consolas"/>
-              </a:rPr>
-              <a:t> </a:t>
-            </a:r>
-            <a:r>
-              <a:rPr b="0" lang="en-US" sz="1600" spc="-1" strike="noStrike">
-                <a:solidFill>
-                  <a:srgbClr val="267f99"/>
-                </a:solidFill>
-                <a:latin typeface="Consolas"/>
-              </a:rPr>
-              <a:t>modes</a:t>
-            </a:r>
-            <a:r>
-              <a:rPr b="0" lang="en-US" sz="1600" spc="-1" strike="noStrike">
-                <a:solidFill>
-                  <a:srgbClr val="3b3b3b"/>
-                </a:solidFill>
-                <a:latin typeface="Consolas"/>
-              </a:rPr>
-              <a:t> : </a:t>
-            </a:r>
-            <a:r>
-              <a:rPr b="0" lang="en-US" sz="1600" spc="-1" strike="noStrike">
-                <a:solidFill>
-                  <a:srgbClr val="267f99"/>
-                </a:solidFill>
-                <a:latin typeface="Consolas"/>
-              </a:rPr>
-              <a:t>std</a:t>
-            </a:r>
-            <a:r>
-              <a:rPr b="0" lang="en-US" sz="1600" spc="-1" strike="noStrike">
-                <a:solidFill>
-                  <a:srgbClr val="3b3b3b"/>
-                </a:solidFill>
-                <a:latin typeface="Consolas"/>
-              </a:rPr>
-              <a:t>::</a:t>
-            </a:r>
-            <a:r>
-              <a:rPr b="0" lang="en-US" sz="1600" spc="-1" strike="noStrike">
-                <a:solidFill>
-                  <a:srgbClr val="267f99"/>
-                </a:solidFill>
-                <a:latin typeface="Consolas"/>
-              </a:rPr>
-              <a:t>uint32_t</a:t>
-            </a:r>
-            <a:r>
-              <a:rPr b="0" lang="en-US" sz="1600" spc="-1" strike="noStrike">
-                <a:solidFill>
-                  <a:srgbClr val="3b3b3b"/>
-                </a:solidFill>
-                <a:latin typeface="Consolas"/>
-              </a:rPr>
-              <a:t> {</a:t>
-            </a:r>
-            <a:endParaRPr b="0" lang="en-US" sz="1600" spc="-1" strike="noStrike">
-              <a:latin typeface="Consolas"/>
-            </a:endParaRPr>
-          </a:p>
-          <a:p>
-            <a:pPr>
-              <a:lnSpc>
-                <a:spcPct val="100000"/>
-              </a:lnSpc>
-              <a:spcBef>
-                <a:spcPts val="289"/>
-              </a:spcBef>
-              <a:buNone/>
-            </a:pPr>
-            <a:r>
-              <a:rPr b="0" lang="en-US" sz="1600" spc="-1" strike="noStrike">
-                <a:solidFill>
-                  <a:srgbClr val="0070c1"/>
-                </a:solidFill>
-                <a:latin typeface="Consolas"/>
-              </a:rPr>
-              <a:t>    </a:t>
-            </a:r>
-            <a:r>
-              <a:rPr b="0" lang="en-US" sz="1600" spc="-1" strike="noStrike">
-                <a:solidFill>
-                  <a:srgbClr val="0070c1"/>
-                </a:solidFill>
-                <a:latin typeface="Consolas"/>
-              </a:rPr>
-              <a:t>input</a:t>
-            </a:r>
-            <a:r>
-              <a:rPr b="0" lang="en-US" sz="1600" spc="-1" strike="noStrike">
-                <a:solidFill>
-                  <a:srgbClr val="3b3b3b"/>
-                </a:solidFill>
-                <a:latin typeface="Consolas"/>
-              </a:rPr>
-              <a:t> </a:t>
-            </a:r>
-            <a:r>
-              <a:rPr b="0" lang="en-US" sz="1600" spc="-1" strike="noStrike">
-                <a:solidFill>
-                  <a:srgbClr val="000000"/>
-                </a:solidFill>
-                <a:latin typeface="Consolas"/>
-              </a:rPr>
-              <a:t>=</a:t>
-            </a:r>
-            <a:r>
-              <a:rPr b="0" lang="en-US" sz="1600" spc="-1" strike="noStrike">
-                <a:solidFill>
-                  <a:srgbClr val="3b3b3b"/>
-                </a:solidFill>
-                <a:latin typeface="Consolas"/>
-              </a:rPr>
-              <a:t> </a:t>
-            </a:r>
-            <a:r>
-              <a:rPr b="0" lang="en-US" sz="1600" spc="-1" strike="noStrike">
-                <a:solidFill>
-                  <a:srgbClr val="098658"/>
-                </a:solidFill>
-                <a:latin typeface="Consolas"/>
-              </a:rPr>
-              <a:t>0b00</a:t>
-            </a:r>
-            <a:r>
-              <a:rPr b="0" lang="en-US" sz="1600" spc="-1" strike="noStrike">
-                <a:solidFill>
-                  <a:srgbClr val="3b3b3b"/>
-                </a:solidFill>
-                <a:latin typeface="Consolas"/>
-              </a:rPr>
-              <a:t>,</a:t>
-            </a:r>
-            <a:endParaRPr b="0" lang="en-US" sz="1600" spc="-1" strike="noStrike">
-              <a:latin typeface="Consolas"/>
-            </a:endParaRPr>
-          </a:p>
-          <a:p>
-            <a:pPr>
-              <a:lnSpc>
-                <a:spcPct val="100000"/>
-              </a:lnSpc>
-              <a:spcBef>
-                <a:spcPts val="289"/>
-              </a:spcBef>
-              <a:buNone/>
-            </a:pPr>
-            <a:r>
-              <a:rPr b="0" lang="en-US" sz="1600" spc="-1" strike="noStrike">
-                <a:solidFill>
-                  <a:srgbClr val="0070c1"/>
-                </a:solidFill>
-                <a:latin typeface="Consolas"/>
-              </a:rPr>
-              <a:t>    </a:t>
-            </a:r>
-            <a:r>
-              <a:rPr b="0" lang="en-US" sz="1600" spc="-1" strike="noStrike">
-                <a:solidFill>
-                  <a:srgbClr val="0070c1"/>
-                </a:solidFill>
-                <a:latin typeface="Consolas"/>
-              </a:rPr>
-              <a:t>output</a:t>
-            </a:r>
-            <a:r>
-              <a:rPr b="0" lang="en-US" sz="1600" spc="-1" strike="noStrike">
-                <a:solidFill>
-                  <a:srgbClr val="3b3b3b"/>
-                </a:solidFill>
-                <a:latin typeface="Consolas"/>
-              </a:rPr>
-              <a:t> </a:t>
-            </a:r>
-            <a:r>
-              <a:rPr b="0" lang="en-US" sz="1600" spc="-1" strike="noStrike">
-                <a:solidFill>
-                  <a:srgbClr val="000000"/>
-                </a:solidFill>
-                <a:latin typeface="Consolas"/>
-              </a:rPr>
-              <a:t>=</a:t>
-            </a:r>
-            <a:r>
-              <a:rPr b="0" lang="en-US" sz="1600" spc="-1" strike="noStrike">
-                <a:solidFill>
-                  <a:srgbClr val="3b3b3b"/>
-                </a:solidFill>
-                <a:latin typeface="Consolas"/>
-              </a:rPr>
-              <a:t> </a:t>
-            </a:r>
-            <a:r>
-              <a:rPr b="0" lang="en-US" sz="1600" spc="-1" strike="noStrike">
-                <a:solidFill>
-                  <a:srgbClr val="098658"/>
-                </a:solidFill>
-                <a:latin typeface="Consolas"/>
-              </a:rPr>
-              <a:t>0b01</a:t>
-            </a:r>
-            <a:r>
-              <a:rPr b="0" lang="en-US" sz="1600" spc="-1" strike="noStrike">
-                <a:solidFill>
-                  <a:srgbClr val="3b3b3b"/>
-                </a:solidFill>
-                <a:latin typeface="Consolas"/>
-              </a:rPr>
-              <a:t>,</a:t>
-            </a:r>
-            <a:endParaRPr b="0" lang="en-US" sz="1600" spc="-1" strike="noStrike">
-              <a:latin typeface="Consolas"/>
-            </a:endParaRPr>
-          </a:p>
-          <a:p>
-            <a:pPr>
-              <a:lnSpc>
-                <a:spcPct val="100000"/>
-              </a:lnSpc>
-              <a:spcBef>
-                <a:spcPts val="289"/>
-              </a:spcBef>
-              <a:buNone/>
-            </a:pPr>
-            <a:r>
-              <a:rPr b="0" lang="en-US" sz="1600" spc="-1" strike="noStrike">
-                <a:solidFill>
-                  <a:srgbClr val="0070c1"/>
-                </a:solidFill>
-                <a:latin typeface="Consolas"/>
-              </a:rPr>
-              <a:t>    </a:t>
-            </a:r>
-            <a:r>
-              <a:rPr b="0" lang="en-US" sz="1600" spc="-1" strike="noStrike">
-                <a:solidFill>
-                  <a:srgbClr val="0070c1"/>
-                </a:solidFill>
-                <a:latin typeface="Consolas"/>
-              </a:rPr>
-              <a:t>alt_func</a:t>
-            </a:r>
-            <a:r>
-              <a:rPr b="0" lang="en-US" sz="1600" spc="-1" strike="noStrike">
-                <a:solidFill>
-                  <a:srgbClr val="3b3b3b"/>
-                </a:solidFill>
-                <a:latin typeface="Consolas"/>
-              </a:rPr>
-              <a:t> </a:t>
-            </a:r>
-            <a:r>
-              <a:rPr b="0" lang="en-US" sz="1600" spc="-1" strike="noStrike">
-                <a:solidFill>
-                  <a:srgbClr val="000000"/>
-                </a:solidFill>
-                <a:latin typeface="Consolas"/>
-              </a:rPr>
-              <a:t>=</a:t>
-            </a:r>
-            <a:r>
-              <a:rPr b="0" lang="en-US" sz="1600" spc="-1" strike="noStrike">
-                <a:solidFill>
-                  <a:srgbClr val="3b3b3b"/>
-                </a:solidFill>
-                <a:latin typeface="Consolas"/>
-              </a:rPr>
-              <a:t> </a:t>
-            </a:r>
-            <a:r>
-              <a:rPr b="0" lang="en-US" sz="1600" spc="-1" strike="noStrike">
-                <a:solidFill>
-                  <a:srgbClr val="098658"/>
-                </a:solidFill>
-                <a:latin typeface="Consolas"/>
-              </a:rPr>
-              <a:t>0b10</a:t>
-            </a:r>
-            <a:r>
-              <a:rPr b="0" lang="en-US" sz="1600" spc="-1" strike="noStrike">
-                <a:solidFill>
-                  <a:srgbClr val="3b3b3b"/>
-                </a:solidFill>
-                <a:latin typeface="Consolas"/>
-              </a:rPr>
-              <a:t>,</a:t>
-            </a:r>
-            <a:endParaRPr b="0" lang="en-US" sz="1600" spc="-1" strike="noStrike">
-              <a:latin typeface="Consolas"/>
-            </a:endParaRPr>
-          </a:p>
-          <a:p>
-            <a:pPr>
-              <a:lnSpc>
-                <a:spcPct val="100000"/>
-              </a:lnSpc>
-              <a:spcBef>
-                <a:spcPts val="289"/>
-              </a:spcBef>
-              <a:buNone/>
-            </a:pPr>
-            <a:r>
-              <a:rPr b="0" lang="en-US" sz="1600" spc="-1" strike="noStrike">
-                <a:solidFill>
-                  <a:srgbClr val="0070c1"/>
-                </a:solidFill>
-                <a:latin typeface="Consolas"/>
-              </a:rPr>
-              <a:t>    </a:t>
-            </a:r>
-            <a:r>
-              <a:rPr b="0" lang="en-US" sz="1600" spc="-1" strike="noStrike">
-                <a:solidFill>
-                  <a:srgbClr val="0070c1"/>
-                </a:solidFill>
-                <a:latin typeface="Consolas"/>
-              </a:rPr>
-              <a:t>analog</a:t>
-            </a:r>
-            <a:r>
-              <a:rPr b="0" lang="en-US" sz="1600" spc="-1" strike="noStrike">
-                <a:solidFill>
-                  <a:srgbClr val="3b3b3b"/>
-                </a:solidFill>
-                <a:latin typeface="Consolas"/>
-              </a:rPr>
-              <a:t> </a:t>
-            </a:r>
-            <a:r>
-              <a:rPr b="0" lang="en-US" sz="1600" spc="-1" strike="noStrike">
-                <a:solidFill>
-                  <a:srgbClr val="000000"/>
-                </a:solidFill>
-                <a:latin typeface="Consolas"/>
-              </a:rPr>
-              <a:t>=</a:t>
-            </a:r>
-            <a:r>
-              <a:rPr b="0" lang="en-US" sz="1600" spc="-1" strike="noStrike">
-                <a:solidFill>
-                  <a:srgbClr val="3b3b3b"/>
-                </a:solidFill>
-                <a:latin typeface="Consolas"/>
-              </a:rPr>
-              <a:t> </a:t>
-            </a:r>
-            <a:r>
-              <a:rPr b="0" lang="en-US" sz="1600" spc="-1" strike="noStrike">
-                <a:solidFill>
-                  <a:srgbClr val="098658"/>
-                </a:solidFill>
-                <a:latin typeface="Consolas"/>
-              </a:rPr>
-              <a:t>0b11</a:t>
-            </a:r>
-            <a:endParaRPr b="0" lang="en-US" sz="1600" spc="-1" strike="noStrike">
-              <a:latin typeface="Consolas"/>
-            </a:endParaRPr>
-          </a:p>
-          <a:p>
-            <a:pPr>
-              <a:lnSpc>
-                <a:spcPct val="100000"/>
-              </a:lnSpc>
-              <a:spcBef>
-                <a:spcPts val="289"/>
-              </a:spcBef>
-              <a:buNone/>
-            </a:pPr>
-            <a:r>
-              <a:rPr b="0" lang="en-US" sz="1600" spc="-1" strike="noStrike">
-                <a:solidFill>
-                  <a:srgbClr val="3b3b3b"/>
-                </a:solidFill>
-                <a:latin typeface="Consolas"/>
-              </a:rPr>
-              <a:t>};</a:t>
-            </a:r>
-            <a:endParaRPr b="0" lang="en-US" sz="1600" spc="-1" strike="noStrike">
-              <a:latin typeface="Consolas"/>
-            </a:endParaRPr>
-          </a:p>
-        </p:txBody>
-      </p:sp>
-      <p:sp>
-        <p:nvSpPr>
-          <p:cNvPr id="278" name=""/>
-          <p:cNvSpPr txBox="1"/>
-          <p:nvPr/>
-        </p:nvSpPr>
-        <p:spPr>
-          <a:xfrm>
-            <a:off x="720360" y="4017240"/>
-            <a:ext cx="3851640" cy="1509120"/>
-          </a:xfrm>
-          <a:prstGeom prst="rect">
-            <a:avLst/>
-          </a:prstGeom>
-          <a:noFill/>
-          <a:ln w="0">
-            <a:noFill/>
-          </a:ln>
-        </p:spPr>
-        <p:txBody>
-          <a:bodyPr lIns="90000" rIns="90000" tIns="45000" bIns="45000" anchor="t">
-            <a:noAutofit/>
-          </a:bodyPr>
-          <a:p>
-            <a:pPr>
-              <a:lnSpc>
-                <a:spcPct val="100000"/>
-              </a:lnSpc>
-              <a:buNone/>
-            </a:pPr>
-            <a:r>
-              <a:rPr b="0" lang="en-US" sz="1600" spc="-1" strike="noStrike">
-                <a:solidFill>
-                  <a:srgbClr val="0000ff"/>
-                </a:solidFill>
-                <a:latin typeface="Consolas"/>
-              </a:rPr>
-              <a:t>enum</a:t>
-            </a:r>
-            <a:r>
-              <a:rPr b="0" lang="en-US" sz="1600" spc="-1" strike="noStrike">
-                <a:solidFill>
-                  <a:srgbClr val="3b3b3b"/>
-                </a:solidFill>
-                <a:latin typeface="Consolas"/>
-              </a:rPr>
-              <a:t> </a:t>
-            </a:r>
-            <a:r>
-              <a:rPr b="0" lang="en-US" sz="1600" spc="-1" strike="noStrike">
-                <a:solidFill>
-                  <a:srgbClr val="0000ff"/>
-                </a:solidFill>
-                <a:latin typeface="Consolas"/>
-              </a:rPr>
-              <a:t>class</a:t>
-            </a:r>
-            <a:r>
-              <a:rPr b="0" lang="en-US" sz="1600" spc="-1" strike="noStrike">
-                <a:solidFill>
-                  <a:srgbClr val="3b3b3b"/>
-                </a:solidFill>
-                <a:latin typeface="Consolas"/>
-              </a:rPr>
-              <a:t> </a:t>
-            </a:r>
-            <a:r>
-              <a:rPr b="0" lang="en-US" sz="1600" spc="-1" strike="noStrike">
-                <a:solidFill>
-                  <a:srgbClr val="267f99"/>
-                </a:solidFill>
-                <a:latin typeface="Consolas"/>
-              </a:rPr>
-              <a:t>ports</a:t>
-            </a:r>
-            <a:r>
-              <a:rPr b="0" lang="en-US" sz="1600" spc="-1" strike="noStrike">
-                <a:solidFill>
-                  <a:srgbClr val="3b3b3b"/>
-                </a:solidFill>
-                <a:latin typeface="Consolas"/>
-              </a:rPr>
-              <a:t> : </a:t>
-            </a:r>
-            <a:r>
-              <a:rPr b="0" lang="en-US" sz="1600" spc="-1" strike="noStrike">
-                <a:solidFill>
-                  <a:srgbClr val="267f99"/>
-                </a:solidFill>
-                <a:latin typeface="Consolas"/>
-              </a:rPr>
-              <a:t>std</a:t>
-            </a:r>
-            <a:r>
-              <a:rPr b="0" lang="en-US" sz="1600" spc="-1" strike="noStrike">
-                <a:solidFill>
-                  <a:srgbClr val="3b3b3b"/>
-                </a:solidFill>
-                <a:latin typeface="Consolas"/>
-              </a:rPr>
-              <a:t>::</a:t>
-            </a:r>
-            <a:r>
-              <a:rPr b="0" lang="en-US" sz="1600" spc="-1" strike="noStrike">
-                <a:solidFill>
-                  <a:srgbClr val="267f99"/>
-                </a:solidFill>
-                <a:latin typeface="Consolas"/>
-              </a:rPr>
-              <a:t>uint8_t</a:t>
-            </a:r>
-            <a:r>
-              <a:rPr b="0" lang="en-US" sz="1600" spc="-1" strike="noStrike">
-                <a:solidFill>
-                  <a:srgbClr val="3b3b3b"/>
-                </a:solidFill>
-                <a:latin typeface="Consolas"/>
-              </a:rPr>
-              <a:t> {</a:t>
-            </a:r>
-            <a:endParaRPr b="0" lang="en-US" sz="1600" spc="-1" strike="noStrike">
-              <a:latin typeface="Droid Sans Mono;monospace"/>
-            </a:endParaRPr>
-          </a:p>
-          <a:p>
-            <a:pPr>
-              <a:lnSpc>
-                <a:spcPct val="100000"/>
-              </a:lnSpc>
-              <a:buNone/>
-            </a:pPr>
-            <a:r>
-              <a:rPr b="0" lang="en-US" sz="1600" spc="-1" strike="noStrike">
-                <a:solidFill>
-                  <a:srgbClr val="0070c1"/>
-                </a:solidFill>
-                <a:latin typeface="Consolas"/>
-              </a:rPr>
-              <a:t>    </a:t>
-            </a:r>
-            <a:r>
-              <a:rPr b="0" lang="en-US" sz="1600" spc="-1" strike="noStrike">
-                <a:solidFill>
-                  <a:srgbClr val="0070c1"/>
-                </a:solidFill>
-                <a:latin typeface="Consolas"/>
-              </a:rPr>
-              <a:t>port_f</a:t>
-            </a:r>
-            <a:r>
-              <a:rPr b="0" lang="en-US" sz="1600" spc="-1" strike="noStrike">
-                <a:solidFill>
-                  <a:srgbClr val="3b3b3b"/>
-                </a:solidFill>
-                <a:latin typeface="Consolas"/>
-              </a:rPr>
-              <a:t>,</a:t>
-            </a:r>
-            <a:endParaRPr b="0" lang="en-US" sz="1600" spc="-1" strike="noStrike">
-              <a:latin typeface="Droid Sans Mono;monospace"/>
-            </a:endParaRPr>
-          </a:p>
-          <a:p>
-            <a:pPr>
-              <a:lnSpc>
-                <a:spcPct val="100000"/>
-              </a:lnSpc>
-              <a:buNone/>
-            </a:pPr>
-            <a:r>
-              <a:rPr b="0" lang="en-US" sz="1600" spc="-1" strike="noStrike">
-                <a:solidFill>
-                  <a:srgbClr val="0070c1"/>
-                </a:solidFill>
-                <a:latin typeface="Consolas"/>
-              </a:rPr>
-              <a:t>    </a:t>
-            </a:r>
-            <a:r>
-              <a:rPr b="0" lang="en-US" sz="1600" spc="-1" strike="noStrike">
-                <a:solidFill>
-                  <a:srgbClr val="0070c1"/>
-                </a:solidFill>
-                <a:latin typeface="Consolas"/>
-              </a:rPr>
-              <a:t>port_d</a:t>
-            </a:r>
-            <a:r>
-              <a:rPr b="0" lang="en-US" sz="1600" spc="-1" strike="noStrike">
-                <a:solidFill>
-                  <a:srgbClr val="3b3b3b"/>
-                </a:solidFill>
-                <a:latin typeface="Consolas"/>
-              </a:rPr>
-              <a:t>,</a:t>
-            </a:r>
-            <a:endParaRPr b="0" lang="en-US" sz="1600" spc="-1" strike="noStrike">
-              <a:latin typeface="Droid Sans Mono;monospace"/>
-            </a:endParaRPr>
-          </a:p>
-          <a:p>
-            <a:pPr>
-              <a:lnSpc>
-                <a:spcPct val="100000"/>
-              </a:lnSpc>
-              <a:buNone/>
-            </a:pPr>
-            <a:r>
-              <a:rPr b="0" lang="en-US" sz="1600" spc="-1" strike="noStrike">
-                <a:solidFill>
-                  <a:srgbClr val="0070c1"/>
-                </a:solidFill>
-                <a:latin typeface="Consolas"/>
-              </a:rPr>
-              <a:t>    </a:t>
-            </a:r>
-            <a:r>
-              <a:rPr b="0" lang="en-US" sz="1600" spc="-1" strike="noStrike">
-                <a:solidFill>
-                  <a:srgbClr val="0070c1"/>
-                </a:solidFill>
-                <a:latin typeface="Consolas"/>
-              </a:rPr>
-              <a:t>port_c</a:t>
-            </a:r>
-            <a:r>
-              <a:rPr b="0" lang="en-US" sz="1600" spc="-1" strike="noStrike">
-                <a:solidFill>
-                  <a:srgbClr val="3b3b3b"/>
-                </a:solidFill>
-                <a:latin typeface="Consolas"/>
-              </a:rPr>
-              <a:t>,</a:t>
-            </a:r>
-            <a:endParaRPr b="0" lang="en-US" sz="1600" spc="-1" strike="noStrike">
-              <a:latin typeface="Droid Sans Mono;monospace"/>
-            </a:endParaRPr>
-          </a:p>
-          <a:p>
-            <a:pPr>
-              <a:lnSpc>
-                <a:spcPct val="100000"/>
-              </a:lnSpc>
-              <a:buNone/>
-            </a:pPr>
-            <a:r>
-              <a:rPr b="0" lang="en-US" sz="1600" spc="-1" strike="noStrike">
-                <a:solidFill>
-                  <a:srgbClr val="0070c1"/>
-                </a:solidFill>
-                <a:latin typeface="Consolas"/>
-              </a:rPr>
-              <a:t>    </a:t>
-            </a:r>
-            <a:r>
-              <a:rPr b="0" lang="en-US" sz="1600" spc="-1" strike="noStrike">
-                <a:solidFill>
-                  <a:srgbClr val="0070c1"/>
-                </a:solidFill>
-                <a:latin typeface="Consolas"/>
-              </a:rPr>
-              <a:t>port_b</a:t>
-            </a:r>
-            <a:r>
-              <a:rPr b="0" lang="en-US" sz="1600" spc="-1" strike="noStrike">
-                <a:solidFill>
-                  <a:srgbClr val="3b3b3b"/>
-                </a:solidFill>
-                <a:latin typeface="Consolas"/>
-              </a:rPr>
-              <a:t>,</a:t>
-            </a:r>
-            <a:endParaRPr b="0" lang="en-US" sz="1600" spc="-1" strike="noStrike">
-              <a:latin typeface="Droid Sans Mono;monospace"/>
-            </a:endParaRPr>
-          </a:p>
-          <a:p>
-            <a:pPr>
-              <a:lnSpc>
-                <a:spcPct val="100000"/>
-              </a:lnSpc>
-              <a:buNone/>
-            </a:pPr>
-            <a:r>
-              <a:rPr b="0" lang="en-US" sz="1600" spc="-1" strike="noStrike">
-                <a:solidFill>
-                  <a:srgbClr val="0070c1"/>
-                </a:solidFill>
-                <a:latin typeface="Consolas"/>
-              </a:rPr>
-              <a:t>    </a:t>
-            </a:r>
-            <a:r>
-              <a:rPr b="0" lang="en-US" sz="1600" spc="-1" strike="noStrike">
-                <a:solidFill>
-                  <a:srgbClr val="0070c1"/>
-                </a:solidFill>
-                <a:latin typeface="Consolas"/>
-              </a:rPr>
-              <a:t>port_a</a:t>
-            </a:r>
-            <a:endParaRPr b="0" lang="en-US" sz="1600" spc="-1" strike="noStrike">
-              <a:solidFill>
-                <a:srgbClr val="0070c1"/>
-              </a:solidFill>
-              <a:latin typeface="Droid Sans Mono;monospace"/>
-            </a:endParaRPr>
-          </a:p>
-          <a:p>
-            <a:pPr>
-              <a:lnSpc>
-                <a:spcPct val="100000"/>
-              </a:lnSpc>
-              <a:buNone/>
-            </a:pPr>
-            <a:r>
-              <a:rPr b="0" lang="en-US" sz="1600" spc="-1" strike="noStrike">
-                <a:solidFill>
-                  <a:srgbClr val="3b3b3b"/>
-                </a:solidFill>
-                <a:latin typeface="Consolas"/>
-              </a:rPr>
-              <a:t>};</a:t>
-            </a:r>
-            <a:endParaRPr b="0" lang="en-US" sz="1600" spc="-1" strike="noStrike">
-              <a:solidFill>
-                <a:srgbClr val="3b3b3b"/>
-              </a:solidFill>
-              <a:latin typeface="Droid Sans Mono;monospace"/>
-            </a:endParaRPr>
-          </a:p>
-        </p:txBody>
-      </p:sp>
-      <p:sp>
-        <p:nvSpPr>
-          <p:cNvPr id="279" name=""/>
-          <p:cNvSpPr txBox="1"/>
-          <p:nvPr/>
-        </p:nvSpPr>
-        <p:spPr>
-          <a:xfrm>
-            <a:off x="6309360" y="2560320"/>
-            <a:ext cx="5303520" cy="1991880"/>
-          </a:xfrm>
-          <a:prstGeom prst="rect">
-            <a:avLst/>
-          </a:prstGeom>
-          <a:noFill/>
-          <a:ln w="0">
-            <a:noFill/>
-          </a:ln>
-        </p:spPr>
-        <p:txBody>
-          <a:bodyPr lIns="90000" rIns="90000" tIns="45000" bIns="45000" anchor="t">
-            <a:noAutofit/>
-          </a:bodyPr>
-          <a:p>
-            <a:r>
-              <a:rPr b="0" lang="en-US" sz="1800" spc="-1" strike="noStrike">
-                <a:latin typeface="Arial"/>
-              </a:rPr>
-              <a:t>Enumerations</a:t>
-            </a:r>
-            <a:endParaRPr b="0" lang="en-US" sz="1800" spc="-1" strike="noStrike">
-              <a:latin typeface="Arial"/>
-            </a:endParaRPr>
-          </a:p>
-          <a:p>
-            <a:pPr lvl="1" marL="432000" indent="-216000">
-              <a:spcBef>
-                <a:spcPts val="720"/>
-              </a:spcBef>
-              <a:buClr>
-                <a:srgbClr val="000000"/>
-              </a:buClr>
-              <a:buSzPct val="45000"/>
-              <a:buFont typeface="Wingdings" charset="2"/>
-              <a:buChar char=""/>
-            </a:pPr>
-            <a:r>
-              <a:rPr b="0" lang="en-US" sz="1800" spc="-1" strike="noStrike">
-                <a:latin typeface="Arial"/>
-              </a:rPr>
-              <a:t>Not plain integers anymore</a:t>
-            </a:r>
-            <a:endParaRPr b="0" lang="en-US" sz="1800" spc="-1" strike="noStrike">
-              <a:latin typeface="Arial"/>
-            </a:endParaRPr>
-          </a:p>
-          <a:p>
-            <a:pPr lvl="1" marL="432000" indent="-216000">
-              <a:spcBef>
-                <a:spcPts val="720"/>
-              </a:spcBef>
-              <a:buClr>
-                <a:srgbClr val="000000"/>
-              </a:buClr>
-              <a:buSzPct val="45000"/>
-              <a:buFont typeface="Wingdings" charset="2"/>
-              <a:buChar char=""/>
-            </a:pPr>
-            <a:r>
-              <a:rPr b="0" lang="en-US" sz="1800" spc="-1" strike="noStrike">
-                <a:latin typeface="Arial"/>
-              </a:rPr>
-              <a:t>No implicit conversions between enum values and integral types</a:t>
-            </a:r>
-            <a:endParaRPr b="0" lang="en-US" sz="1800" spc="-1" strike="noStrike">
-              <a:latin typeface="Arial"/>
-            </a:endParaRPr>
-          </a:p>
-          <a:p>
-            <a:pPr lvl="3" marL="864000" indent="-216000">
-              <a:spcBef>
-                <a:spcPts val="720"/>
-              </a:spcBef>
-              <a:buClr>
-                <a:srgbClr val="000000"/>
-              </a:buClr>
-              <a:buSzPct val="45000"/>
-              <a:buFont typeface="Wingdings" charset="2"/>
-              <a:buChar char=""/>
-            </a:pPr>
-            <a:r>
-              <a:rPr b="0" lang="en-US" sz="1800" spc="-1" strike="noStrike">
-                <a:latin typeface="Arial"/>
-              </a:rPr>
-              <a:t>Explicit static_cast required</a:t>
-            </a:r>
-            <a:endParaRPr b="0" lang="en-US" sz="1800" spc="-1" strike="noStrike">
-              <a:latin typeface="Arial"/>
-            </a:endParaRPr>
-          </a:p>
-          <a:p>
-            <a:pPr lvl="3" marL="864000" indent="-216000">
-              <a:spcBef>
-                <a:spcPts val="720"/>
-              </a:spcBef>
-              <a:buClr>
-                <a:srgbClr val="000000"/>
-              </a:buClr>
-              <a:buSzPct val="45000"/>
-              <a:buFont typeface="Wingdings" charset="2"/>
-              <a:buChar char=""/>
-            </a:pPr>
-            <a:r>
-              <a:rPr b="0" lang="en-US" sz="1800" spc="-1" strike="noStrike">
-                <a:latin typeface="Arial"/>
-              </a:rPr>
-              <a:t>Harder to misuse accidentally</a:t>
-            </a:r>
-            <a:endParaRPr b="0" lang="en-US" sz="1800" spc="-1" strike="noStrike">
               <a:latin typeface="Arial"/>
             </a:endParaRPr>
           </a:p>
@@ -36000,7 +34967,7 @@
         <p:txBody>
           <a:bodyPr/>
           <a:p>
-            <a:fld id="{9B57E282-31F9-4A86-8893-C0DB64F854E4}" type="slidenum">
+            <a:fld id="{B26B34D8-8B10-4A09-A950-B03625FEFBE1}" type="slidenum">
               <a:t>30</a:t>
             </a:fld>
           </a:p>
@@ -36038,14 +35005,14 @@
       </p:grpSpPr>
       <p:sp>
         <p:nvSpPr>
-          <p:cNvPr id="280" name="Subtitle 25"/>
+          <p:cNvPr id="276" name="Subtitle 2"/>
           <p:cNvSpPr/>
           <p:nvPr/>
         </p:nvSpPr>
         <p:spPr>
           <a:xfrm>
             <a:off x="1933920" y="633240"/>
-            <a:ext cx="8323200" cy="1014480"/>
+            <a:ext cx="8322840" cy="1014120"/>
           </a:xfrm>
           <a:prstGeom prst="rect">
             <a:avLst/>
@@ -36086,1088 +35053,9 @@
                 <a:latin typeface="Aptos"/>
                 <a:ea typeface="DejaVu Sans"/>
               </a:rPr>
-              <a:t>Concepts</a:t>
+              <a:t>Dynamic Polymorphism</a:t>
             </a:r>
             <a:endParaRPr b="0" lang="en-US" sz="3200" spc="-1" strike="noStrike">
-              <a:latin typeface="Arial"/>
-            </a:endParaRPr>
-          </a:p>
-        </p:txBody>
-      </p:sp>
-      <p:sp>
-        <p:nvSpPr>
-          <p:cNvPr id="281" name=""/>
-          <p:cNvSpPr/>
-          <p:nvPr/>
-        </p:nvSpPr>
-        <p:spPr>
-          <a:xfrm>
-            <a:off x="3256200" y="2514600"/>
-            <a:ext cx="5298120" cy="1968480"/>
-          </a:xfrm>
-          <a:prstGeom prst="rect">
-            <a:avLst/>
-          </a:prstGeom>
-          <a:noFill/>
-          <a:ln w="0">
-            <a:noFill/>
-          </a:ln>
-        </p:spPr>
-        <p:style>
-          <a:lnRef idx="0"/>
-          <a:fillRef idx="0"/>
-          <a:effectRef idx="0"/>
-          <a:fontRef idx="minor"/>
-        </p:style>
-      </p:sp>
-      <p:sp>
-        <p:nvSpPr>
-          <p:cNvPr id="282" name=""/>
-          <p:cNvSpPr txBox="1"/>
-          <p:nvPr/>
-        </p:nvSpPr>
-        <p:spPr>
-          <a:xfrm>
-            <a:off x="731520" y="1703160"/>
-            <a:ext cx="6035040" cy="1817280"/>
-          </a:xfrm>
-          <a:prstGeom prst="rect">
-            <a:avLst/>
-          </a:prstGeom>
-          <a:noFill/>
-          <a:ln w="0">
-            <a:noFill/>
-          </a:ln>
-        </p:spPr>
-        <p:txBody>
-          <a:bodyPr lIns="90000" rIns="90000" tIns="45000" bIns="45000" anchor="t">
-            <a:noAutofit/>
-          </a:bodyPr>
-          <a:p>
-            <a:pPr>
-              <a:lnSpc>
-                <a:spcPct val="100000"/>
-              </a:lnSpc>
-              <a:spcBef>
-                <a:spcPts val="289"/>
-              </a:spcBef>
-              <a:buNone/>
-            </a:pPr>
-            <a:r>
-              <a:rPr b="0" lang="en-US" sz="1600" spc="-1" strike="noStrike">
-                <a:solidFill>
-                  <a:srgbClr val="0000ff"/>
-                </a:solidFill>
-                <a:latin typeface="Consolas"/>
-              </a:rPr>
-              <a:t>template</a:t>
-            </a:r>
-            <a:r>
-              <a:rPr b="0" lang="en-US" sz="1600" spc="-1" strike="noStrike">
-                <a:solidFill>
-                  <a:srgbClr val="3b3b3b"/>
-                </a:solidFill>
-                <a:latin typeface="Consolas"/>
-              </a:rPr>
-              <a:t> &lt;</a:t>
-            </a:r>
-            <a:r>
-              <a:rPr b="0" lang="en-US" sz="1600" spc="-1" strike="noStrike">
-                <a:solidFill>
-                  <a:srgbClr val="267f99"/>
-                </a:solidFill>
-                <a:latin typeface="Consolas"/>
-              </a:rPr>
-              <a:t>modes</a:t>
-            </a:r>
-            <a:r>
-              <a:rPr b="0" lang="en-US" sz="1600" spc="-1" strike="noStrike">
-                <a:solidFill>
-                  <a:srgbClr val="3b3b3b"/>
-                </a:solidFill>
-                <a:latin typeface="Consolas"/>
-              </a:rPr>
-              <a:t> </a:t>
-            </a:r>
-            <a:r>
-              <a:rPr b="0" lang="en-US" sz="1600" spc="-1" strike="noStrike">
-                <a:solidFill>
-                  <a:srgbClr val="267f99"/>
-                </a:solidFill>
-                <a:latin typeface="Consolas"/>
-              </a:rPr>
-              <a:t>mode</a:t>
-            </a:r>
-            <a:r>
-              <a:rPr b="0" lang="en-US" sz="1600" spc="-1" strike="noStrike">
-                <a:solidFill>
-                  <a:srgbClr val="3b3b3b"/>
-                </a:solidFill>
-                <a:latin typeface="Consolas"/>
-              </a:rPr>
-              <a:t>&gt;</a:t>
-            </a:r>
-            <a:endParaRPr b="0" lang="en-US" sz="1600" spc="-1" strike="noStrike">
-              <a:latin typeface="Consolas"/>
-            </a:endParaRPr>
-          </a:p>
-          <a:p>
-            <a:pPr>
-              <a:lnSpc>
-                <a:spcPct val="100000"/>
-              </a:lnSpc>
-              <a:spcBef>
-                <a:spcPts val="289"/>
-              </a:spcBef>
-              <a:buNone/>
-            </a:pPr>
-            <a:r>
-              <a:rPr b="0" lang="en-US" sz="1600" spc="-1" strike="noStrike">
-                <a:solidFill>
-                  <a:srgbClr val="0000ff"/>
-                </a:solidFill>
-                <a:latin typeface="Consolas"/>
-              </a:rPr>
-              <a:t>concept</a:t>
-            </a:r>
-            <a:r>
-              <a:rPr b="0" lang="en-US" sz="1600" spc="-1" strike="noStrike">
-                <a:solidFill>
-                  <a:srgbClr val="3b3b3b"/>
-                </a:solidFill>
-                <a:latin typeface="Consolas"/>
-              </a:rPr>
-              <a:t> </a:t>
-            </a:r>
-            <a:r>
-              <a:rPr b="0" lang="en-US" sz="1600" spc="-1" strike="noStrike">
-                <a:solidFill>
-                  <a:srgbClr val="267f99"/>
-                </a:solidFill>
-                <a:latin typeface="Consolas"/>
-              </a:rPr>
-              <a:t>is_valid_mode</a:t>
-            </a:r>
-            <a:r>
-              <a:rPr b="0" lang="en-US" sz="1600" spc="-1" strike="noStrike">
-                <a:solidFill>
-                  <a:srgbClr val="3b3b3b"/>
-                </a:solidFill>
-                <a:latin typeface="Consolas"/>
-              </a:rPr>
-              <a:t> </a:t>
-            </a:r>
-            <a:r>
-              <a:rPr b="0" lang="en-US" sz="1600" spc="-1" strike="noStrike">
-                <a:solidFill>
-                  <a:srgbClr val="000000"/>
-                </a:solidFill>
-                <a:latin typeface="Consolas"/>
-              </a:rPr>
-              <a:t>=</a:t>
-            </a:r>
-            <a:r>
-              <a:rPr b="0" lang="en-US" sz="1600" spc="-1" strike="noStrike">
-                <a:solidFill>
-                  <a:srgbClr val="3b3b3b"/>
-                </a:solidFill>
-                <a:latin typeface="Consolas"/>
-              </a:rPr>
-              <a:t> (</a:t>
-            </a:r>
-            <a:endParaRPr b="0" lang="en-US" sz="1600" spc="-1" strike="noStrike">
-              <a:latin typeface="Consolas"/>
-            </a:endParaRPr>
-          </a:p>
-          <a:p>
-            <a:pPr>
-              <a:lnSpc>
-                <a:spcPct val="100000"/>
-              </a:lnSpc>
-              <a:spcBef>
-                <a:spcPts val="289"/>
-              </a:spcBef>
-              <a:buNone/>
-            </a:pPr>
-            <a:r>
-              <a:rPr b="0" lang="en-US" sz="1600" spc="-1" strike="noStrike">
-                <a:solidFill>
-                  <a:srgbClr val="0070c1"/>
-                </a:solidFill>
-                <a:latin typeface="Consolas"/>
-              </a:rPr>
-              <a:t>    </a:t>
-            </a:r>
-            <a:r>
-              <a:rPr b="0" lang="en-US" sz="1600" spc="-1" strike="noStrike">
-                <a:solidFill>
-                  <a:srgbClr val="3b3b3b"/>
-                </a:solidFill>
-                <a:latin typeface="Consolas"/>
-              </a:rPr>
-              <a:t>(mode </a:t>
-            </a:r>
-            <a:r>
-              <a:rPr b="0" lang="en-US" sz="1600" spc="-1" strike="noStrike">
-                <a:solidFill>
-                  <a:srgbClr val="000000"/>
-                </a:solidFill>
-                <a:latin typeface="Consolas"/>
-              </a:rPr>
-              <a:t>==</a:t>
-            </a:r>
-            <a:r>
-              <a:rPr b="0" lang="en-US" sz="1600" spc="-1" strike="noStrike">
-                <a:solidFill>
-                  <a:srgbClr val="3b3b3b"/>
-                </a:solidFill>
-                <a:latin typeface="Consolas"/>
-              </a:rPr>
-              <a:t> </a:t>
-            </a:r>
-            <a:r>
-              <a:rPr b="0" lang="en-US" sz="1600" spc="-1" strike="noStrike">
-                <a:solidFill>
-                  <a:srgbClr val="267f99"/>
-                </a:solidFill>
-                <a:latin typeface="Consolas"/>
-              </a:rPr>
-              <a:t>modes</a:t>
-            </a:r>
-            <a:r>
-              <a:rPr b="0" lang="en-US" sz="1600" spc="-1" strike="noStrike">
-                <a:solidFill>
-                  <a:srgbClr val="3b3b3b"/>
-                </a:solidFill>
-                <a:latin typeface="Consolas"/>
-              </a:rPr>
-              <a:t>::</a:t>
-            </a:r>
-            <a:r>
-              <a:rPr b="0" lang="en-US" sz="1600" spc="-1" strike="noStrike">
-                <a:solidFill>
-                  <a:srgbClr val="0070c1"/>
-                </a:solidFill>
-                <a:latin typeface="Consolas"/>
-              </a:rPr>
-              <a:t>input</a:t>
-            </a:r>
-            <a:r>
-              <a:rPr b="0" lang="en-US" sz="1600" spc="-1" strike="noStrike">
-                <a:solidFill>
-                  <a:srgbClr val="3b3b3b"/>
-                </a:solidFill>
-                <a:latin typeface="Consolas"/>
-              </a:rPr>
-              <a:t>) </a:t>
-            </a:r>
-            <a:r>
-              <a:rPr b="0" lang="en-US" sz="1600" spc="-1" strike="noStrike">
-                <a:solidFill>
-                  <a:srgbClr val="000000"/>
-                </a:solidFill>
-                <a:latin typeface="Consolas"/>
-              </a:rPr>
-              <a:t>||</a:t>
-            </a:r>
-            <a:endParaRPr b="0" lang="en-US" sz="1600" spc="-1" strike="noStrike">
-              <a:latin typeface="Consolas"/>
-            </a:endParaRPr>
-          </a:p>
-          <a:p>
-            <a:pPr>
-              <a:lnSpc>
-                <a:spcPct val="100000"/>
-              </a:lnSpc>
-              <a:spcBef>
-                <a:spcPts val="289"/>
-              </a:spcBef>
-              <a:buNone/>
-            </a:pPr>
-            <a:r>
-              <a:rPr b="0" lang="en-US" sz="1600" spc="-1" strike="noStrike">
-                <a:solidFill>
-                  <a:srgbClr val="0070c1"/>
-                </a:solidFill>
-                <a:latin typeface="Consolas"/>
-              </a:rPr>
-              <a:t>    </a:t>
-            </a:r>
-            <a:r>
-              <a:rPr b="0" lang="en-US" sz="1600" spc="-1" strike="noStrike">
-                <a:solidFill>
-                  <a:srgbClr val="3b3b3b"/>
-                </a:solidFill>
-                <a:latin typeface="Consolas"/>
-              </a:rPr>
-              <a:t>(mode </a:t>
-            </a:r>
-            <a:r>
-              <a:rPr b="0" lang="en-US" sz="1600" spc="-1" strike="noStrike">
-                <a:solidFill>
-                  <a:srgbClr val="000000"/>
-                </a:solidFill>
-                <a:latin typeface="Consolas"/>
-              </a:rPr>
-              <a:t>==</a:t>
-            </a:r>
-            <a:r>
-              <a:rPr b="0" lang="en-US" sz="1600" spc="-1" strike="noStrike">
-                <a:solidFill>
-                  <a:srgbClr val="3b3b3b"/>
-                </a:solidFill>
-                <a:latin typeface="Consolas"/>
-              </a:rPr>
-              <a:t> </a:t>
-            </a:r>
-            <a:r>
-              <a:rPr b="0" lang="en-US" sz="1600" spc="-1" strike="noStrike">
-                <a:solidFill>
-                  <a:srgbClr val="267f99"/>
-                </a:solidFill>
-                <a:latin typeface="Consolas"/>
-              </a:rPr>
-              <a:t>modes</a:t>
-            </a:r>
-            <a:r>
-              <a:rPr b="0" lang="en-US" sz="1600" spc="-1" strike="noStrike">
-                <a:solidFill>
-                  <a:srgbClr val="3b3b3b"/>
-                </a:solidFill>
-                <a:latin typeface="Consolas"/>
-              </a:rPr>
-              <a:t>::</a:t>
-            </a:r>
-            <a:r>
-              <a:rPr b="0" lang="en-US" sz="1600" spc="-1" strike="noStrike">
-                <a:solidFill>
-                  <a:srgbClr val="0070c1"/>
-                </a:solidFill>
-                <a:latin typeface="Consolas"/>
-              </a:rPr>
-              <a:t>output</a:t>
-            </a:r>
-            <a:r>
-              <a:rPr b="0" lang="en-US" sz="1600" spc="-1" strike="noStrike">
-                <a:solidFill>
-                  <a:srgbClr val="3b3b3b"/>
-                </a:solidFill>
-                <a:latin typeface="Consolas"/>
-              </a:rPr>
-              <a:t>) </a:t>
-            </a:r>
-            <a:r>
-              <a:rPr b="0" lang="en-US" sz="1600" spc="-1" strike="noStrike">
-                <a:solidFill>
-                  <a:srgbClr val="000000"/>
-                </a:solidFill>
-                <a:latin typeface="Consolas"/>
-              </a:rPr>
-              <a:t>||</a:t>
-            </a:r>
-            <a:endParaRPr b="0" lang="en-US" sz="1600" spc="-1" strike="noStrike">
-              <a:latin typeface="Consolas"/>
-            </a:endParaRPr>
-          </a:p>
-          <a:p>
-            <a:pPr>
-              <a:lnSpc>
-                <a:spcPct val="100000"/>
-              </a:lnSpc>
-              <a:spcBef>
-                <a:spcPts val="289"/>
-              </a:spcBef>
-              <a:buNone/>
-            </a:pPr>
-            <a:r>
-              <a:rPr b="0" lang="en-US" sz="1600" spc="-1" strike="noStrike">
-                <a:solidFill>
-                  <a:srgbClr val="0070c1"/>
-                </a:solidFill>
-                <a:latin typeface="Consolas"/>
-              </a:rPr>
-              <a:t>    </a:t>
-            </a:r>
-            <a:r>
-              <a:rPr b="0" lang="en-US" sz="1600" spc="-1" strike="noStrike">
-                <a:solidFill>
-                  <a:srgbClr val="3b3b3b"/>
-                </a:solidFill>
-                <a:latin typeface="Consolas"/>
-              </a:rPr>
-              <a:t>(mode </a:t>
-            </a:r>
-            <a:r>
-              <a:rPr b="0" lang="en-US" sz="1600" spc="-1" strike="noStrike">
-                <a:solidFill>
-                  <a:srgbClr val="000000"/>
-                </a:solidFill>
-                <a:latin typeface="Consolas"/>
-              </a:rPr>
-              <a:t>==</a:t>
-            </a:r>
-            <a:r>
-              <a:rPr b="0" lang="en-US" sz="1600" spc="-1" strike="noStrike">
-                <a:solidFill>
-                  <a:srgbClr val="3b3b3b"/>
-                </a:solidFill>
-                <a:latin typeface="Consolas"/>
-              </a:rPr>
-              <a:t> </a:t>
-            </a:r>
-            <a:r>
-              <a:rPr b="0" lang="en-US" sz="1600" spc="-1" strike="noStrike">
-                <a:solidFill>
-                  <a:srgbClr val="267f99"/>
-                </a:solidFill>
-                <a:latin typeface="Consolas"/>
-              </a:rPr>
-              <a:t>modes</a:t>
-            </a:r>
-            <a:r>
-              <a:rPr b="0" lang="en-US" sz="1600" spc="-1" strike="noStrike">
-                <a:solidFill>
-                  <a:srgbClr val="3b3b3b"/>
-                </a:solidFill>
-                <a:latin typeface="Consolas"/>
-              </a:rPr>
-              <a:t>::</a:t>
-            </a:r>
-            <a:r>
-              <a:rPr b="0" lang="en-US" sz="1600" spc="-1" strike="noStrike">
-                <a:solidFill>
-                  <a:srgbClr val="0070c1"/>
-                </a:solidFill>
-                <a:latin typeface="Consolas"/>
-              </a:rPr>
-              <a:t>alt_func</a:t>
-            </a:r>
-            <a:r>
-              <a:rPr b="0" lang="en-US" sz="1600" spc="-1" strike="noStrike">
-                <a:solidFill>
-                  <a:srgbClr val="3b3b3b"/>
-                </a:solidFill>
-                <a:latin typeface="Consolas"/>
-              </a:rPr>
-              <a:t>) </a:t>
-            </a:r>
-            <a:r>
-              <a:rPr b="0" lang="en-US" sz="1600" spc="-1" strike="noStrike">
-                <a:solidFill>
-                  <a:srgbClr val="000000"/>
-                </a:solidFill>
-                <a:latin typeface="Consolas"/>
-              </a:rPr>
-              <a:t>||</a:t>
-            </a:r>
-            <a:endParaRPr b="0" lang="en-US" sz="1600" spc="-1" strike="noStrike">
-              <a:latin typeface="Consolas"/>
-            </a:endParaRPr>
-          </a:p>
-          <a:p>
-            <a:pPr>
-              <a:lnSpc>
-                <a:spcPct val="100000"/>
-              </a:lnSpc>
-              <a:spcBef>
-                <a:spcPts val="289"/>
-              </a:spcBef>
-              <a:buNone/>
-            </a:pPr>
-            <a:r>
-              <a:rPr b="0" lang="en-US" sz="1600" spc="-1" strike="noStrike">
-                <a:solidFill>
-                  <a:srgbClr val="0070c1"/>
-                </a:solidFill>
-                <a:latin typeface="Consolas"/>
-              </a:rPr>
-              <a:t>    </a:t>
-            </a:r>
-            <a:r>
-              <a:rPr b="0" lang="en-US" sz="1600" spc="-1" strike="noStrike">
-                <a:solidFill>
-                  <a:srgbClr val="3b3b3b"/>
-                </a:solidFill>
-                <a:latin typeface="Consolas"/>
-              </a:rPr>
-              <a:t>(mode </a:t>
-            </a:r>
-            <a:r>
-              <a:rPr b="0" lang="en-US" sz="1600" spc="-1" strike="noStrike">
-                <a:solidFill>
-                  <a:srgbClr val="000000"/>
-                </a:solidFill>
-                <a:latin typeface="Consolas"/>
-              </a:rPr>
-              <a:t>==</a:t>
-            </a:r>
-            <a:r>
-              <a:rPr b="0" lang="en-US" sz="1600" spc="-1" strike="noStrike">
-                <a:solidFill>
-                  <a:srgbClr val="3b3b3b"/>
-                </a:solidFill>
-                <a:latin typeface="Consolas"/>
-              </a:rPr>
-              <a:t> </a:t>
-            </a:r>
-            <a:r>
-              <a:rPr b="0" lang="en-US" sz="1600" spc="-1" strike="noStrike">
-                <a:solidFill>
-                  <a:srgbClr val="267f99"/>
-                </a:solidFill>
-                <a:latin typeface="Consolas"/>
-              </a:rPr>
-              <a:t>modes</a:t>
-            </a:r>
-            <a:r>
-              <a:rPr b="0" lang="en-US" sz="1600" spc="-1" strike="noStrike">
-                <a:solidFill>
-                  <a:srgbClr val="3b3b3b"/>
-                </a:solidFill>
-                <a:latin typeface="Consolas"/>
-              </a:rPr>
-              <a:t>::</a:t>
-            </a:r>
-            <a:r>
-              <a:rPr b="0" lang="en-US" sz="1600" spc="-1" strike="noStrike">
-                <a:solidFill>
-                  <a:srgbClr val="0070c1"/>
-                </a:solidFill>
-                <a:latin typeface="Consolas"/>
-              </a:rPr>
-              <a:t>analog</a:t>
-            </a:r>
-            <a:r>
-              <a:rPr b="0" lang="en-US" sz="1600" spc="-1" strike="noStrike">
-                <a:solidFill>
-                  <a:srgbClr val="3b3b3b"/>
-                </a:solidFill>
-                <a:latin typeface="Consolas"/>
-              </a:rPr>
-              <a:t>)</a:t>
-            </a:r>
-            <a:endParaRPr b="0" lang="en-US" sz="1600" spc="-1" strike="noStrike">
-              <a:latin typeface="Consolas"/>
-            </a:endParaRPr>
-          </a:p>
-          <a:p>
-            <a:pPr>
-              <a:lnSpc>
-                <a:spcPct val="100000"/>
-              </a:lnSpc>
-              <a:spcBef>
-                <a:spcPts val="289"/>
-              </a:spcBef>
-              <a:buNone/>
-            </a:pPr>
-            <a:r>
-              <a:rPr b="0" lang="en-US" sz="1600" spc="-1" strike="noStrike">
-                <a:solidFill>
-                  <a:srgbClr val="3b3b3b"/>
-                </a:solidFill>
-                <a:latin typeface="Consolas"/>
-              </a:rPr>
-              <a:t>);</a:t>
-            </a:r>
-            <a:endParaRPr b="0" lang="en-US" sz="1600" spc="-1" strike="noStrike">
-              <a:latin typeface="Consolas"/>
-            </a:endParaRPr>
-          </a:p>
-        </p:txBody>
-      </p:sp>
-      <p:sp>
-        <p:nvSpPr>
-          <p:cNvPr id="283" name=""/>
-          <p:cNvSpPr txBox="1"/>
-          <p:nvPr/>
-        </p:nvSpPr>
-        <p:spPr>
-          <a:xfrm>
-            <a:off x="731520" y="4114440"/>
-            <a:ext cx="5965200" cy="1509120"/>
-          </a:xfrm>
-          <a:prstGeom prst="rect">
-            <a:avLst/>
-          </a:prstGeom>
-          <a:noFill/>
-          <a:ln w="0">
-            <a:noFill/>
-          </a:ln>
-        </p:spPr>
-        <p:txBody>
-          <a:bodyPr lIns="90000" rIns="90000" tIns="45000" bIns="45000" anchor="t">
-            <a:noAutofit/>
-          </a:bodyPr>
-          <a:p>
-            <a:pPr>
-              <a:lnSpc>
-                <a:spcPct val="100000"/>
-              </a:lnSpc>
-              <a:buNone/>
-            </a:pPr>
-            <a:r>
-              <a:rPr b="0" lang="en-US" sz="1600" spc="-1" strike="noStrike">
-                <a:solidFill>
-                  <a:srgbClr val="0000ff"/>
-                </a:solidFill>
-                <a:latin typeface="Consolas"/>
-              </a:rPr>
-              <a:t>template</a:t>
-            </a:r>
-            <a:r>
-              <a:rPr b="0" lang="en-US" sz="1600" spc="-1" strike="noStrike">
-                <a:solidFill>
-                  <a:srgbClr val="3b3b3b"/>
-                </a:solidFill>
-                <a:latin typeface="Consolas"/>
-              </a:rPr>
-              <a:t> &lt;</a:t>
-            </a:r>
-            <a:r>
-              <a:rPr b="0" lang="en-US" sz="1600" spc="-1" strike="noStrike">
-                <a:solidFill>
-                  <a:srgbClr val="267f99"/>
-                </a:solidFill>
-                <a:latin typeface="Consolas"/>
-              </a:rPr>
-              <a:t>pins</a:t>
-            </a:r>
-            <a:r>
-              <a:rPr b="0" lang="en-US" sz="1600" spc="-1" strike="noStrike">
-                <a:solidFill>
-                  <a:srgbClr val="3b3b3b"/>
-                </a:solidFill>
-                <a:latin typeface="Consolas"/>
-              </a:rPr>
-              <a:t> </a:t>
-            </a:r>
-            <a:r>
-              <a:rPr b="0" lang="en-US" sz="1600" spc="-1" strike="noStrike">
-                <a:solidFill>
-                  <a:srgbClr val="267f99"/>
-                </a:solidFill>
-                <a:latin typeface="Consolas"/>
-              </a:rPr>
-              <a:t>pin</a:t>
-            </a:r>
-            <a:r>
-              <a:rPr b="0" lang="en-US" sz="1600" spc="-1" strike="noStrike">
-                <a:solidFill>
-                  <a:srgbClr val="3b3b3b"/>
-                </a:solidFill>
-                <a:latin typeface="Consolas"/>
-              </a:rPr>
-              <a:t>&gt;</a:t>
-            </a:r>
-            <a:endParaRPr b="0" lang="en-US" sz="1600" spc="-1" strike="noStrike">
-              <a:latin typeface="Arial"/>
-            </a:endParaRPr>
-          </a:p>
-          <a:p>
-            <a:pPr>
-              <a:lnSpc>
-                <a:spcPct val="100000"/>
-              </a:lnSpc>
-              <a:buNone/>
-            </a:pPr>
-            <a:r>
-              <a:rPr b="0" lang="en-US" sz="1600" spc="-1" strike="noStrike">
-                <a:solidFill>
-                  <a:srgbClr val="0000ff"/>
-                </a:solidFill>
-                <a:latin typeface="Consolas"/>
-              </a:rPr>
-              <a:t>concept</a:t>
-            </a:r>
-            <a:r>
-              <a:rPr b="0" lang="en-US" sz="1600" spc="-1" strike="noStrike">
-                <a:solidFill>
-                  <a:srgbClr val="3b3b3b"/>
-                </a:solidFill>
-                <a:latin typeface="Consolas"/>
-              </a:rPr>
-              <a:t> </a:t>
-            </a:r>
-            <a:r>
-              <a:rPr b="0" lang="en-US" sz="1600" spc="-1" strike="noStrike">
-                <a:solidFill>
-                  <a:srgbClr val="267f99"/>
-                </a:solidFill>
-                <a:latin typeface="Consolas"/>
-              </a:rPr>
-              <a:t>is_valid_pin</a:t>
-            </a:r>
-            <a:r>
-              <a:rPr b="0" lang="en-US" sz="1600" spc="-1" strike="noStrike">
-                <a:solidFill>
-                  <a:srgbClr val="3b3b3b"/>
-                </a:solidFill>
-                <a:latin typeface="Consolas"/>
-              </a:rPr>
-              <a:t> </a:t>
-            </a:r>
-            <a:r>
-              <a:rPr b="0" lang="en-US" sz="1600" spc="-1" strike="noStrike">
-                <a:solidFill>
-                  <a:srgbClr val="000000"/>
-                </a:solidFill>
-                <a:latin typeface="Consolas"/>
-              </a:rPr>
-              <a:t>=</a:t>
-            </a:r>
-            <a:r>
-              <a:rPr b="0" lang="en-US" sz="1600" spc="-1" strike="noStrike">
-                <a:solidFill>
-                  <a:srgbClr val="3b3b3b"/>
-                </a:solidFill>
-                <a:latin typeface="Consolas"/>
-              </a:rPr>
-              <a:t> (</a:t>
-            </a:r>
-            <a:endParaRPr b="0" lang="en-US" sz="1600" spc="-1" strike="noStrike">
-              <a:latin typeface="Arial"/>
-            </a:endParaRPr>
-          </a:p>
-          <a:p>
-            <a:pPr>
-              <a:lnSpc>
-                <a:spcPct val="100000"/>
-              </a:lnSpc>
-              <a:buNone/>
-            </a:pPr>
-            <a:r>
-              <a:rPr b="0" lang="en-US" sz="1600" spc="-1" strike="noStrike">
-                <a:solidFill>
-                  <a:srgbClr val="267f99"/>
-                </a:solidFill>
-                <a:latin typeface="Consolas"/>
-              </a:rPr>
-              <a:t>    </a:t>
-            </a:r>
-            <a:r>
-              <a:rPr b="0" lang="en-US" sz="1600" spc="-1" strike="noStrike">
-                <a:solidFill>
-                  <a:srgbClr val="267f99"/>
-                </a:solidFill>
-                <a:latin typeface="Consolas"/>
-              </a:rPr>
-              <a:t>is_valid_low_pin</a:t>
-            </a:r>
-            <a:r>
-              <a:rPr b="0" lang="en-US" sz="1600" spc="-1" strike="noStrike">
-                <a:solidFill>
-                  <a:srgbClr val="000000"/>
-                </a:solidFill>
-                <a:latin typeface="Consolas"/>
-              </a:rPr>
-              <a:t>&lt;</a:t>
-            </a:r>
-            <a:r>
-              <a:rPr b="0" lang="en-US" sz="1600" spc="-1" strike="noStrike">
-                <a:solidFill>
-                  <a:srgbClr val="3b3b3b"/>
-                </a:solidFill>
-                <a:latin typeface="Consolas"/>
-              </a:rPr>
-              <a:t>pin</a:t>
-            </a:r>
-            <a:r>
-              <a:rPr b="0" lang="en-US" sz="1600" spc="-1" strike="noStrike">
-                <a:solidFill>
-                  <a:srgbClr val="000000"/>
-                </a:solidFill>
-                <a:latin typeface="Consolas"/>
-              </a:rPr>
-              <a:t>&gt;</a:t>
-            </a:r>
-            <a:r>
-              <a:rPr b="0" lang="en-US" sz="1600" spc="-1" strike="noStrike">
-                <a:solidFill>
-                  <a:srgbClr val="3b3b3b"/>
-                </a:solidFill>
-                <a:latin typeface="Consolas"/>
-              </a:rPr>
-              <a:t> </a:t>
-            </a:r>
-            <a:r>
-              <a:rPr b="0" lang="en-US" sz="1600" spc="-1" strike="noStrike">
-                <a:solidFill>
-                  <a:srgbClr val="000000"/>
-                </a:solidFill>
-                <a:latin typeface="Consolas"/>
-              </a:rPr>
-              <a:t>||</a:t>
-            </a:r>
-            <a:r>
-              <a:rPr b="0" lang="en-US" sz="1600" spc="-1" strike="noStrike">
-                <a:solidFill>
-                  <a:srgbClr val="3b3b3b"/>
-                </a:solidFill>
-                <a:latin typeface="Consolas"/>
-              </a:rPr>
-              <a:t> </a:t>
-            </a:r>
-            <a:r>
-              <a:rPr b="0" lang="en-US" sz="1600" spc="-1" strike="noStrike">
-                <a:solidFill>
-                  <a:srgbClr val="267f99"/>
-                </a:solidFill>
-                <a:latin typeface="Consolas"/>
-              </a:rPr>
-              <a:t>is_valid_high_pin</a:t>
-            </a:r>
-            <a:r>
-              <a:rPr b="0" lang="en-US" sz="1600" spc="-1" strike="noStrike">
-                <a:solidFill>
-                  <a:srgbClr val="000000"/>
-                </a:solidFill>
-                <a:latin typeface="Consolas"/>
-              </a:rPr>
-              <a:t>&lt;</a:t>
-            </a:r>
-            <a:r>
-              <a:rPr b="0" lang="en-US" sz="1600" spc="-1" strike="noStrike">
-                <a:solidFill>
-                  <a:srgbClr val="3b3b3b"/>
-                </a:solidFill>
-                <a:latin typeface="Consolas"/>
-              </a:rPr>
-              <a:t>pin</a:t>
-            </a:r>
-            <a:r>
-              <a:rPr b="0" lang="en-US" sz="1600" spc="-1" strike="noStrike">
-                <a:solidFill>
-                  <a:srgbClr val="000000"/>
-                </a:solidFill>
-                <a:latin typeface="Consolas"/>
-              </a:rPr>
-              <a:t>&gt;</a:t>
-            </a:r>
-            <a:endParaRPr b="0" lang="en-US" sz="1600" spc="-1" strike="noStrike">
-              <a:latin typeface="Arial"/>
-            </a:endParaRPr>
-          </a:p>
-          <a:p>
-            <a:pPr>
-              <a:lnSpc>
-                <a:spcPct val="100000"/>
-              </a:lnSpc>
-              <a:buNone/>
-            </a:pPr>
-            <a:r>
-              <a:rPr b="0" lang="en-US" sz="1600" spc="-1" strike="noStrike">
-                <a:solidFill>
-                  <a:srgbClr val="3b3b3b"/>
-                </a:solidFill>
-                <a:latin typeface="Consolas"/>
-              </a:rPr>
-              <a:t>);</a:t>
-            </a:r>
-            <a:endParaRPr b="0" lang="en-US" sz="1600" spc="-1" strike="noStrike">
-              <a:latin typeface="Arial"/>
-            </a:endParaRPr>
-          </a:p>
-          <a:p>
-            <a:pPr>
-              <a:lnSpc>
-                <a:spcPct val="100000"/>
-              </a:lnSpc>
-              <a:buNone/>
-            </a:pPr>
-            <a:endParaRPr b="0" lang="en-US" sz="1600" spc="-1" strike="noStrike">
-              <a:latin typeface="Arial"/>
-            </a:endParaRPr>
-          </a:p>
-          <a:p>
-            <a:pPr>
-              <a:lnSpc>
-                <a:spcPct val="100000"/>
-              </a:lnSpc>
-              <a:buNone/>
-            </a:pPr>
-            <a:r>
-              <a:rPr b="0" lang="en-US" sz="1600" spc="-1" strike="noStrike">
-                <a:solidFill>
-                  <a:srgbClr val="0000ff"/>
-                </a:solidFill>
-                <a:latin typeface="Consolas"/>
-              </a:rPr>
-              <a:t>template</a:t>
-            </a:r>
-            <a:r>
-              <a:rPr b="0" lang="en-US" sz="1600" spc="-1" strike="noStrike">
-                <a:solidFill>
-                  <a:srgbClr val="3b3b3b"/>
-                </a:solidFill>
-                <a:latin typeface="Consolas"/>
-              </a:rPr>
-              <a:t> &lt;</a:t>
-            </a:r>
-            <a:r>
-              <a:rPr b="0" lang="en-US" sz="1600" spc="-1" strike="noStrike">
-                <a:solidFill>
-                  <a:srgbClr val="267f99"/>
-                </a:solidFill>
-                <a:latin typeface="Consolas"/>
-              </a:rPr>
-              <a:t>pins</a:t>
-            </a:r>
-            <a:r>
-              <a:rPr b="0" lang="en-US" sz="1600" spc="-1" strike="noStrike">
-                <a:solidFill>
-                  <a:srgbClr val="3b3b3b"/>
-                </a:solidFill>
-                <a:latin typeface="Consolas"/>
-              </a:rPr>
-              <a:t>... </a:t>
-            </a:r>
-            <a:r>
-              <a:rPr b="0" lang="en-US" sz="1600" spc="-1" strike="noStrike">
-                <a:solidFill>
-                  <a:srgbClr val="267f99"/>
-                </a:solidFill>
-                <a:latin typeface="Consolas"/>
-              </a:rPr>
-              <a:t>pin</a:t>
-            </a:r>
-            <a:r>
-              <a:rPr b="0" lang="en-US" sz="1600" spc="-1" strike="noStrike">
-                <a:solidFill>
-                  <a:srgbClr val="3b3b3b"/>
-                </a:solidFill>
-                <a:latin typeface="Consolas"/>
-              </a:rPr>
-              <a:t>&gt;</a:t>
-            </a:r>
-            <a:endParaRPr b="0" lang="en-US" sz="1600" spc="-1" strike="noStrike">
-              <a:latin typeface="Arial"/>
-            </a:endParaRPr>
-          </a:p>
-          <a:p>
-            <a:pPr>
-              <a:lnSpc>
-                <a:spcPct val="100000"/>
-              </a:lnSpc>
-              <a:buNone/>
-            </a:pPr>
-            <a:r>
-              <a:rPr b="0" lang="en-US" sz="1600" spc="-1" strike="noStrike">
-                <a:solidFill>
-                  <a:srgbClr val="0000ff"/>
-                </a:solidFill>
-                <a:latin typeface="Consolas"/>
-              </a:rPr>
-              <a:t>concept</a:t>
-            </a:r>
-            <a:r>
-              <a:rPr b="0" lang="en-US" sz="1600" spc="-1" strike="noStrike">
-                <a:solidFill>
-                  <a:srgbClr val="3b3b3b"/>
-                </a:solidFill>
-                <a:latin typeface="Consolas"/>
-              </a:rPr>
-              <a:t> </a:t>
-            </a:r>
-            <a:r>
-              <a:rPr b="0" lang="en-US" sz="1600" spc="-1" strike="noStrike">
-                <a:solidFill>
-                  <a:srgbClr val="267f99"/>
-                </a:solidFill>
-                <a:latin typeface="Consolas"/>
-              </a:rPr>
-              <a:t>are_valid_pins</a:t>
-            </a:r>
-            <a:r>
-              <a:rPr b="0" lang="en-US" sz="1600" spc="-1" strike="noStrike">
-                <a:solidFill>
-                  <a:srgbClr val="3b3b3b"/>
-                </a:solidFill>
-                <a:latin typeface="Consolas"/>
-              </a:rPr>
-              <a:t> </a:t>
-            </a:r>
-            <a:r>
-              <a:rPr b="0" lang="en-US" sz="1600" spc="-1" strike="noStrike">
-                <a:solidFill>
-                  <a:srgbClr val="000000"/>
-                </a:solidFill>
-                <a:latin typeface="Consolas"/>
-              </a:rPr>
-              <a:t>=</a:t>
-            </a:r>
-            <a:r>
-              <a:rPr b="0" lang="en-US" sz="1600" spc="-1" strike="noStrike">
-                <a:solidFill>
-                  <a:srgbClr val="3b3b3b"/>
-                </a:solidFill>
-                <a:latin typeface="Consolas"/>
-              </a:rPr>
-              <a:t> (</a:t>
-            </a:r>
-            <a:r>
-              <a:rPr b="0" lang="en-US" sz="1600" spc="-1" strike="noStrike">
-                <a:solidFill>
-                  <a:srgbClr val="267f99"/>
-                </a:solidFill>
-                <a:latin typeface="Consolas"/>
-              </a:rPr>
-              <a:t>is_valid_pin</a:t>
-            </a:r>
-            <a:r>
-              <a:rPr b="0" lang="en-US" sz="1600" spc="-1" strike="noStrike">
-                <a:solidFill>
-                  <a:srgbClr val="000000"/>
-                </a:solidFill>
-                <a:latin typeface="Consolas"/>
-              </a:rPr>
-              <a:t>&lt;</a:t>
-            </a:r>
-            <a:r>
-              <a:rPr b="0" lang="en-US" sz="1600" spc="-1" strike="noStrike">
-                <a:solidFill>
-                  <a:srgbClr val="3b3b3b"/>
-                </a:solidFill>
-                <a:latin typeface="Consolas"/>
-              </a:rPr>
-              <a:t>pin</a:t>
-            </a:r>
-            <a:r>
-              <a:rPr b="0" lang="en-US" sz="1600" spc="-1" strike="noStrike">
-                <a:solidFill>
-                  <a:srgbClr val="000000"/>
-                </a:solidFill>
-                <a:latin typeface="Consolas"/>
-              </a:rPr>
-              <a:t>&gt;</a:t>
-            </a:r>
-            <a:r>
-              <a:rPr b="0" lang="en-US" sz="1600" spc="-1" strike="noStrike">
-                <a:solidFill>
-                  <a:srgbClr val="3b3b3b"/>
-                </a:solidFill>
-                <a:latin typeface="Consolas"/>
-              </a:rPr>
-              <a:t> </a:t>
-            </a:r>
-            <a:r>
-              <a:rPr b="0" lang="en-US" sz="1600" spc="-1" strike="noStrike">
-                <a:solidFill>
-                  <a:srgbClr val="000000"/>
-                </a:solidFill>
-                <a:latin typeface="Consolas"/>
-              </a:rPr>
-              <a:t>&amp;&amp;</a:t>
-            </a:r>
-            <a:r>
-              <a:rPr b="0" lang="en-US" sz="1600" spc="-1" strike="noStrike">
-                <a:solidFill>
-                  <a:srgbClr val="3b3b3b"/>
-                </a:solidFill>
-                <a:latin typeface="Consolas"/>
-              </a:rPr>
-              <a:t> ...);</a:t>
-            </a:r>
-            <a:endParaRPr b="0" lang="en-US" sz="1600" spc="-1" strike="noStrike">
               <a:latin typeface="Arial"/>
             </a:endParaRPr>
           </a:p>
@@ -37187,7 +35075,7 @@
         <p:txBody>
           <a:bodyPr/>
           <a:p>
-            <a:fld id="{7D797CDE-4F6A-44A8-9613-7A2570D8D0A0}" type="slidenum">
+            <a:fld id="{9EE69CC8-76D2-4022-938F-900BDF42DD53}" type="slidenum">
               <a:t>31</a:t>
             </a:fld>
           </a:p>
@@ -37225,14 +35113,14 @@
       </p:grpSpPr>
       <p:sp>
         <p:nvSpPr>
-          <p:cNvPr id="284" name="Subtitle 27"/>
+          <p:cNvPr id="277" name="Subtitle 2"/>
           <p:cNvSpPr/>
           <p:nvPr/>
         </p:nvSpPr>
         <p:spPr>
           <a:xfrm>
             <a:off x="1933920" y="633240"/>
-            <a:ext cx="8323200" cy="1014480"/>
+            <a:ext cx="8322840" cy="1014120"/>
           </a:xfrm>
           <a:prstGeom prst="rect">
             <a:avLst/>
@@ -37273,1167 +35161,10 @@
                 <a:latin typeface="Aptos"/>
                 <a:ea typeface="DejaVu Sans"/>
               </a:rPr>
-              <a:t>Immediate Functions</a:t>
+              <a:t>Static Polymorphism</a:t>
             </a:r>
             <a:endParaRPr b="0" lang="en-US" sz="3200" spc="-1" strike="noStrike">
               <a:latin typeface="Arial"/>
-            </a:endParaRPr>
-          </a:p>
-        </p:txBody>
-      </p:sp>
-      <p:sp>
-        <p:nvSpPr>
-          <p:cNvPr id="285" name=""/>
-          <p:cNvSpPr/>
-          <p:nvPr/>
-        </p:nvSpPr>
-        <p:spPr>
-          <a:xfrm>
-            <a:off x="3256200" y="2514600"/>
-            <a:ext cx="5298120" cy="1968480"/>
-          </a:xfrm>
-          <a:prstGeom prst="rect">
-            <a:avLst/>
-          </a:prstGeom>
-          <a:noFill/>
-          <a:ln w="0">
-            <a:noFill/>
-          </a:ln>
-        </p:spPr>
-        <p:style>
-          <a:lnRef idx="0"/>
-          <a:fillRef idx="0"/>
-          <a:effectRef idx="0"/>
-          <a:fontRef idx="minor"/>
-        </p:style>
-      </p:sp>
-      <p:sp>
-        <p:nvSpPr>
-          <p:cNvPr id="286" name=""/>
-          <p:cNvSpPr txBox="1"/>
-          <p:nvPr/>
-        </p:nvSpPr>
-        <p:spPr>
-          <a:xfrm>
-            <a:off x="731520" y="2091960"/>
-            <a:ext cx="7223760" cy="3165840"/>
-          </a:xfrm>
-          <a:prstGeom prst="rect">
-            <a:avLst/>
-          </a:prstGeom>
-          <a:noFill/>
-          <a:ln w="0">
-            <a:noFill/>
-          </a:ln>
-        </p:spPr>
-        <p:txBody>
-          <a:bodyPr lIns="90000" rIns="90000" tIns="45000" bIns="45000" anchor="t">
-            <a:noAutofit/>
-          </a:bodyPr>
-          <a:p>
-            <a:pPr>
-              <a:lnSpc>
-                <a:spcPct val="100000"/>
-              </a:lnSpc>
-              <a:spcBef>
-                <a:spcPts val="289"/>
-              </a:spcBef>
-              <a:buNone/>
-            </a:pPr>
-            <a:r>
-              <a:rPr b="0" lang="en-US" sz="1600" spc="-1" strike="noStrike">
-                <a:solidFill>
-                  <a:srgbClr val="0000ff"/>
-                </a:solidFill>
-                <a:latin typeface="Consolas"/>
-              </a:rPr>
-              <a:t>template</a:t>
-            </a:r>
-            <a:r>
-              <a:rPr b="0" lang="en-US" sz="1600" spc="-1" strike="noStrike">
-                <a:solidFill>
-                  <a:srgbClr val="3b3b3b"/>
-                </a:solidFill>
-                <a:latin typeface="Consolas"/>
-              </a:rPr>
-              <a:t> &lt;</a:t>
-            </a:r>
-            <a:r>
-              <a:rPr b="0" lang="en-US" sz="1600" spc="-1" strike="noStrike">
-                <a:solidFill>
-                  <a:srgbClr val="267f99"/>
-                </a:solidFill>
-                <a:latin typeface="Consolas"/>
-              </a:rPr>
-              <a:t>modes</a:t>
-            </a:r>
-            <a:r>
-              <a:rPr b="0" lang="en-US" sz="1600" spc="-1" strike="noStrike">
-                <a:solidFill>
-                  <a:srgbClr val="3b3b3b"/>
-                </a:solidFill>
-                <a:latin typeface="Consolas"/>
-              </a:rPr>
-              <a:t> </a:t>
-            </a:r>
-            <a:r>
-              <a:rPr b="0" lang="en-US" sz="1600" spc="-1" strike="noStrike">
-                <a:solidFill>
-                  <a:srgbClr val="267f99"/>
-                </a:solidFill>
-                <a:latin typeface="Consolas"/>
-              </a:rPr>
-              <a:t>mode</a:t>
-            </a:r>
-            <a:r>
-              <a:rPr b="0" lang="en-US" sz="1600" spc="-1" strike="noStrike">
-                <a:solidFill>
-                  <a:srgbClr val="3b3b3b"/>
-                </a:solidFill>
-                <a:latin typeface="Consolas"/>
-              </a:rPr>
-              <a:t>, </a:t>
-            </a:r>
-            <a:r>
-              <a:rPr b="0" lang="en-US" sz="1600" spc="-1" strike="noStrike">
-                <a:solidFill>
-                  <a:srgbClr val="267f99"/>
-                </a:solidFill>
-                <a:latin typeface="Consolas"/>
-              </a:rPr>
-              <a:t>pins</a:t>
-            </a:r>
-            <a:r>
-              <a:rPr b="0" lang="en-US" sz="1600" spc="-1" strike="noStrike">
-                <a:solidFill>
-                  <a:srgbClr val="3b3b3b"/>
-                </a:solidFill>
-                <a:latin typeface="Consolas"/>
-              </a:rPr>
-              <a:t>... </a:t>
-            </a:r>
-            <a:r>
-              <a:rPr b="0" lang="en-US" sz="1600" spc="-1" strike="noStrike">
-                <a:solidFill>
-                  <a:srgbClr val="267f99"/>
-                </a:solidFill>
-                <a:latin typeface="Consolas"/>
-              </a:rPr>
-              <a:t>pin</a:t>
-            </a:r>
-            <a:r>
-              <a:rPr b="0" lang="en-US" sz="1600" spc="-1" strike="noStrike">
-                <a:solidFill>
-                  <a:srgbClr val="3b3b3b"/>
-                </a:solidFill>
-                <a:latin typeface="Consolas"/>
-              </a:rPr>
-              <a:t>&gt;</a:t>
-            </a:r>
-            <a:endParaRPr b="0" lang="en-US" sz="1600" spc="-1" strike="noStrike">
-              <a:latin typeface="Consolas"/>
-            </a:endParaRPr>
-          </a:p>
-          <a:p>
-            <a:pPr>
-              <a:lnSpc>
-                <a:spcPct val="100000"/>
-              </a:lnSpc>
-              <a:spcBef>
-                <a:spcPts val="289"/>
-              </a:spcBef>
-              <a:buNone/>
-            </a:pPr>
-            <a:r>
-              <a:rPr b="0" lang="en-US" sz="1600" spc="-1" strike="noStrike">
-                <a:solidFill>
-                  <a:srgbClr val="0000ff"/>
-                </a:solidFill>
-                <a:latin typeface="Consolas"/>
-              </a:rPr>
-              <a:t>requires</a:t>
-            </a:r>
-            <a:r>
-              <a:rPr b="0" lang="en-US" sz="1600" spc="-1" strike="noStrike">
-                <a:solidFill>
-                  <a:srgbClr val="3b3b3b"/>
-                </a:solidFill>
-                <a:latin typeface="Consolas"/>
-              </a:rPr>
-              <a:t> (</a:t>
-            </a:r>
-            <a:r>
-              <a:rPr b="0" lang="en-US" sz="1600" spc="-1" strike="noStrike">
-                <a:solidFill>
-                  <a:srgbClr val="267f99"/>
-                </a:solidFill>
-                <a:latin typeface="Consolas"/>
-              </a:rPr>
-              <a:t>are_valid_pins</a:t>
-            </a:r>
-            <a:r>
-              <a:rPr b="0" lang="en-US" sz="1600" spc="-1" strike="noStrike">
-                <a:solidFill>
-                  <a:srgbClr val="000000"/>
-                </a:solidFill>
-                <a:latin typeface="Consolas"/>
-              </a:rPr>
-              <a:t>&lt;</a:t>
-            </a:r>
-            <a:r>
-              <a:rPr b="0" lang="en-US" sz="1600" spc="-1" strike="noStrike">
-                <a:solidFill>
-                  <a:srgbClr val="3b3b3b"/>
-                </a:solidFill>
-                <a:latin typeface="Consolas"/>
-              </a:rPr>
-              <a:t>pin ...</a:t>
-            </a:r>
-            <a:r>
-              <a:rPr b="0" lang="en-US" sz="1600" spc="-1" strike="noStrike">
-                <a:solidFill>
-                  <a:srgbClr val="000000"/>
-                </a:solidFill>
-                <a:latin typeface="Consolas"/>
-              </a:rPr>
-              <a:t>&gt;</a:t>
-            </a:r>
-            <a:r>
-              <a:rPr b="0" lang="en-US" sz="1600" spc="-1" strike="noStrike">
-                <a:solidFill>
-                  <a:srgbClr val="3b3b3b"/>
-                </a:solidFill>
-                <a:latin typeface="Consolas"/>
-              </a:rPr>
-              <a:t> </a:t>
-            </a:r>
-            <a:r>
-              <a:rPr b="0" lang="en-US" sz="1600" spc="-1" strike="noStrike">
-                <a:solidFill>
-                  <a:srgbClr val="000000"/>
-                </a:solidFill>
-                <a:latin typeface="Consolas"/>
-              </a:rPr>
-              <a:t>&amp;&amp;</a:t>
-            </a:r>
-            <a:r>
-              <a:rPr b="0" lang="en-US" sz="1600" spc="-1" strike="noStrike">
-                <a:solidFill>
-                  <a:srgbClr val="3b3b3b"/>
-                </a:solidFill>
-                <a:latin typeface="Consolas"/>
-              </a:rPr>
-              <a:t> </a:t>
-            </a:r>
-            <a:r>
-              <a:rPr b="0" lang="en-US" sz="1600" spc="-1" strike="noStrike">
-                <a:solidFill>
-                  <a:srgbClr val="267f99"/>
-                </a:solidFill>
-                <a:latin typeface="Consolas"/>
-              </a:rPr>
-              <a:t>is_valid_mode</a:t>
-            </a:r>
-            <a:r>
-              <a:rPr b="0" lang="en-US" sz="1600" spc="-1" strike="noStrike">
-                <a:solidFill>
-                  <a:srgbClr val="000000"/>
-                </a:solidFill>
-                <a:latin typeface="Consolas"/>
-              </a:rPr>
-              <a:t>&lt;</a:t>
-            </a:r>
-            <a:r>
-              <a:rPr b="0" lang="en-US" sz="1600" spc="-1" strike="noStrike">
-                <a:solidFill>
-                  <a:srgbClr val="3b3b3b"/>
-                </a:solidFill>
-                <a:latin typeface="Consolas"/>
-              </a:rPr>
-              <a:t>mode</a:t>
-            </a:r>
-            <a:r>
-              <a:rPr b="0" lang="en-US" sz="1600" spc="-1" strike="noStrike">
-                <a:solidFill>
-                  <a:srgbClr val="000000"/>
-                </a:solidFill>
-                <a:latin typeface="Consolas"/>
-              </a:rPr>
-              <a:t>&gt;</a:t>
-            </a:r>
-            <a:r>
-              <a:rPr b="0" lang="en-US" sz="1600" spc="-1" strike="noStrike">
-                <a:solidFill>
-                  <a:srgbClr val="3b3b3b"/>
-                </a:solidFill>
-                <a:latin typeface="Consolas"/>
-              </a:rPr>
-              <a:t>)</a:t>
-            </a:r>
-            <a:endParaRPr b="0" lang="en-US" sz="1600" spc="-1" strike="noStrike">
-              <a:latin typeface="Consolas"/>
-            </a:endParaRPr>
-          </a:p>
-          <a:p>
-            <a:pPr>
-              <a:lnSpc>
-                <a:spcPct val="100000"/>
-              </a:lnSpc>
-              <a:spcBef>
-                <a:spcPts val="289"/>
-              </a:spcBef>
-              <a:buNone/>
-            </a:pPr>
-            <a:r>
-              <a:rPr b="0" lang="en-US" sz="1600" spc="-1" strike="noStrike">
-                <a:solidFill>
-                  <a:srgbClr val="0000ff"/>
-                </a:solidFill>
-                <a:latin typeface="Consolas"/>
-              </a:rPr>
-              <a:t>consteval</a:t>
-            </a:r>
-            <a:r>
-              <a:rPr b="0" lang="en-US" sz="1600" spc="-1" strike="noStrike">
-                <a:solidFill>
-                  <a:srgbClr val="3b3b3b"/>
-                </a:solidFill>
-                <a:latin typeface="Consolas"/>
-              </a:rPr>
-              <a:t> </a:t>
-            </a:r>
-            <a:r>
-              <a:rPr b="0" lang="en-US" sz="1600" spc="-1" strike="noStrike">
-                <a:solidFill>
-                  <a:srgbClr val="267f99"/>
-                </a:solidFill>
-                <a:latin typeface="Consolas"/>
-              </a:rPr>
-              <a:t>std</a:t>
-            </a:r>
-            <a:r>
-              <a:rPr b="0" lang="en-US" sz="1600" spc="-1" strike="noStrike">
-                <a:solidFill>
-                  <a:srgbClr val="3b3b3b"/>
-                </a:solidFill>
-                <a:latin typeface="Consolas"/>
-              </a:rPr>
-              <a:t>::</a:t>
-            </a:r>
-            <a:r>
-              <a:rPr b="0" lang="en-US" sz="1600" spc="-1" strike="noStrike">
-                <a:solidFill>
-                  <a:srgbClr val="267f99"/>
-                </a:solidFill>
-                <a:latin typeface="Consolas"/>
-              </a:rPr>
-              <a:t>uint32_t</a:t>
-            </a:r>
-            <a:r>
-              <a:rPr b="0" lang="en-US" sz="1600" spc="-1" strike="noStrike">
-                <a:solidFill>
-                  <a:srgbClr val="3b3b3b"/>
-                </a:solidFill>
-                <a:latin typeface="Consolas"/>
-              </a:rPr>
-              <a:t> </a:t>
-            </a:r>
-            <a:r>
-              <a:rPr b="0" lang="en-US" sz="1600" spc="-1" strike="noStrike">
-                <a:solidFill>
-                  <a:srgbClr val="795e26"/>
-                </a:solidFill>
-                <a:latin typeface="Consolas"/>
-              </a:rPr>
-              <a:t>moder_value</a:t>
-            </a:r>
-            <a:r>
-              <a:rPr b="0" lang="en-US" sz="1600" spc="-1" strike="noStrike">
-                <a:solidFill>
-                  <a:srgbClr val="3b3b3b"/>
-                </a:solidFill>
-                <a:latin typeface="Consolas"/>
-              </a:rPr>
-              <a:t> () {</a:t>
-            </a:r>
-            <a:endParaRPr b="0" lang="en-US" sz="1600" spc="-1" strike="noStrike">
-              <a:latin typeface="Consolas"/>
-            </a:endParaRPr>
-          </a:p>
-          <a:p>
-            <a:pPr>
-              <a:lnSpc>
-                <a:spcPct val="100000"/>
-              </a:lnSpc>
-              <a:spcBef>
-                <a:spcPts val="289"/>
-              </a:spcBef>
-              <a:buNone/>
-            </a:pPr>
-            <a:r>
-              <a:rPr b="0" lang="en-US" sz="1600" spc="-1" strike="noStrike">
-                <a:solidFill>
-                  <a:srgbClr val="0070c1"/>
-                </a:solidFill>
-                <a:latin typeface="Consolas"/>
-              </a:rPr>
-              <a:t>    </a:t>
-            </a:r>
-            <a:r>
-              <a:rPr b="0" lang="en-US" sz="1600" spc="-1" strike="noStrike">
-                <a:solidFill>
-                  <a:srgbClr val="af00db"/>
-                </a:solidFill>
-                <a:latin typeface="Consolas"/>
-              </a:rPr>
-              <a:t>return</a:t>
-            </a:r>
-            <a:r>
-              <a:rPr b="0" lang="en-US" sz="1600" spc="-1" strike="noStrike">
-                <a:solidFill>
-                  <a:srgbClr val="3b3b3b"/>
-                </a:solidFill>
-                <a:latin typeface="Consolas"/>
-              </a:rPr>
-              <a:t> (... </a:t>
-            </a:r>
-            <a:r>
-              <a:rPr b="0" lang="en-US" sz="1600" spc="-1" strike="noStrike">
-                <a:solidFill>
-                  <a:srgbClr val="000000"/>
-                </a:solidFill>
-                <a:latin typeface="Consolas"/>
-              </a:rPr>
-              <a:t>|</a:t>
-            </a:r>
-            <a:r>
-              <a:rPr b="0" lang="en-US" sz="1600" spc="-1" strike="noStrike">
-                <a:solidFill>
-                  <a:srgbClr val="3b3b3b"/>
-                </a:solidFill>
-                <a:latin typeface="Consolas"/>
-              </a:rPr>
-              <a:t> (</a:t>
-            </a:r>
-            <a:r>
-              <a:rPr b="0" lang="en-US" sz="1600" spc="-1" strike="noStrike">
-                <a:solidFill>
-                  <a:srgbClr val="0000ff"/>
-                </a:solidFill>
-                <a:latin typeface="Consolas"/>
-              </a:rPr>
-              <a:t>static_cast</a:t>
-            </a:r>
-            <a:r>
-              <a:rPr b="0" lang="en-US" sz="1600" spc="-1" strike="noStrike">
-                <a:solidFill>
-                  <a:srgbClr val="000000"/>
-                </a:solidFill>
-                <a:latin typeface="Consolas"/>
-              </a:rPr>
-              <a:t>&lt;</a:t>
-            </a:r>
-            <a:r>
-              <a:rPr b="0" lang="en-US" sz="1600" spc="-1" strike="noStrike">
-                <a:solidFill>
-                  <a:srgbClr val="267f99"/>
-                </a:solidFill>
-                <a:latin typeface="Consolas"/>
-              </a:rPr>
-              <a:t>std</a:t>
-            </a:r>
-            <a:r>
-              <a:rPr b="0" lang="en-US" sz="1600" spc="-1" strike="noStrike">
-                <a:solidFill>
-                  <a:srgbClr val="3b3b3b"/>
-                </a:solidFill>
-                <a:latin typeface="Consolas"/>
-              </a:rPr>
-              <a:t>::</a:t>
-            </a:r>
-            <a:r>
-              <a:rPr b="0" lang="en-US" sz="1600" spc="-1" strike="noStrike">
-                <a:solidFill>
-                  <a:srgbClr val="267f99"/>
-                </a:solidFill>
-                <a:latin typeface="Consolas"/>
-              </a:rPr>
-              <a:t>uint32_t</a:t>
-            </a:r>
-            <a:r>
-              <a:rPr b="0" lang="en-US" sz="1600" spc="-1" strike="noStrike">
-                <a:solidFill>
-                  <a:srgbClr val="000000"/>
-                </a:solidFill>
-                <a:latin typeface="Consolas"/>
-              </a:rPr>
-              <a:t>&gt;</a:t>
-            </a:r>
-            <a:r>
-              <a:rPr b="0" lang="en-US" sz="1600" spc="-1" strike="noStrike">
-                <a:solidFill>
-                  <a:srgbClr val="3b3b3b"/>
-                </a:solidFill>
-                <a:latin typeface="Consolas"/>
-              </a:rPr>
-              <a:t>(mode) </a:t>
-            </a:r>
-            <a:r>
-              <a:rPr b="0" lang="en-US" sz="1600" spc="-1" strike="noStrike">
-                <a:solidFill>
-                  <a:srgbClr val="000000"/>
-                </a:solidFill>
-                <a:latin typeface="Consolas"/>
-              </a:rPr>
-              <a:t>&lt;&lt;</a:t>
-            </a:r>
-            <a:endParaRPr b="0" lang="en-US" sz="1600" spc="-1" strike="noStrike">
-              <a:latin typeface="Consolas"/>
-            </a:endParaRPr>
-          </a:p>
-          <a:p>
-            <a:pPr>
-              <a:lnSpc>
-                <a:spcPct val="100000"/>
-              </a:lnSpc>
-              <a:spcBef>
-                <a:spcPts val="289"/>
-              </a:spcBef>
-              <a:buNone/>
-            </a:pPr>
-            <a:r>
-              <a:rPr b="0" lang="en-US" sz="1600" spc="-1" strike="noStrike">
-                <a:solidFill>
-                  <a:srgbClr val="000000"/>
-                </a:solidFill>
-                <a:latin typeface="Consolas"/>
-              </a:rPr>
-              <a:t>                     </a:t>
-            </a:r>
-            <a:r>
-              <a:rPr b="0" lang="en-US" sz="1600" spc="-1" strike="noStrike">
-                <a:solidFill>
-                  <a:srgbClr val="3b3b3b"/>
-                </a:solidFill>
-                <a:latin typeface="Consolas"/>
-              </a:rPr>
-              <a:t>(</a:t>
-            </a:r>
-            <a:r>
-              <a:rPr b="0" lang="en-US" sz="1600" spc="-1" strike="noStrike">
-                <a:solidFill>
-                  <a:srgbClr val="0000ff"/>
-                </a:solidFill>
-                <a:latin typeface="Consolas"/>
-              </a:rPr>
-              <a:t>static_cast</a:t>
-            </a:r>
-            <a:r>
-              <a:rPr b="0" lang="en-US" sz="1600" spc="-1" strike="noStrike">
-                <a:solidFill>
-                  <a:srgbClr val="000000"/>
-                </a:solidFill>
-                <a:latin typeface="Consolas"/>
-              </a:rPr>
-              <a:t>&lt;</a:t>
-            </a:r>
-            <a:r>
-              <a:rPr b="0" lang="en-US" sz="1600" spc="-1" strike="noStrike">
-                <a:solidFill>
-                  <a:srgbClr val="267f99"/>
-                </a:solidFill>
-                <a:latin typeface="Consolas"/>
-              </a:rPr>
-              <a:t>std</a:t>
-            </a:r>
-            <a:r>
-              <a:rPr b="0" lang="en-US" sz="1600" spc="-1" strike="noStrike">
-                <a:solidFill>
-                  <a:srgbClr val="3b3b3b"/>
-                </a:solidFill>
-                <a:latin typeface="Consolas"/>
-              </a:rPr>
-              <a:t>::</a:t>
-            </a:r>
-            <a:r>
-              <a:rPr b="0" lang="en-US" sz="1600" spc="-1" strike="noStrike">
-                <a:solidFill>
-                  <a:srgbClr val="267f99"/>
-                </a:solidFill>
-                <a:latin typeface="Consolas"/>
-              </a:rPr>
-              <a:t>uint32_t</a:t>
-            </a:r>
-            <a:r>
-              <a:rPr b="0" lang="en-US" sz="1600" spc="-1" strike="noStrike">
-                <a:solidFill>
-                  <a:srgbClr val="000000"/>
-                </a:solidFill>
-                <a:latin typeface="Consolas"/>
-              </a:rPr>
-              <a:t>&gt;</a:t>
-            </a:r>
-            <a:r>
-              <a:rPr b="0" lang="en-US" sz="1600" spc="-1" strike="noStrike">
-                <a:solidFill>
-                  <a:srgbClr val="3b3b3b"/>
-                </a:solidFill>
-                <a:latin typeface="Consolas"/>
-              </a:rPr>
-              <a:t>(pin) </a:t>
-            </a:r>
-            <a:r>
-              <a:rPr b="0" lang="en-US" sz="1600" spc="-1" strike="noStrike">
-                <a:solidFill>
-                  <a:srgbClr val="000000"/>
-                </a:solidFill>
-                <a:latin typeface="Consolas"/>
-              </a:rPr>
-              <a:t>*</a:t>
-            </a:r>
-            <a:r>
-              <a:rPr b="0" lang="en-US" sz="1600" spc="-1" strike="noStrike">
-                <a:solidFill>
-                  <a:srgbClr val="3b3b3b"/>
-                </a:solidFill>
-                <a:latin typeface="Consolas"/>
-              </a:rPr>
-              <a:t> </a:t>
-            </a:r>
-            <a:r>
-              <a:rPr b="0" lang="en-US" sz="1600" spc="-1" strike="noStrike">
-                <a:solidFill>
-                  <a:srgbClr val="098658"/>
-                </a:solidFill>
-                <a:latin typeface="Consolas"/>
-              </a:rPr>
-              <a:t>2</a:t>
-            </a:r>
-            <a:r>
-              <a:rPr b="0" lang="en-US" sz="1600" spc="-1" strike="noStrike">
-                <a:solidFill>
-                  <a:srgbClr val="3b3b3b"/>
-                </a:solidFill>
-                <a:latin typeface="Consolas"/>
-              </a:rPr>
-              <a:t>)));</a:t>
-            </a:r>
-            <a:endParaRPr b="0" lang="en-US" sz="1600" spc="-1" strike="noStrike">
-              <a:latin typeface="Consolas"/>
-            </a:endParaRPr>
-          </a:p>
-          <a:p>
-            <a:pPr>
-              <a:lnSpc>
-                <a:spcPct val="100000"/>
-              </a:lnSpc>
-              <a:spcBef>
-                <a:spcPts val="289"/>
-              </a:spcBef>
-              <a:buNone/>
-            </a:pPr>
-            <a:r>
-              <a:rPr b="0" lang="en-US" sz="1600" spc="-1" strike="noStrike">
-                <a:solidFill>
-                  <a:srgbClr val="3b3b3b"/>
-                </a:solidFill>
-                <a:latin typeface="Consolas"/>
-              </a:rPr>
-              <a:t>}</a:t>
-            </a:r>
-            <a:endParaRPr b="0" lang="en-US" sz="1600" spc="-1" strike="noStrike">
-              <a:solidFill>
-                <a:srgbClr val="3b3b3b"/>
-              </a:solidFill>
-              <a:latin typeface="Consolas"/>
-            </a:endParaRPr>
-          </a:p>
-          <a:p>
-            <a:pPr>
-              <a:lnSpc>
-                <a:spcPct val="100000"/>
-              </a:lnSpc>
-              <a:spcBef>
-                <a:spcPts val="289"/>
-              </a:spcBef>
-              <a:buNone/>
-            </a:pPr>
-            <a:endParaRPr b="0" lang="en-US" sz="1600" spc="-1" strike="noStrike">
-              <a:latin typeface="Consolas"/>
-            </a:endParaRPr>
-          </a:p>
-          <a:p>
-            <a:pPr>
-              <a:lnSpc>
-                <a:spcPct val="100000"/>
-              </a:lnSpc>
-              <a:spcBef>
-                <a:spcPts val="289"/>
-              </a:spcBef>
-              <a:buNone/>
-            </a:pPr>
-            <a:r>
-              <a:rPr b="0" lang="en-US" sz="1600" spc="-1" strike="noStrike">
-                <a:solidFill>
-                  <a:srgbClr val="0000ff"/>
-                </a:solidFill>
-                <a:latin typeface="Consolas"/>
-              </a:rPr>
-              <a:t>template</a:t>
-            </a:r>
-            <a:r>
-              <a:rPr b="0" lang="en-US" sz="1600" spc="-1" strike="noStrike">
-                <a:solidFill>
-                  <a:srgbClr val="3b3b3b"/>
-                </a:solidFill>
-                <a:latin typeface="Consolas"/>
-              </a:rPr>
-              <a:t> &lt;</a:t>
-            </a:r>
-            <a:r>
-              <a:rPr b="0" lang="en-US" sz="1600" spc="-1" strike="noStrike">
-                <a:solidFill>
-                  <a:srgbClr val="267f99"/>
-                </a:solidFill>
-                <a:latin typeface="Consolas"/>
-              </a:rPr>
-              <a:t>pins</a:t>
-            </a:r>
-            <a:r>
-              <a:rPr b="0" lang="en-US" sz="1600" spc="-1" strike="noStrike">
-                <a:solidFill>
-                  <a:srgbClr val="3b3b3b"/>
-                </a:solidFill>
-                <a:latin typeface="Consolas"/>
-              </a:rPr>
-              <a:t>... </a:t>
-            </a:r>
-            <a:r>
-              <a:rPr b="0" lang="en-US" sz="1600" spc="-1" strike="noStrike">
-                <a:solidFill>
-                  <a:srgbClr val="267f99"/>
-                </a:solidFill>
-                <a:latin typeface="Consolas"/>
-              </a:rPr>
-              <a:t>pin</a:t>
-            </a:r>
-            <a:r>
-              <a:rPr b="0" lang="en-US" sz="1600" spc="-1" strike="noStrike">
-                <a:solidFill>
-                  <a:srgbClr val="3b3b3b"/>
-                </a:solidFill>
-                <a:latin typeface="Consolas"/>
-              </a:rPr>
-              <a:t>&gt;</a:t>
-            </a:r>
-            <a:endParaRPr b="0" lang="en-US" sz="1600" spc="-1" strike="noStrike">
-              <a:latin typeface="Consolas"/>
-            </a:endParaRPr>
-          </a:p>
-          <a:p>
-            <a:pPr>
-              <a:lnSpc>
-                <a:spcPct val="100000"/>
-              </a:lnSpc>
-              <a:spcBef>
-                <a:spcPts val="289"/>
-              </a:spcBef>
-              <a:buNone/>
-            </a:pPr>
-            <a:r>
-              <a:rPr b="0" lang="en-US" sz="1600" spc="-1" strike="noStrike">
-                <a:solidFill>
-                  <a:srgbClr val="0000ff"/>
-                </a:solidFill>
-                <a:latin typeface="Consolas"/>
-              </a:rPr>
-              <a:t>requires</a:t>
-            </a:r>
-            <a:r>
-              <a:rPr b="0" lang="en-US" sz="1600" spc="-1" strike="noStrike">
-                <a:solidFill>
-                  <a:srgbClr val="3b3b3b"/>
-                </a:solidFill>
-                <a:latin typeface="Consolas"/>
-              </a:rPr>
-              <a:t> (</a:t>
-            </a:r>
-            <a:r>
-              <a:rPr b="0" lang="en-US" sz="1600" spc="-1" strike="noStrike">
-                <a:solidFill>
-                  <a:srgbClr val="267f99"/>
-                </a:solidFill>
-                <a:latin typeface="Consolas"/>
-              </a:rPr>
-              <a:t>are_valid_pins</a:t>
-            </a:r>
-            <a:r>
-              <a:rPr b="0" lang="en-US" sz="1600" spc="-1" strike="noStrike">
-                <a:solidFill>
-                  <a:srgbClr val="000000"/>
-                </a:solidFill>
-                <a:latin typeface="Consolas"/>
-              </a:rPr>
-              <a:t>&lt;</a:t>
-            </a:r>
-            <a:r>
-              <a:rPr b="0" lang="en-US" sz="1600" spc="-1" strike="noStrike">
-                <a:solidFill>
-                  <a:srgbClr val="3b3b3b"/>
-                </a:solidFill>
-                <a:latin typeface="Consolas"/>
-              </a:rPr>
-              <a:t>pin ...</a:t>
-            </a:r>
-            <a:r>
-              <a:rPr b="0" lang="en-US" sz="1600" spc="-1" strike="noStrike">
-                <a:solidFill>
-                  <a:srgbClr val="000000"/>
-                </a:solidFill>
-                <a:latin typeface="Consolas"/>
-              </a:rPr>
-              <a:t>&gt;</a:t>
-            </a:r>
-            <a:r>
-              <a:rPr b="0" lang="en-US" sz="1600" spc="-1" strike="noStrike">
-                <a:solidFill>
-                  <a:srgbClr val="3b3b3b"/>
-                </a:solidFill>
-                <a:latin typeface="Consolas"/>
-              </a:rPr>
-              <a:t>)</a:t>
-            </a:r>
-            <a:endParaRPr b="0" lang="en-US" sz="1600" spc="-1" strike="noStrike">
-              <a:latin typeface="Consolas"/>
-            </a:endParaRPr>
-          </a:p>
-          <a:p>
-            <a:pPr>
-              <a:lnSpc>
-                <a:spcPct val="100000"/>
-              </a:lnSpc>
-              <a:spcBef>
-                <a:spcPts val="289"/>
-              </a:spcBef>
-              <a:buNone/>
-            </a:pPr>
-            <a:r>
-              <a:rPr b="0" lang="en-US" sz="1600" spc="-1" strike="noStrike">
-                <a:solidFill>
-                  <a:srgbClr val="0000ff"/>
-                </a:solidFill>
-                <a:latin typeface="Consolas"/>
-              </a:rPr>
-              <a:t>consteval</a:t>
-            </a:r>
-            <a:r>
-              <a:rPr b="0" lang="en-US" sz="1600" spc="-1" strike="noStrike">
-                <a:solidFill>
-                  <a:srgbClr val="3b3b3b"/>
-                </a:solidFill>
-                <a:latin typeface="Consolas"/>
-              </a:rPr>
-              <a:t> </a:t>
-            </a:r>
-            <a:r>
-              <a:rPr b="0" lang="en-US" sz="1600" spc="-1" strike="noStrike">
-                <a:solidFill>
-                  <a:srgbClr val="267f99"/>
-                </a:solidFill>
-                <a:latin typeface="Consolas"/>
-              </a:rPr>
-              <a:t>std</a:t>
-            </a:r>
-            <a:r>
-              <a:rPr b="0" lang="en-US" sz="1600" spc="-1" strike="noStrike">
-                <a:solidFill>
-                  <a:srgbClr val="3b3b3b"/>
-                </a:solidFill>
-                <a:latin typeface="Consolas"/>
-              </a:rPr>
-              <a:t>::</a:t>
-            </a:r>
-            <a:r>
-              <a:rPr b="0" lang="en-US" sz="1600" spc="-1" strike="noStrike">
-                <a:solidFill>
-                  <a:srgbClr val="267f99"/>
-                </a:solidFill>
-                <a:latin typeface="Consolas"/>
-              </a:rPr>
-              <a:t>uint32_t</a:t>
-            </a:r>
-            <a:r>
-              <a:rPr b="0" lang="en-US" sz="1600" spc="-1" strike="noStrike">
-                <a:solidFill>
-                  <a:srgbClr val="3b3b3b"/>
-                </a:solidFill>
-                <a:latin typeface="Consolas"/>
-              </a:rPr>
-              <a:t> </a:t>
-            </a:r>
-            <a:r>
-              <a:rPr b="0" lang="en-US" sz="1600" spc="-1" strike="noStrike">
-                <a:solidFill>
-                  <a:srgbClr val="795e26"/>
-                </a:solidFill>
-                <a:latin typeface="Consolas"/>
-              </a:rPr>
-              <a:t>moder_bitmask</a:t>
-            </a:r>
-            <a:r>
-              <a:rPr b="0" lang="en-US" sz="1600" spc="-1" strike="noStrike">
-                <a:solidFill>
-                  <a:srgbClr val="3b3b3b"/>
-                </a:solidFill>
-                <a:latin typeface="Consolas"/>
-              </a:rPr>
-              <a:t> () {</a:t>
-            </a:r>
-            <a:endParaRPr b="0" lang="en-US" sz="1600" spc="-1" strike="noStrike">
-              <a:latin typeface="Consolas"/>
-            </a:endParaRPr>
-          </a:p>
-          <a:p>
-            <a:pPr>
-              <a:lnSpc>
-                <a:spcPct val="100000"/>
-              </a:lnSpc>
-              <a:spcBef>
-                <a:spcPts val="289"/>
-              </a:spcBef>
-              <a:buNone/>
-            </a:pPr>
-            <a:r>
-              <a:rPr b="0" lang="en-US" sz="1600" spc="-1" strike="noStrike">
-                <a:solidFill>
-                  <a:srgbClr val="0070c1"/>
-                </a:solidFill>
-                <a:latin typeface="Consolas"/>
-              </a:rPr>
-              <a:t>    </a:t>
-            </a:r>
-            <a:r>
-              <a:rPr b="0" lang="en-US" sz="1600" spc="-1" strike="noStrike">
-                <a:solidFill>
-                  <a:srgbClr val="af00db"/>
-                </a:solidFill>
-                <a:latin typeface="Consolas"/>
-              </a:rPr>
-              <a:t>return</a:t>
-            </a:r>
-            <a:r>
-              <a:rPr b="0" lang="en-US" sz="1600" spc="-1" strike="noStrike">
-                <a:solidFill>
-                  <a:srgbClr val="3b3b3b"/>
-                </a:solidFill>
-                <a:latin typeface="Consolas"/>
-              </a:rPr>
-              <a:t> (... </a:t>
-            </a:r>
-            <a:r>
-              <a:rPr b="0" lang="en-US" sz="1600" spc="-1" strike="noStrike">
-                <a:solidFill>
-                  <a:srgbClr val="000000"/>
-                </a:solidFill>
-                <a:latin typeface="Consolas"/>
-              </a:rPr>
-              <a:t>|</a:t>
-            </a:r>
-            <a:r>
-              <a:rPr b="0" lang="en-US" sz="1600" spc="-1" strike="noStrike">
-                <a:solidFill>
-                  <a:srgbClr val="3b3b3b"/>
-                </a:solidFill>
-                <a:latin typeface="Consolas"/>
-              </a:rPr>
-              <a:t> (</a:t>
-            </a:r>
-            <a:r>
-              <a:rPr b="0" lang="en-US" sz="1600" spc="-1" strike="noStrike">
-                <a:solidFill>
-                  <a:srgbClr val="0000ff"/>
-                </a:solidFill>
-                <a:latin typeface="Consolas"/>
-              </a:rPr>
-              <a:t>GPIO_MODER_MODER0</a:t>
-            </a:r>
-            <a:r>
-              <a:rPr b="0" lang="en-US" sz="1600" spc="-1" strike="noStrike">
-                <a:solidFill>
-                  <a:srgbClr val="3b3b3b"/>
-                </a:solidFill>
-                <a:latin typeface="Consolas"/>
-              </a:rPr>
-              <a:t> </a:t>
-            </a:r>
-            <a:r>
-              <a:rPr b="0" lang="en-US" sz="1600" spc="-1" strike="noStrike">
-                <a:solidFill>
-                  <a:srgbClr val="000000"/>
-                </a:solidFill>
-                <a:latin typeface="Consolas"/>
-              </a:rPr>
-              <a:t>&lt;&lt;</a:t>
-            </a:r>
-            <a:endParaRPr b="0" lang="en-US" sz="1600" spc="-1" strike="noStrike">
-              <a:latin typeface="Consolas"/>
-            </a:endParaRPr>
-          </a:p>
-          <a:p>
-            <a:pPr>
-              <a:lnSpc>
-                <a:spcPct val="100000"/>
-              </a:lnSpc>
-              <a:spcBef>
-                <a:spcPts val="289"/>
-              </a:spcBef>
-              <a:buNone/>
-            </a:pPr>
-            <a:r>
-              <a:rPr b="0" lang="en-US" sz="1600" spc="-1" strike="noStrike">
-                <a:solidFill>
-                  <a:srgbClr val="000000"/>
-                </a:solidFill>
-                <a:latin typeface="Consolas"/>
-              </a:rPr>
-              <a:t>                     </a:t>
-            </a:r>
-            <a:r>
-              <a:rPr b="0" lang="en-US" sz="1600" spc="-1" strike="noStrike">
-                <a:solidFill>
-                  <a:srgbClr val="3b3b3b"/>
-                </a:solidFill>
-                <a:latin typeface="Consolas"/>
-              </a:rPr>
-              <a:t>(</a:t>
-            </a:r>
-            <a:r>
-              <a:rPr b="0" lang="en-US" sz="1600" spc="-1" strike="noStrike">
-                <a:solidFill>
-                  <a:srgbClr val="0000ff"/>
-                </a:solidFill>
-                <a:latin typeface="Consolas"/>
-              </a:rPr>
-              <a:t>static_cast</a:t>
-            </a:r>
-            <a:r>
-              <a:rPr b="0" lang="en-US" sz="1600" spc="-1" strike="noStrike">
-                <a:solidFill>
-                  <a:srgbClr val="000000"/>
-                </a:solidFill>
-                <a:latin typeface="Consolas"/>
-              </a:rPr>
-              <a:t>&lt;</a:t>
-            </a:r>
-            <a:r>
-              <a:rPr b="0" lang="en-US" sz="1600" spc="-1" strike="noStrike">
-                <a:solidFill>
-                  <a:srgbClr val="267f99"/>
-                </a:solidFill>
-                <a:latin typeface="Consolas"/>
-              </a:rPr>
-              <a:t>std</a:t>
-            </a:r>
-            <a:r>
-              <a:rPr b="0" lang="en-US" sz="1600" spc="-1" strike="noStrike">
-                <a:solidFill>
-                  <a:srgbClr val="3b3b3b"/>
-                </a:solidFill>
-                <a:latin typeface="Consolas"/>
-              </a:rPr>
-              <a:t>::</a:t>
-            </a:r>
-            <a:r>
-              <a:rPr b="0" lang="en-US" sz="1600" spc="-1" strike="noStrike">
-                <a:solidFill>
-                  <a:srgbClr val="267f99"/>
-                </a:solidFill>
-                <a:latin typeface="Consolas"/>
-              </a:rPr>
-              <a:t>uint32_t</a:t>
-            </a:r>
-            <a:r>
-              <a:rPr b="0" lang="en-US" sz="1600" spc="-1" strike="noStrike">
-                <a:solidFill>
-                  <a:srgbClr val="000000"/>
-                </a:solidFill>
-                <a:latin typeface="Consolas"/>
-              </a:rPr>
-              <a:t>&gt;</a:t>
-            </a:r>
-            <a:r>
-              <a:rPr b="0" lang="en-US" sz="1600" spc="-1" strike="noStrike">
-                <a:solidFill>
-                  <a:srgbClr val="3b3b3b"/>
-                </a:solidFill>
-                <a:latin typeface="Consolas"/>
-              </a:rPr>
-              <a:t>(pin) </a:t>
-            </a:r>
-            <a:r>
-              <a:rPr b="0" lang="en-US" sz="1600" spc="-1" strike="noStrike">
-                <a:solidFill>
-                  <a:srgbClr val="000000"/>
-                </a:solidFill>
-                <a:latin typeface="Consolas"/>
-              </a:rPr>
-              <a:t>*</a:t>
-            </a:r>
-            <a:r>
-              <a:rPr b="0" lang="en-US" sz="1600" spc="-1" strike="noStrike">
-                <a:solidFill>
-                  <a:srgbClr val="3b3b3b"/>
-                </a:solidFill>
-                <a:latin typeface="Consolas"/>
-              </a:rPr>
-              <a:t> </a:t>
-            </a:r>
-            <a:r>
-              <a:rPr b="0" lang="en-US" sz="1600" spc="-1" strike="noStrike">
-                <a:solidFill>
-                  <a:srgbClr val="098658"/>
-                </a:solidFill>
-                <a:latin typeface="Consolas"/>
-              </a:rPr>
-              <a:t>2</a:t>
-            </a:r>
-            <a:r>
-              <a:rPr b="0" lang="en-US" sz="1600" spc="-1" strike="noStrike">
-                <a:solidFill>
-                  <a:srgbClr val="3b3b3b"/>
-                </a:solidFill>
-                <a:latin typeface="Consolas"/>
-              </a:rPr>
-              <a:t>)));</a:t>
-            </a:r>
-            <a:endParaRPr b="0" lang="en-US" sz="1600" spc="-1" strike="noStrike">
-              <a:latin typeface="Consolas"/>
-            </a:endParaRPr>
-          </a:p>
-          <a:p>
-            <a:pPr>
-              <a:lnSpc>
-                <a:spcPct val="100000"/>
-              </a:lnSpc>
-              <a:spcBef>
-                <a:spcPts val="289"/>
-              </a:spcBef>
-              <a:buNone/>
-            </a:pPr>
-            <a:r>
-              <a:rPr b="0" lang="en-US" sz="1600" spc="-1" strike="noStrike">
-                <a:solidFill>
-                  <a:srgbClr val="3b3b3b"/>
-                </a:solidFill>
-                <a:latin typeface="Consolas"/>
-              </a:rPr>
-              <a:t>}</a:t>
-            </a:r>
-            <a:endParaRPr b="0" lang="en-US" sz="1600" spc="-1" strike="noStrike">
-              <a:solidFill>
-                <a:srgbClr val="3b3b3b"/>
-              </a:solidFill>
-              <a:latin typeface="Consolas"/>
             </a:endParaRPr>
           </a:p>
         </p:txBody>
@@ -38452,7 +35183,7 @@
         <p:txBody>
           <a:bodyPr/>
           <a:p>
-            <a:fld id="{28885315-8021-4F0F-A5DC-C9D32031C497}" type="slidenum">
+            <a:fld id="{B474427A-DE2A-4C5E-9871-01021958E01C}" type="slidenum">
               <a:t>32</a:t>
             </a:fld>
           </a:p>
@@ -38490,14 +35221,161 @@
       </p:grpSpPr>
       <p:sp>
         <p:nvSpPr>
-          <p:cNvPr id="287" name="Subtitle 30"/>
+          <p:cNvPr id="278" name=""/>
+          <p:cNvSpPr/>
+          <p:nvPr/>
+        </p:nvSpPr>
+        <p:spPr>
+          <a:xfrm>
+            <a:off x="1691640" y="1737360"/>
+            <a:ext cx="9646560" cy="2057040"/>
+          </a:xfrm>
+          <a:prstGeom prst="rect">
+            <a:avLst/>
+          </a:prstGeom>
+          <a:noFill/>
+          <a:ln w="0">
+            <a:noFill/>
+          </a:ln>
+        </p:spPr>
+        <p:style>
+          <a:lnRef idx="0"/>
+          <a:fillRef idx="0"/>
+          <a:effectRef idx="0"/>
+          <a:fontRef idx="minor"/>
+        </p:style>
+        <p:txBody>
+          <a:bodyPr lIns="90000" rIns="90000" tIns="45000" bIns="45000" anchor="t">
+            <a:noAutofit/>
+          </a:bodyPr>
+          <a:p>
+            <a:pPr marL="216000" indent="-216000">
+              <a:lnSpc>
+                <a:spcPct val="100000"/>
+              </a:lnSpc>
+              <a:spcBef>
+                <a:spcPts val="2449"/>
+              </a:spcBef>
+              <a:buClr>
+                <a:srgbClr val="000000"/>
+              </a:buClr>
+              <a:buSzPct val="45000"/>
+              <a:buFont typeface="Wingdings" charset="2"/>
+              <a:buChar char=""/>
+            </a:pPr>
+            <a:r>
+              <a:rPr b="0" lang="en-US" sz="2200" spc="-1" strike="noStrike">
+                <a:solidFill>
+                  <a:srgbClr val="000000"/>
+                </a:solidFill>
+                <a:latin typeface="Arial"/>
+                <a:ea typeface="DejaVu Sans"/>
+              </a:rPr>
+              <a:t>This is about the “special” cases where the hardware is known, which is common for embedded systems.</a:t>
+            </a:r>
+            <a:endParaRPr b="0" lang="en-US" sz="2200" spc="-1" strike="noStrike">
+              <a:latin typeface="Arial"/>
+            </a:endParaRPr>
+          </a:p>
+          <a:p>
+            <a:pPr marL="216000" indent="-216000">
+              <a:lnSpc>
+                <a:spcPct val="100000"/>
+              </a:lnSpc>
+              <a:spcBef>
+                <a:spcPts val="2449"/>
+              </a:spcBef>
+              <a:buClr>
+                <a:srgbClr val="000000"/>
+              </a:buClr>
+              <a:buSzPct val="45000"/>
+              <a:buFont typeface="Wingdings" charset="2"/>
+              <a:buChar char=""/>
+            </a:pPr>
+            <a:r>
+              <a:rPr b="0" lang="en-US" sz="2200" spc="-1" strike="noStrike">
+                <a:solidFill>
+                  <a:srgbClr val="000000"/>
+                </a:solidFill>
+                <a:latin typeface="Arial"/>
+                <a:ea typeface="DejaVu Sans"/>
+              </a:rPr>
+              <a:t>I did not replace the HAL given by the manufacturer, I extended it.</a:t>
+            </a:r>
+            <a:endParaRPr b="0" lang="en-US" sz="2200" spc="-1" strike="noStrike">
+              <a:latin typeface="Arial"/>
+            </a:endParaRPr>
+          </a:p>
+          <a:p>
+            <a:pPr marL="216000" indent="-216000">
+              <a:lnSpc>
+                <a:spcPct val="100000"/>
+              </a:lnSpc>
+              <a:spcBef>
+                <a:spcPts val="2449"/>
+              </a:spcBef>
+              <a:buClr>
+                <a:srgbClr val="000000"/>
+              </a:buClr>
+              <a:buSzPct val="45000"/>
+              <a:buFont typeface="Wingdings" charset="2"/>
+              <a:buChar char=""/>
+            </a:pPr>
+            <a:r>
+              <a:rPr b="0" lang="en-US" sz="2200" spc="-1" strike="noStrike">
+                <a:solidFill>
+                  <a:srgbClr val="000000"/>
+                </a:solidFill>
+                <a:latin typeface="Arial"/>
+                <a:ea typeface="DejaVu Sans"/>
+              </a:rPr>
+              <a:t>The same techniques can be used in any other application as well, if the circumstances allow it.</a:t>
+            </a:r>
+            <a:endParaRPr b="0" lang="en-US" sz="2200" spc="-1" strike="noStrike">
+              <a:latin typeface="Arial"/>
+            </a:endParaRPr>
+          </a:p>
+          <a:p>
+            <a:pPr marL="216000" indent="-216000">
+              <a:lnSpc>
+                <a:spcPct val="100000"/>
+              </a:lnSpc>
+              <a:spcBef>
+                <a:spcPts val="2449"/>
+              </a:spcBef>
+              <a:buClr>
+                <a:srgbClr val="000000"/>
+              </a:buClr>
+              <a:buSzPct val="45000"/>
+              <a:buFont typeface="Wingdings" charset="2"/>
+              <a:buChar char=""/>
+            </a:pPr>
+            <a:r>
+              <a:rPr b="0" lang="en-US" sz="2200" spc="-1" strike="noStrike">
+                <a:solidFill>
+                  <a:srgbClr val="000000"/>
+                </a:solidFill>
+                <a:latin typeface="Arial"/>
+                <a:ea typeface="DejaVu Sans"/>
+              </a:rPr>
+              <a:t>These are no guidelines or rules.</a:t>
+            </a:r>
+            <a:endParaRPr b="0" lang="en-US" sz="2200" spc="-1" strike="noStrike">
+              <a:latin typeface="Arial"/>
+            </a:endParaRPr>
+          </a:p>
+        </p:txBody>
+      </p:sp>
+      <p:sp>
+        <p:nvSpPr>
+          <p:cNvPr id="279" name="Subtitle 26"/>
           <p:cNvSpPr/>
           <p:nvPr/>
         </p:nvSpPr>
         <p:spPr>
           <a:xfrm>
             <a:off x="1933920" y="633240"/>
-            <a:ext cx="8323200" cy="1014480"/>
+            <a:ext cx="8322840" cy="1014120"/>
           </a:xfrm>
           <a:prstGeom prst="rect">
             <a:avLst/>
@@ -38538,7 +35416,7 @@
                 <a:latin typeface="Aptos"/>
                 <a:ea typeface="DejaVu Sans"/>
               </a:rPr>
-              <a:t>Compile-time Branching</a:t>
+              <a:t>Notes</a:t>
             </a:r>
             <a:endParaRPr b="0" lang="en-US" sz="3200" spc="-1" strike="noStrike">
               <a:latin typeface="Arial"/>
@@ -38560,7 +35438,7 @@
         <p:txBody>
           <a:bodyPr/>
           <a:p>
-            <a:fld id="{E318C6D7-CEC8-4FF5-978C-B6A2E3600C0B}" type="slidenum">
+            <a:fld id="{AD5E3795-D1E8-45F2-89BC-B1AB74705956}" type="slidenum">
               <a:t>33</a:t>
             </a:fld>
           </a:p>
@@ -38598,14 +35476,14 @@
       </p:grpSpPr>
       <p:sp>
         <p:nvSpPr>
-          <p:cNvPr id="288" name="Subtitle 23"/>
+          <p:cNvPr id="280" name="Subtitle 29"/>
           <p:cNvSpPr/>
           <p:nvPr/>
         </p:nvSpPr>
         <p:spPr>
           <a:xfrm>
             <a:off x="1933920" y="633240"/>
-            <a:ext cx="8323200" cy="1014480"/>
+            <a:ext cx="8322840" cy="1014120"/>
           </a:xfrm>
           <a:prstGeom prst="rect">
             <a:avLst/>
@@ -38646,9 +35524,973 @@
                 <a:latin typeface="Aptos"/>
                 <a:ea typeface="DejaVu Sans"/>
               </a:rPr>
-              <a:t>C++ for Register Operations</a:t>
+              <a:t>Enumerations</a:t>
             </a:r>
             <a:endParaRPr b="0" lang="en-US" sz="3200" spc="-1" strike="noStrike">
+              <a:latin typeface="Arial"/>
+            </a:endParaRPr>
+          </a:p>
+        </p:txBody>
+      </p:sp>
+      <p:sp>
+        <p:nvSpPr>
+          <p:cNvPr id="281" name=""/>
+          <p:cNvSpPr/>
+          <p:nvPr/>
+        </p:nvSpPr>
+        <p:spPr>
+          <a:xfrm>
+            <a:off x="3256200" y="2514600"/>
+            <a:ext cx="5297760" cy="1968120"/>
+          </a:xfrm>
+          <a:prstGeom prst="rect">
+            <a:avLst/>
+          </a:prstGeom>
+          <a:noFill/>
+          <a:ln w="0">
+            <a:noFill/>
+          </a:ln>
+        </p:spPr>
+        <p:style>
+          <a:lnRef idx="0"/>
+          <a:fillRef idx="0"/>
+          <a:effectRef idx="0"/>
+          <a:fontRef idx="minor"/>
+        </p:style>
+      </p:sp>
+      <p:sp>
+        <p:nvSpPr>
+          <p:cNvPr id="282" name=""/>
+          <p:cNvSpPr/>
+          <p:nvPr/>
+        </p:nvSpPr>
+        <p:spPr>
+          <a:xfrm>
+            <a:off x="738360" y="1710360"/>
+            <a:ext cx="4107600" cy="1489680"/>
+          </a:xfrm>
+          <a:prstGeom prst="rect">
+            <a:avLst/>
+          </a:prstGeom>
+          <a:noFill/>
+          <a:ln w="0">
+            <a:noFill/>
+          </a:ln>
+        </p:spPr>
+        <p:style>
+          <a:lnRef idx="0"/>
+          <a:fillRef idx="0"/>
+          <a:effectRef idx="0"/>
+          <a:fontRef idx="minor"/>
+        </p:style>
+        <p:txBody>
+          <a:bodyPr lIns="90000" rIns="90000" tIns="45000" bIns="45000" anchor="t">
+            <a:noAutofit/>
+          </a:bodyPr>
+          <a:p>
+            <a:pPr>
+              <a:lnSpc>
+                <a:spcPct val="100000"/>
+              </a:lnSpc>
+              <a:spcBef>
+                <a:spcPts val="289"/>
+              </a:spcBef>
+              <a:buNone/>
+            </a:pPr>
+            <a:r>
+              <a:rPr b="0" lang="en-US" sz="1600" spc="-1" strike="noStrike">
+                <a:solidFill>
+                  <a:srgbClr val="0000ff"/>
+                </a:solidFill>
+                <a:latin typeface="Consolas"/>
+              </a:rPr>
+              <a:t>enum</a:t>
+            </a:r>
+            <a:r>
+              <a:rPr b="0" lang="en-US" sz="1600" spc="-1" strike="noStrike">
+                <a:solidFill>
+                  <a:srgbClr val="3b3b3b"/>
+                </a:solidFill>
+                <a:latin typeface="Consolas"/>
+              </a:rPr>
+              <a:t> </a:t>
+            </a:r>
+            <a:r>
+              <a:rPr b="0" lang="en-US" sz="1600" spc="-1" strike="noStrike">
+                <a:solidFill>
+                  <a:srgbClr val="0000ff"/>
+                </a:solidFill>
+                <a:latin typeface="Consolas"/>
+              </a:rPr>
+              <a:t>class</a:t>
+            </a:r>
+            <a:r>
+              <a:rPr b="0" lang="en-US" sz="1600" spc="-1" strike="noStrike">
+                <a:solidFill>
+                  <a:srgbClr val="3b3b3b"/>
+                </a:solidFill>
+                <a:latin typeface="Consolas"/>
+              </a:rPr>
+              <a:t> </a:t>
+            </a:r>
+            <a:r>
+              <a:rPr b="0" lang="en-US" sz="1600" spc="-1" strike="noStrike">
+                <a:solidFill>
+                  <a:srgbClr val="267f99"/>
+                </a:solidFill>
+                <a:latin typeface="Consolas"/>
+              </a:rPr>
+              <a:t>modes</a:t>
+            </a:r>
+            <a:r>
+              <a:rPr b="0" lang="en-US" sz="1600" spc="-1" strike="noStrike">
+                <a:solidFill>
+                  <a:srgbClr val="3b3b3b"/>
+                </a:solidFill>
+                <a:latin typeface="Consolas"/>
+              </a:rPr>
+              <a:t> : </a:t>
+            </a:r>
+            <a:r>
+              <a:rPr b="0" lang="en-US" sz="1600" spc="-1" strike="noStrike">
+                <a:solidFill>
+                  <a:srgbClr val="267f99"/>
+                </a:solidFill>
+                <a:latin typeface="Consolas"/>
+              </a:rPr>
+              <a:t>std</a:t>
+            </a:r>
+            <a:r>
+              <a:rPr b="0" lang="en-US" sz="1600" spc="-1" strike="noStrike">
+                <a:solidFill>
+                  <a:srgbClr val="3b3b3b"/>
+                </a:solidFill>
+                <a:latin typeface="Consolas"/>
+              </a:rPr>
+              <a:t>::</a:t>
+            </a:r>
+            <a:r>
+              <a:rPr b="0" lang="en-US" sz="1600" spc="-1" strike="noStrike">
+                <a:solidFill>
+                  <a:srgbClr val="267f99"/>
+                </a:solidFill>
+                <a:latin typeface="Consolas"/>
+              </a:rPr>
+              <a:t>uint32_t</a:t>
+            </a:r>
+            <a:r>
+              <a:rPr b="0" lang="en-US" sz="1600" spc="-1" strike="noStrike">
+                <a:solidFill>
+                  <a:srgbClr val="3b3b3b"/>
+                </a:solidFill>
+                <a:latin typeface="Consolas"/>
+              </a:rPr>
+              <a:t> {</a:t>
+            </a:r>
+            <a:endParaRPr b="0" lang="en-US" sz="1600" spc="-1" strike="noStrike">
+              <a:latin typeface="Arial"/>
+            </a:endParaRPr>
+          </a:p>
+          <a:p>
+            <a:pPr>
+              <a:lnSpc>
+                <a:spcPct val="100000"/>
+              </a:lnSpc>
+              <a:spcBef>
+                <a:spcPts val="289"/>
+              </a:spcBef>
+              <a:buNone/>
+            </a:pPr>
+            <a:r>
+              <a:rPr b="0" lang="en-US" sz="1600" spc="-1" strike="noStrike">
+                <a:solidFill>
+                  <a:srgbClr val="0070c1"/>
+                </a:solidFill>
+                <a:latin typeface="Consolas"/>
+              </a:rPr>
+              <a:t>    </a:t>
+            </a:r>
+            <a:r>
+              <a:rPr b="0" lang="en-US" sz="1600" spc="-1" strike="noStrike">
+                <a:solidFill>
+                  <a:srgbClr val="0070c1"/>
+                </a:solidFill>
+                <a:latin typeface="Consolas"/>
+              </a:rPr>
+              <a:t>input</a:t>
+            </a:r>
+            <a:r>
+              <a:rPr b="0" lang="en-US" sz="1600" spc="-1" strike="noStrike">
+                <a:solidFill>
+                  <a:srgbClr val="3b3b3b"/>
+                </a:solidFill>
+                <a:latin typeface="Consolas"/>
+              </a:rPr>
+              <a:t> </a:t>
+            </a:r>
+            <a:r>
+              <a:rPr b="0" lang="en-US" sz="1600" spc="-1" strike="noStrike">
+                <a:solidFill>
+                  <a:srgbClr val="000000"/>
+                </a:solidFill>
+                <a:latin typeface="Consolas"/>
+              </a:rPr>
+              <a:t>=</a:t>
+            </a:r>
+            <a:r>
+              <a:rPr b="0" lang="en-US" sz="1600" spc="-1" strike="noStrike">
+                <a:solidFill>
+                  <a:srgbClr val="3b3b3b"/>
+                </a:solidFill>
+                <a:latin typeface="Consolas"/>
+              </a:rPr>
+              <a:t> </a:t>
+            </a:r>
+            <a:r>
+              <a:rPr b="0" lang="en-US" sz="1600" spc="-1" strike="noStrike">
+                <a:solidFill>
+                  <a:srgbClr val="098658"/>
+                </a:solidFill>
+                <a:latin typeface="Consolas"/>
+              </a:rPr>
+              <a:t>0b00</a:t>
+            </a:r>
+            <a:r>
+              <a:rPr b="0" lang="en-US" sz="1600" spc="-1" strike="noStrike">
+                <a:solidFill>
+                  <a:srgbClr val="3b3b3b"/>
+                </a:solidFill>
+                <a:latin typeface="Consolas"/>
+              </a:rPr>
+              <a:t>,</a:t>
+            </a:r>
+            <a:endParaRPr b="0" lang="en-US" sz="1600" spc="-1" strike="noStrike">
+              <a:latin typeface="Arial"/>
+            </a:endParaRPr>
+          </a:p>
+          <a:p>
+            <a:pPr>
+              <a:lnSpc>
+                <a:spcPct val="100000"/>
+              </a:lnSpc>
+              <a:spcBef>
+                <a:spcPts val="289"/>
+              </a:spcBef>
+              <a:buNone/>
+            </a:pPr>
+            <a:r>
+              <a:rPr b="0" lang="en-US" sz="1600" spc="-1" strike="noStrike">
+                <a:solidFill>
+                  <a:srgbClr val="0070c1"/>
+                </a:solidFill>
+                <a:latin typeface="Consolas"/>
+              </a:rPr>
+              <a:t>    </a:t>
+            </a:r>
+            <a:r>
+              <a:rPr b="0" lang="en-US" sz="1600" spc="-1" strike="noStrike">
+                <a:solidFill>
+                  <a:srgbClr val="0070c1"/>
+                </a:solidFill>
+                <a:latin typeface="Consolas"/>
+              </a:rPr>
+              <a:t>output</a:t>
+            </a:r>
+            <a:r>
+              <a:rPr b="0" lang="en-US" sz="1600" spc="-1" strike="noStrike">
+                <a:solidFill>
+                  <a:srgbClr val="3b3b3b"/>
+                </a:solidFill>
+                <a:latin typeface="Consolas"/>
+              </a:rPr>
+              <a:t> </a:t>
+            </a:r>
+            <a:r>
+              <a:rPr b="0" lang="en-US" sz="1600" spc="-1" strike="noStrike">
+                <a:solidFill>
+                  <a:srgbClr val="000000"/>
+                </a:solidFill>
+                <a:latin typeface="Consolas"/>
+              </a:rPr>
+              <a:t>=</a:t>
+            </a:r>
+            <a:r>
+              <a:rPr b="0" lang="en-US" sz="1600" spc="-1" strike="noStrike">
+                <a:solidFill>
+                  <a:srgbClr val="3b3b3b"/>
+                </a:solidFill>
+                <a:latin typeface="Consolas"/>
+              </a:rPr>
+              <a:t> </a:t>
+            </a:r>
+            <a:r>
+              <a:rPr b="0" lang="en-US" sz="1600" spc="-1" strike="noStrike">
+                <a:solidFill>
+                  <a:srgbClr val="098658"/>
+                </a:solidFill>
+                <a:latin typeface="Consolas"/>
+              </a:rPr>
+              <a:t>0b01</a:t>
+            </a:r>
+            <a:r>
+              <a:rPr b="0" lang="en-US" sz="1600" spc="-1" strike="noStrike">
+                <a:solidFill>
+                  <a:srgbClr val="3b3b3b"/>
+                </a:solidFill>
+                <a:latin typeface="Consolas"/>
+              </a:rPr>
+              <a:t>,</a:t>
+            </a:r>
+            <a:endParaRPr b="0" lang="en-US" sz="1600" spc="-1" strike="noStrike">
+              <a:latin typeface="Arial"/>
+            </a:endParaRPr>
+          </a:p>
+          <a:p>
+            <a:pPr>
+              <a:lnSpc>
+                <a:spcPct val="100000"/>
+              </a:lnSpc>
+              <a:spcBef>
+                <a:spcPts val="289"/>
+              </a:spcBef>
+              <a:buNone/>
+            </a:pPr>
+            <a:r>
+              <a:rPr b="0" lang="en-US" sz="1600" spc="-1" strike="noStrike">
+                <a:solidFill>
+                  <a:srgbClr val="0070c1"/>
+                </a:solidFill>
+                <a:latin typeface="Consolas"/>
+              </a:rPr>
+              <a:t>    </a:t>
+            </a:r>
+            <a:r>
+              <a:rPr b="0" lang="en-US" sz="1600" spc="-1" strike="noStrike">
+                <a:solidFill>
+                  <a:srgbClr val="0070c1"/>
+                </a:solidFill>
+                <a:latin typeface="Consolas"/>
+              </a:rPr>
+              <a:t>alt_func</a:t>
+            </a:r>
+            <a:r>
+              <a:rPr b="0" lang="en-US" sz="1600" spc="-1" strike="noStrike">
+                <a:solidFill>
+                  <a:srgbClr val="3b3b3b"/>
+                </a:solidFill>
+                <a:latin typeface="Consolas"/>
+              </a:rPr>
+              <a:t> </a:t>
+            </a:r>
+            <a:r>
+              <a:rPr b="0" lang="en-US" sz="1600" spc="-1" strike="noStrike">
+                <a:solidFill>
+                  <a:srgbClr val="000000"/>
+                </a:solidFill>
+                <a:latin typeface="Consolas"/>
+              </a:rPr>
+              <a:t>=</a:t>
+            </a:r>
+            <a:r>
+              <a:rPr b="0" lang="en-US" sz="1600" spc="-1" strike="noStrike">
+                <a:solidFill>
+                  <a:srgbClr val="3b3b3b"/>
+                </a:solidFill>
+                <a:latin typeface="Consolas"/>
+              </a:rPr>
+              <a:t> </a:t>
+            </a:r>
+            <a:r>
+              <a:rPr b="0" lang="en-US" sz="1600" spc="-1" strike="noStrike">
+                <a:solidFill>
+                  <a:srgbClr val="098658"/>
+                </a:solidFill>
+                <a:latin typeface="Consolas"/>
+              </a:rPr>
+              <a:t>0b10</a:t>
+            </a:r>
+            <a:r>
+              <a:rPr b="0" lang="en-US" sz="1600" spc="-1" strike="noStrike">
+                <a:solidFill>
+                  <a:srgbClr val="3b3b3b"/>
+                </a:solidFill>
+                <a:latin typeface="Consolas"/>
+              </a:rPr>
+              <a:t>,</a:t>
+            </a:r>
+            <a:endParaRPr b="0" lang="en-US" sz="1600" spc="-1" strike="noStrike">
+              <a:latin typeface="Arial"/>
+            </a:endParaRPr>
+          </a:p>
+          <a:p>
+            <a:pPr>
+              <a:lnSpc>
+                <a:spcPct val="100000"/>
+              </a:lnSpc>
+              <a:spcBef>
+                <a:spcPts val="289"/>
+              </a:spcBef>
+              <a:buNone/>
+            </a:pPr>
+            <a:r>
+              <a:rPr b="0" lang="en-US" sz="1600" spc="-1" strike="noStrike">
+                <a:solidFill>
+                  <a:srgbClr val="0070c1"/>
+                </a:solidFill>
+                <a:latin typeface="Consolas"/>
+              </a:rPr>
+              <a:t>    </a:t>
+            </a:r>
+            <a:r>
+              <a:rPr b="0" lang="en-US" sz="1600" spc="-1" strike="noStrike">
+                <a:solidFill>
+                  <a:srgbClr val="0070c1"/>
+                </a:solidFill>
+                <a:latin typeface="Consolas"/>
+              </a:rPr>
+              <a:t>analog</a:t>
+            </a:r>
+            <a:r>
+              <a:rPr b="0" lang="en-US" sz="1600" spc="-1" strike="noStrike">
+                <a:solidFill>
+                  <a:srgbClr val="3b3b3b"/>
+                </a:solidFill>
+                <a:latin typeface="Consolas"/>
+              </a:rPr>
+              <a:t> </a:t>
+            </a:r>
+            <a:r>
+              <a:rPr b="0" lang="en-US" sz="1600" spc="-1" strike="noStrike">
+                <a:solidFill>
+                  <a:srgbClr val="000000"/>
+                </a:solidFill>
+                <a:latin typeface="Consolas"/>
+              </a:rPr>
+              <a:t>=</a:t>
+            </a:r>
+            <a:r>
+              <a:rPr b="0" lang="en-US" sz="1600" spc="-1" strike="noStrike">
+                <a:solidFill>
+                  <a:srgbClr val="3b3b3b"/>
+                </a:solidFill>
+                <a:latin typeface="Consolas"/>
+              </a:rPr>
+              <a:t> </a:t>
+            </a:r>
+            <a:r>
+              <a:rPr b="0" lang="en-US" sz="1600" spc="-1" strike="noStrike">
+                <a:solidFill>
+                  <a:srgbClr val="098658"/>
+                </a:solidFill>
+                <a:latin typeface="Consolas"/>
+              </a:rPr>
+              <a:t>0b11</a:t>
+            </a:r>
+            <a:endParaRPr b="0" lang="en-US" sz="1600" spc="-1" strike="noStrike">
+              <a:latin typeface="Arial"/>
+            </a:endParaRPr>
+          </a:p>
+          <a:p>
+            <a:pPr>
+              <a:lnSpc>
+                <a:spcPct val="100000"/>
+              </a:lnSpc>
+              <a:spcBef>
+                <a:spcPts val="289"/>
+              </a:spcBef>
+              <a:buNone/>
+            </a:pPr>
+            <a:r>
+              <a:rPr b="0" lang="en-US" sz="1600" spc="-1" strike="noStrike">
+                <a:solidFill>
+                  <a:srgbClr val="3b3b3b"/>
+                </a:solidFill>
+                <a:latin typeface="Consolas"/>
+              </a:rPr>
+              <a:t>};</a:t>
+            </a:r>
+            <a:endParaRPr b="0" lang="en-US" sz="1600" spc="-1" strike="noStrike">
+              <a:latin typeface="Arial"/>
+            </a:endParaRPr>
+          </a:p>
+        </p:txBody>
+      </p:sp>
+      <p:sp>
+        <p:nvSpPr>
+          <p:cNvPr id="283" name=""/>
+          <p:cNvSpPr/>
+          <p:nvPr/>
+        </p:nvSpPr>
+        <p:spPr>
+          <a:xfrm>
+            <a:off x="720360" y="4017240"/>
+            <a:ext cx="3851280" cy="1508760"/>
+          </a:xfrm>
+          <a:prstGeom prst="rect">
+            <a:avLst/>
+          </a:prstGeom>
+          <a:noFill/>
+          <a:ln w="0">
+            <a:noFill/>
+          </a:ln>
+        </p:spPr>
+        <p:style>
+          <a:lnRef idx="0"/>
+          <a:fillRef idx="0"/>
+          <a:effectRef idx="0"/>
+          <a:fontRef idx="minor"/>
+        </p:style>
+        <p:txBody>
+          <a:bodyPr lIns="90000" rIns="90000" tIns="45000" bIns="45000" anchor="t">
+            <a:noAutofit/>
+          </a:bodyPr>
+          <a:p>
+            <a:pPr>
+              <a:lnSpc>
+                <a:spcPct val="100000"/>
+              </a:lnSpc>
+              <a:buNone/>
+            </a:pPr>
+            <a:r>
+              <a:rPr b="0" lang="en-US" sz="1600" spc="-1" strike="noStrike">
+                <a:solidFill>
+                  <a:srgbClr val="0000ff"/>
+                </a:solidFill>
+                <a:latin typeface="Consolas"/>
+              </a:rPr>
+              <a:t>enum</a:t>
+            </a:r>
+            <a:r>
+              <a:rPr b="0" lang="en-US" sz="1600" spc="-1" strike="noStrike">
+                <a:solidFill>
+                  <a:srgbClr val="3b3b3b"/>
+                </a:solidFill>
+                <a:latin typeface="Consolas"/>
+              </a:rPr>
+              <a:t> </a:t>
+            </a:r>
+            <a:r>
+              <a:rPr b="0" lang="en-US" sz="1600" spc="-1" strike="noStrike">
+                <a:solidFill>
+                  <a:srgbClr val="0000ff"/>
+                </a:solidFill>
+                <a:latin typeface="Consolas"/>
+              </a:rPr>
+              <a:t>class</a:t>
+            </a:r>
+            <a:r>
+              <a:rPr b="0" lang="en-US" sz="1600" spc="-1" strike="noStrike">
+                <a:solidFill>
+                  <a:srgbClr val="3b3b3b"/>
+                </a:solidFill>
+                <a:latin typeface="Consolas"/>
+              </a:rPr>
+              <a:t> </a:t>
+            </a:r>
+            <a:r>
+              <a:rPr b="0" lang="en-US" sz="1600" spc="-1" strike="noStrike">
+                <a:solidFill>
+                  <a:srgbClr val="267f99"/>
+                </a:solidFill>
+                <a:latin typeface="Consolas"/>
+              </a:rPr>
+              <a:t>ports</a:t>
+            </a:r>
+            <a:r>
+              <a:rPr b="0" lang="en-US" sz="1600" spc="-1" strike="noStrike">
+                <a:solidFill>
+                  <a:srgbClr val="3b3b3b"/>
+                </a:solidFill>
+                <a:latin typeface="Consolas"/>
+              </a:rPr>
+              <a:t> : </a:t>
+            </a:r>
+            <a:r>
+              <a:rPr b="0" lang="en-US" sz="1600" spc="-1" strike="noStrike">
+                <a:solidFill>
+                  <a:srgbClr val="267f99"/>
+                </a:solidFill>
+                <a:latin typeface="Consolas"/>
+              </a:rPr>
+              <a:t>std</a:t>
+            </a:r>
+            <a:r>
+              <a:rPr b="0" lang="en-US" sz="1600" spc="-1" strike="noStrike">
+                <a:solidFill>
+                  <a:srgbClr val="3b3b3b"/>
+                </a:solidFill>
+                <a:latin typeface="Consolas"/>
+              </a:rPr>
+              <a:t>::</a:t>
+            </a:r>
+            <a:r>
+              <a:rPr b="0" lang="en-US" sz="1600" spc="-1" strike="noStrike">
+                <a:solidFill>
+                  <a:srgbClr val="267f99"/>
+                </a:solidFill>
+                <a:latin typeface="Consolas"/>
+              </a:rPr>
+              <a:t>uint8_t</a:t>
+            </a:r>
+            <a:r>
+              <a:rPr b="0" lang="en-US" sz="1600" spc="-1" strike="noStrike">
+                <a:solidFill>
+                  <a:srgbClr val="3b3b3b"/>
+                </a:solidFill>
+                <a:latin typeface="Consolas"/>
+              </a:rPr>
+              <a:t> {</a:t>
+            </a:r>
+            <a:endParaRPr b="0" lang="en-US" sz="1600" spc="-1" strike="noStrike">
+              <a:latin typeface="Arial"/>
+            </a:endParaRPr>
+          </a:p>
+          <a:p>
+            <a:pPr>
+              <a:lnSpc>
+                <a:spcPct val="100000"/>
+              </a:lnSpc>
+              <a:buNone/>
+            </a:pPr>
+            <a:r>
+              <a:rPr b="0" lang="en-US" sz="1600" spc="-1" strike="noStrike">
+                <a:solidFill>
+                  <a:srgbClr val="0070c1"/>
+                </a:solidFill>
+                <a:latin typeface="Consolas"/>
+              </a:rPr>
+              <a:t>    </a:t>
+            </a:r>
+            <a:r>
+              <a:rPr b="0" lang="en-US" sz="1600" spc="-1" strike="noStrike">
+                <a:solidFill>
+                  <a:srgbClr val="0070c1"/>
+                </a:solidFill>
+                <a:latin typeface="Consolas"/>
+              </a:rPr>
+              <a:t>port_f</a:t>
+            </a:r>
+            <a:r>
+              <a:rPr b="0" lang="en-US" sz="1600" spc="-1" strike="noStrike">
+                <a:solidFill>
+                  <a:srgbClr val="3b3b3b"/>
+                </a:solidFill>
+                <a:latin typeface="Consolas"/>
+              </a:rPr>
+              <a:t>,</a:t>
+            </a:r>
+            <a:endParaRPr b="0" lang="en-US" sz="1600" spc="-1" strike="noStrike">
+              <a:latin typeface="Arial"/>
+            </a:endParaRPr>
+          </a:p>
+          <a:p>
+            <a:pPr>
+              <a:lnSpc>
+                <a:spcPct val="100000"/>
+              </a:lnSpc>
+              <a:buNone/>
+            </a:pPr>
+            <a:r>
+              <a:rPr b="0" lang="en-US" sz="1600" spc="-1" strike="noStrike">
+                <a:solidFill>
+                  <a:srgbClr val="0070c1"/>
+                </a:solidFill>
+                <a:latin typeface="Consolas"/>
+              </a:rPr>
+              <a:t>    </a:t>
+            </a:r>
+            <a:r>
+              <a:rPr b="0" lang="en-US" sz="1600" spc="-1" strike="noStrike">
+                <a:solidFill>
+                  <a:srgbClr val="0070c1"/>
+                </a:solidFill>
+                <a:latin typeface="Consolas"/>
+              </a:rPr>
+              <a:t>port_d</a:t>
+            </a:r>
+            <a:r>
+              <a:rPr b="0" lang="en-US" sz="1600" spc="-1" strike="noStrike">
+                <a:solidFill>
+                  <a:srgbClr val="3b3b3b"/>
+                </a:solidFill>
+                <a:latin typeface="Consolas"/>
+              </a:rPr>
+              <a:t>,</a:t>
+            </a:r>
+            <a:endParaRPr b="0" lang="en-US" sz="1600" spc="-1" strike="noStrike">
+              <a:latin typeface="Arial"/>
+            </a:endParaRPr>
+          </a:p>
+          <a:p>
+            <a:pPr>
+              <a:lnSpc>
+                <a:spcPct val="100000"/>
+              </a:lnSpc>
+              <a:buNone/>
+            </a:pPr>
+            <a:r>
+              <a:rPr b="0" lang="en-US" sz="1600" spc="-1" strike="noStrike">
+                <a:solidFill>
+                  <a:srgbClr val="0070c1"/>
+                </a:solidFill>
+                <a:latin typeface="Consolas"/>
+              </a:rPr>
+              <a:t>    </a:t>
+            </a:r>
+            <a:r>
+              <a:rPr b="0" lang="en-US" sz="1600" spc="-1" strike="noStrike">
+                <a:solidFill>
+                  <a:srgbClr val="0070c1"/>
+                </a:solidFill>
+                <a:latin typeface="Consolas"/>
+              </a:rPr>
+              <a:t>port_c</a:t>
+            </a:r>
+            <a:r>
+              <a:rPr b="0" lang="en-US" sz="1600" spc="-1" strike="noStrike">
+                <a:solidFill>
+                  <a:srgbClr val="3b3b3b"/>
+                </a:solidFill>
+                <a:latin typeface="Consolas"/>
+              </a:rPr>
+              <a:t>,</a:t>
+            </a:r>
+            <a:endParaRPr b="0" lang="en-US" sz="1600" spc="-1" strike="noStrike">
+              <a:latin typeface="Arial"/>
+            </a:endParaRPr>
+          </a:p>
+          <a:p>
+            <a:pPr>
+              <a:lnSpc>
+                <a:spcPct val="100000"/>
+              </a:lnSpc>
+              <a:buNone/>
+            </a:pPr>
+            <a:r>
+              <a:rPr b="0" lang="en-US" sz="1600" spc="-1" strike="noStrike">
+                <a:solidFill>
+                  <a:srgbClr val="0070c1"/>
+                </a:solidFill>
+                <a:latin typeface="Consolas"/>
+              </a:rPr>
+              <a:t>    </a:t>
+            </a:r>
+            <a:r>
+              <a:rPr b="0" lang="en-US" sz="1600" spc="-1" strike="noStrike">
+                <a:solidFill>
+                  <a:srgbClr val="0070c1"/>
+                </a:solidFill>
+                <a:latin typeface="Consolas"/>
+              </a:rPr>
+              <a:t>port_b</a:t>
+            </a:r>
+            <a:r>
+              <a:rPr b="0" lang="en-US" sz="1600" spc="-1" strike="noStrike">
+                <a:solidFill>
+                  <a:srgbClr val="3b3b3b"/>
+                </a:solidFill>
+                <a:latin typeface="Consolas"/>
+              </a:rPr>
+              <a:t>,</a:t>
+            </a:r>
+            <a:endParaRPr b="0" lang="en-US" sz="1600" spc="-1" strike="noStrike">
+              <a:latin typeface="Arial"/>
+            </a:endParaRPr>
+          </a:p>
+          <a:p>
+            <a:pPr>
+              <a:lnSpc>
+                <a:spcPct val="100000"/>
+              </a:lnSpc>
+              <a:buNone/>
+            </a:pPr>
+            <a:r>
+              <a:rPr b="0" lang="en-US" sz="1600" spc="-1" strike="noStrike">
+                <a:solidFill>
+                  <a:srgbClr val="0070c1"/>
+                </a:solidFill>
+                <a:latin typeface="Consolas"/>
+              </a:rPr>
+              <a:t>    </a:t>
+            </a:r>
+            <a:r>
+              <a:rPr b="0" lang="en-US" sz="1600" spc="-1" strike="noStrike">
+                <a:solidFill>
+                  <a:srgbClr val="0070c1"/>
+                </a:solidFill>
+                <a:latin typeface="Consolas"/>
+              </a:rPr>
+              <a:t>port_a</a:t>
+            </a:r>
+            <a:endParaRPr b="0" lang="en-US" sz="1600" spc="-1" strike="noStrike">
+              <a:latin typeface="Arial"/>
+            </a:endParaRPr>
+          </a:p>
+          <a:p>
+            <a:pPr>
+              <a:lnSpc>
+                <a:spcPct val="100000"/>
+              </a:lnSpc>
+              <a:buNone/>
+            </a:pPr>
+            <a:r>
+              <a:rPr b="0" lang="en-US" sz="1600" spc="-1" strike="noStrike">
+                <a:solidFill>
+                  <a:srgbClr val="3b3b3b"/>
+                </a:solidFill>
+                <a:latin typeface="Consolas"/>
+              </a:rPr>
+              <a:t>};</a:t>
+            </a:r>
+            <a:endParaRPr b="0" lang="en-US" sz="1600" spc="-1" strike="noStrike">
+              <a:latin typeface="Arial"/>
+            </a:endParaRPr>
+          </a:p>
+        </p:txBody>
+      </p:sp>
+      <p:sp>
+        <p:nvSpPr>
+          <p:cNvPr id="284" name=""/>
+          <p:cNvSpPr/>
+          <p:nvPr/>
+        </p:nvSpPr>
+        <p:spPr>
+          <a:xfrm>
+            <a:off x="6309360" y="2560320"/>
+            <a:ext cx="5303160" cy="1991520"/>
+          </a:xfrm>
+          <a:prstGeom prst="rect">
+            <a:avLst/>
+          </a:prstGeom>
+          <a:noFill/>
+          <a:ln w="0">
+            <a:noFill/>
+          </a:ln>
+        </p:spPr>
+        <p:style>
+          <a:lnRef idx="0"/>
+          <a:fillRef idx="0"/>
+          <a:effectRef idx="0"/>
+          <a:fontRef idx="minor"/>
+        </p:style>
+        <p:txBody>
+          <a:bodyPr lIns="90000" rIns="90000" tIns="45000" bIns="45000" anchor="t">
+            <a:noAutofit/>
+          </a:bodyPr>
+          <a:p>
+            <a:pPr>
+              <a:lnSpc>
+                <a:spcPct val="100000"/>
+              </a:lnSpc>
+              <a:buNone/>
+            </a:pPr>
+            <a:r>
+              <a:rPr b="0" lang="en-US" sz="1800" spc="-1" strike="noStrike">
+                <a:latin typeface="Arial"/>
+              </a:rPr>
+              <a:t>Enumerations</a:t>
+            </a:r>
+            <a:endParaRPr b="0" lang="en-US" sz="1800" spc="-1" strike="noStrike">
+              <a:latin typeface="Arial"/>
+            </a:endParaRPr>
+          </a:p>
+          <a:p>
+            <a:pPr lvl="1" marL="432000" indent="-216000">
+              <a:lnSpc>
+                <a:spcPct val="100000"/>
+              </a:lnSpc>
+              <a:spcBef>
+                <a:spcPts val="720"/>
+              </a:spcBef>
+              <a:buClr>
+                <a:srgbClr val="000000"/>
+              </a:buClr>
+              <a:buSzPct val="45000"/>
+              <a:buFont typeface="Wingdings" charset="2"/>
+              <a:buChar char=""/>
+            </a:pPr>
+            <a:r>
+              <a:rPr b="0" lang="en-US" sz="1800" spc="-1" strike="noStrike">
+                <a:latin typeface="Arial"/>
+              </a:rPr>
+              <a:t>Not plain integers anymore</a:t>
+            </a:r>
+            <a:endParaRPr b="0" lang="en-US" sz="1800" spc="-1" strike="noStrike">
+              <a:latin typeface="Arial"/>
+            </a:endParaRPr>
+          </a:p>
+          <a:p>
+            <a:pPr lvl="1" marL="432000" indent="-216000">
+              <a:lnSpc>
+                <a:spcPct val="100000"/>
+              </a:lnSpc>
+              <a:spcBef>
+                <a:spcPts val="720"/>
+              </a:spcBef>
+              <a:buClr>
+                <a:srgbClr val="000000"/>
+              </a:buClr>
+              <a:buSzPct val="45000"/>
+              <a:buFont typeface="Wingdings" charset="2"/>
+              <a:buChar char=""/>
+            </a:pPr>
+            <a:r>
+              <a:rPr b="0" lang="en-US" sz="1800" spc="-1" strike="noStrike">
+                <a:latin typeface="Arial"/>
+              </a:rPr>
+              <a:t>No implicit conversions between enum values and integral types</a:t>
+            </a:r>
+            <a:endParaRPr b="0" lang="en-US" sz="1800" spc="-1" strike="noStrike">
+              <a:latin typeface="Arial"/>
+            </a:endParaRPr>
+          </a:p>
+          <a:p>
+            <a:pPr lvl="3" marL="864000" indent="-216000">
+              <a:lnSpc>
+                <a:spcPct val="100000"/>
+              </a:lnSpc>
+              <a:spcBef>
+                <a:spcPts val="720"/>
+              </a:spcBef>
+              <a:buClr>
+                <a:srgbClr val="000000"/>
+              </a:buClr>
+              <a:buSzPct val="45000"/>
+              <a:buFont typeface="Wingdings" charset="2"/>
+              <a:buChar char=""/>
+            </a:pPr>
+            <a:r>
+              <a:rPr b="0" lang="en-US" sz="1800" spc="-1" strike="noStrike">
+                <a:latin typeface="Arial"/>
+              </a:rPr>
+              <a:t>Explicit static_cast required</a:t>
+            </a:r>
+            <a:endParaRPr b="0" lang="en-US" sz="1800" spc="-1" strike="noStrike">
+              <a:latin typeface="Arial"/>
+            </a:endParaRPr>
+          </a:p>
+          <a:p>
+            <a:pPr lvl="3" marL="864000" indent="-216000">
+              <a:lnSpc>
+                <a:spcPct val="100000"/>
+              </a:lnSpc>
+              <a:spcBef>
+                <a:spcPts val="720"/>
+              </a:spcBef>
+              <a:buClr>
+                <a:srgbClr val="000000"/>
+              </a:buClr>
+              <a:buSzPct val="45000"/>
+              <a:buFont typeface="Wingdings" charset="2"/>
+              <a:buChar char=""/>
+            </a:pPr>
+            <a:r>
+              <a:rPr b="0" lang="en-US" sz="1800" spc="-1" strike="noStrike">
+                <a:latin typeface="Arial"/>
+              </a:rPr>
+              <a:t>Harder to misuse accidentally</a:t>
+            </a:r>
+            <a:endParaRPr b="0" lang="en-US" sz="1800" spc="-1" strike="noStrike">
               <a:latin typeface="Arial"/>
             </a:endParaRPr>
           </a:p>
@@ -38668,7 +36510,7 @@
         <p:txBody>
           <a:bodyPr/>
           <a:p>
-            <a:fld id="{89AF29CB-E7BA-4DFC-840E-CBF689DBE900}" type="slidenum">
+            <a:fld id="{4A80CD06-FCB9-4DEF-8A27-BB9C7C6A0E6A}" type="slidenum">
               <a:t>34</a:t>
             </a:fld>
           </a:p>
@@ -38706,14 +36548,14 @@
       </p:grpSpPr>
       <p:sp>
         <p:nvSpPr>
-          <p:cNvPr id="289" name="Subtitle 4"/>
+          <p:cNvPr id="285" name="Subtitle 25"/>
           <p:cNvSpPr/>
           <p:nvPr/>
         </p:nvSpPr>
         <p:spPr>
           <a:xfrm>
             <a:off x="1933920" y="633240"/>
-            <a:ext cx="8323200" cy="1014480"/>
+            <a:ext cx="8322840" cy="1014120"/>
           </a:xfrm>
           <a:prstGeom prst="rect">
             <a:avLst/>
@@ -38754,9 +36596,1100 @@
                 <a:latin typeface="Aptos"/>
                 <a:ea typeface="DejaVu Sans"/>
               </a:rPr>
-              <a:t>Encapsulation</a:t>
+              <a:t>Concepts</a:t>
             </a:r>
             <a:endParaRPr b="0" lang="en-US" sz="3200" spc="-1" strike="noStrike">
+              <a:latin typeface="Arial"/>
+            </a:endParaRPr>
+          </a:p>
+        </p:txBody>
+      </p:sp>
+      <p:sp>
+        <p:nvSpPr>
+          <p:cNvPr id="286" name=""/>
+          <p:cNvSpPr/>
+          <p:nvPr/>
+        </p:nvSpPr>
+        <p:spPr>
+          <a:xfrm>
+            <a:off x="3256200" y="2514600"/>
+            <a:ext cx="5297760" cy="1968120"/>
+          </a:xfrm>
+          <a:prstGeom prst="rect">
+            <a:avLst/>
+          </a:prstGeom>
+          <a:noFill/>
+          <a:ln w="0">
+            <a:noFill/>
+          </a:ln>
+        </p:spPr>
+        <p:style>
+          <a:lnRef idx="0"/>
+          <a:fillRef idx="0"/>
+          <a:effectRef idx="0"/>
+          <a:fontRef idx="minor"/>
+        </p:style>
+      </p:sp>
+      <p:sp>
+        <p:nvSpPr>
+          <p:cNvPr id="287" name=""/>
+          <p:cNvSpPr/>
+          <p:nvPr/>
+        </p:nvSpPr>
+        <p:spPr>
+          <a:xfrm>
+            <a:off x="731520" y="1703160"/>
+            <a:ext cx="6034680" cy="1816920"/>
+          </a:xfrm>
+          <a:prstGeom prst="rect">
+            <a:avLst/>
+          </a:prstGeom>
+          <a:noFill/>
+          <a:ln w="0">
+            <a:noFill/>
+          </a:ln>
+        </p:spPr>
+        <p:style>
+          <a:lnRef idx="0"/>
+          <a:fillRef idx="0"/>
+          <a:effectRef idx="0"/>
+          <a:fontRef idx="minor"/>
+        </p:style>
+        <p:txBody>
+          <a:bodyPr lIns="90000" rIns="90000" tIns="45000" bIns="45000" anchor="t">
+            <a:noAutofit/>
+          </a:bodyPr>
+          <a:p>
+            <a:pPr>
+              <a:lnSpc>
+                <a:spcPct val="100000"/>
+              </a:lnSpc>
+              <a:spcBef>
+                <a:spcPts val="289"/>
+              </a:spcBef>
+              <a:buNone/>
+            </a:pPr>
+            <a:r>
+              <a:rPr b="0" lang="en-US" sz="1600" spc="-1" strike="noStrike">
+                <a:solidFill>
+                  <a:srgbClr val="0000ff"/>
+                </a:solidFill>
+                <a:latin typeface="Consolas"/>
+              </a:rPr>
+              <a:t>template</a:t>
+            </a:r>
+            <a:r>
+              <a:rPr b="0" lang="en-US" sz="1600" spc="-1" strike="noStrike">
+                <a:solidFill>
+                  <a:srgbClr val="3b3b3b"/>
+                </a:solidFill>
+                <a:latin typeface="Consolas"/>
+              </a:rPr>
+              <a:t> &lt;</a:t>
+            </a:r>
+            <a:r>
+              <a:rPr b="0" lang="en-US" sz="1600" spc="-1" strike="noStrike">
+                <a:solidFill>
+                  <a:srgbClr val="267f99"/>
+                </a:solidFill>
+                <a:latin typeface="Consolas"/>
+              </a:rPr>
+              <a:t>modes</a:t>
+            </a:r>
+            <a:r>
+              <a:rPr b="0" lang="en-US" sz="1600" spc="-1" strike="noStrike">
+                <a:solidFill>
+                  <a:srgbClr val="3b3b3b"/>
+                </a:solidFill>
+                <a:latin typeface="Consolas"/>
+              </a:rPr>
+              <a:t> </a:t>
+            </a:r>
+            <a:r>
+              <a:rPr b="0" lang="en-US" sz="1600" spc="-1" strike="noStrike">
+                <a:solidFill>
+                  <a:srgbClr val="267f99"/>
+                </a:solidFill>
+                <a:latin typeface="Consolas"/>
+              </a:rPr>
+              <a:t>mode</a:t>
+            </a:r>
+            <a:r>
+              <a:rPr b="0" lang="en-US" sz="1600" spc="-1" strike="noStrike">
+                <a:solidFill>
+                  <a:srgbClr val="3b3b3b"/>
+                </a:solidFill>
+                <a:latin typeface="Consolas"/>
+              </a:rPr>
+              <a:t>&gt;</a:t>
+            </a:r>
+            <a:endParaRPr b="0" lang="en-US" sz="1600" spc="-1" strike="noStrike">
+              <a:latin typeface="Arial"/>
+            </a:endParaRPr>
+          </a:p>
+          <a:p>
+            <a:pPr>
+              <a:lnSpc>
+                <a:spcPct val="100000"/>
+              </a:lnSpc>
+              <a:spcBef>
+                <a:spcPts val="289"/>
+              </a:spcBef>
+              <a:buNone/>
+            </a:pPr>
+            <a:r>
+              <a:rPr b="0" lang="en-US" sz="1600" spc="-1" strike="noStrike">
+                <a:solidFill>
+                  <a:srgbClr val="0000ff"/>
+                </a:solidFill>
+                <a:latin typeface="Consolas"/>
+              </a:rPr>
+              <a:t>concept</a:t>
+            </a:r>
+            <a:r>
+              <a:rPr b="0" lang="en-US" sz="1600" spc="-1" strike="noStrike">
+                <a:solidFill>
+                  <a:srgbClr val="3b3b3b"/>
+                </a:solidFill>
+                <a:latin typeface="Consolas"/>
+              </a:rPr>
+              <a:t> </a:t>
+            </a:r>
+            <a:r>
+              <a:rPr b="0" lang="en-US" sz="1600" spc="-1" strike="noStrike">
+                <a:solidFill>
+                  <a:srgbClr val="267f99"/>
+                </a:solidFill>
+                <a:latin typeface="Consolas"/>
+              </a:rPr>
+              <a:t>is_valid_mode</a:t>
+            </a:r>
+            <a:r>
+              <a:rPr b="0" lang="en-US" sz="1600" spc="-1" strike="noStrike">
+                <a:solidFill>
+                  <a:srgbClr val="3b3b3b"/>
+                </a:solidFill>
+                <a:latin typeface="Consolas"/>
+              </a:rPr>
+              <a:t> </a:t>
+            </a:r>
+            <a:r>
+              <a:rPr b="0" lang="en-US" sz="1600" spc="-1" strike="noStrike">
+                <a:solidFill>
+                  <a:srgbClr val="000000"/>
+                </a:solidFill>
+                <a:latin typeface="Consolas"/>
+              </a:rPr>
+              <a:t>=</a:t>
+            </a:r>
+            <a:r>
+              <a:rPr b="0" lang="en-US" sz="1600" spc="-1" strike="noStrike">
+                <a:solidFill>
+                  <a:srgbClr val="3b3b3b"/>
+                </a:solidFill>
+                <a:latin typeface="Consolas"/>
+              </a:rPr>
+              <a:t> (</a:t>
+            </a:r>
+            <a:endParaRPr b="0" lang="en-US" sz="1600" spc="-1" strike="noStrike">
+              <a:latin typeface="Arial"/>
+            </a:endParaRPr>
+          </a:p>
+          <a:p>
+            <a:pPr>
+              <a:lnSpc>
+                <a:spcPct val="100000"/>
+              </a:lnSpc>
+              <a:spcBef>
+                <a:spcPts val="289"/>
+              </a:spcBef>
+              <a:buNone/>
+            </a:pPr>
+            <a:r>
+              <a:rPr b="0" lang="en-US" sz="1600" spc="-1" strike="noStrike">
+                <a:solidFill>
+                  <a:srgbClr val="0070c1"/>
+                </a:solidFill>
+                <a:latin typeface="Consolas"/>
+              </a:rPr>
+              <a:t>    </a:t>
+            </a:r>
+            <a:r>
+              <a:rPr b="0" lang="en-US" sz="1600" spc="-1" strike="noStrike">
+                <a:solidFill>
+                  <a:srgbClr val="3b3b3b"/>
+                </a:solidFill>
+                <a:latin typeface="Consolas"/>
+              </a:rPr>
+              <a:t>(mode </a:t>
+            </a:r>
+            <a:r>
+              <a:rPr b="0" lang="en-US" sz="1600" spc="-1" strike="noStrike">
+                <a:solidFill>
+                  <a:srgbClr val="000000"/>
+                </a:solidFill>
+                <a:latin typeface="Consolas"/>
+              </a:rPr>
+              <a:t>==</a:t>
+            </a:r>
+            <a:r>
+              <a:rPr b="0" lang="en-US" sz="1600" spc="-1" strike="noStrike">
+                <a:solidFill>
+                  <a:srgbClr val="3b3b3b"/>
+                </a:solidFill>
+                <a:latin typeface="Consolas"/>
+              </a:rPr>
+              <a:t> </a:t>
+            </a:r>
+            <a:r>
+              <a:rPr b="0" lang="en-US" sz="1600" spc="-1" strike="noStrike">
+                <a:solidFill>
+                  <a:srgbClr val="267f99"/>
+                </a:solidFill>
+                <a:latin typeface="Consolas"/>
+              </a:rPr>
+              <a:t>modes</a:t>
+            </a:r>
+            <a:r>
+              <a:rPr b="0" lang="en-US" sz="1600" spc="-1" strike="noStrike">
+                <a:solidFill>
+                  <a:srgbClr val="3b3b3b"/>
+                </a:solidFill>
+                <a:latin typeface="Consolas"/>
+              </a:rPr>
+              <a:t>::</a:t>
+            </a:r>
+            <a:r>
+              <a:rPr b="0" lang="en-US" sz="1600" spc="-1" strike="noStrike">
+                <a:solidFill>
+                  <a:srgbClr val="0070c1"/>
+                </a:solidFill>
+                <a:latin typeface="Consolas"/>
+              </a:rPr>
+              <a:t>input</a:t>
+            </a:r>
+            <a:r>
+              <a:rPr b="0" lang="en-US" sz="1600" spc="-1" strike="noStrike">
+                <a:solidFill>
+                  <a:srgbClr val="3b3b3b"/>
+                </a:solidFill>
+                <a:latin typeface="Consolas"/>
+              </a:rPr>
+              <a:t>) </a:t>
+            </a:r>
+            <a:r>
+              <a:rPr b="0" lang="en-US" sz="1600" spc="-1" strike="noStrike">
+                <a:solidFill>
+                  <a:srgbClr val="000000"/>
+                </a:solidFill>
+                <a:latin typeface="Consolas"/>
+              </a:rPr>
+              <a:t>||</a:t>
+            </a:r>
+            <a:endParaRPr b="0" lang="en-US" sz="1600" spc="-1" strike="noStrike">
+              <a:latin typeface="Arial"/>
+            </a:endParaRPr>
+          </a:p>
+          <a:p>
+            <a:pPr>
+              <a:lnSpc>
+                <a:spcPct val="100000"/>
+              </a:lnSpc>
+              <a:spcBef>
+                <a:spcPts val="289"/>
+              </a:spcBef>
+              <a:buNone/>
+            </a:pPr>
+            <a:r>
+              <a:rPr b="0" lang="en-US" sz="1600" spc="-1" strike="noStrike">
+                <a:solidFill>
+                  <a:srgbClr val="0070c1"/>
+                </a:solidFill>
+                <a:latin typeface="Consolas"/>
+              </a:rPr>
+              <a:t>    </a:t>
+            </a:r>
+            <a:r>
+              <a:rPr b="0" lang="en-US" sz="1600" spc="-1" strike="noStrike">
+                <a:solidFill>
+                  <a:srgbClr val="3b3b3b"/>
+                </a:solidFill>
+                <a:latin typeface="Consolas"/>
+              </a:rPr>
+              <a:t>(mode </a:t>
+            </a:r>
+            <a:r>
+              <a:rPr b="0" lang="en-US" sz="1600" spc="-1" strike="noStrike">
+                <a:solidFill>
+                  <a:srgbClr val="000000"/>
+                </a:solidFill>
+                <a:latin typeface="Consolas"/>
+              </a:rPr>
+              <a:t>==</a:t>
+            </a:r>
+            <a:r>
+              <a:rPr b="0" lang="en-US" sz="1600" spc="-1" strike="noStrike">
+                <a:solidFill>
+                  <a:srgbClr val="3b3b3b"/>
+                </a:solidFill>
+                <a:latin typeface="Consolas"/>
+              </a:rPr>
+              <a:t> </a:t>
+            </a:r>
+            <a:r>
+              <a:rPr b="0" lang="en-US" sz="1600" spc="-1" strike="noStrike">
+                <a:solidFill>
+                  <a:srgbClr val="267f99"/>
+                </a:solidFill>
+                <a:latin typeface="Consolas"/>
+              </a:rPr>
+              <a:t>modes</a:t>
+            </a:r>
+            <a:r>
+              <a:rPr b="0" lang="en-US" sz="1600" spc="-1" strike="noStrike">
+                <a:solidFill>
+                  <a:srgbClr val="3b3b3b"/>
+                </a:solidFill>
+                <a:latin typeface="Consolas"/>
+              </a:rPr>
+              <a:t>::</a:t>
+            </a:r>
+            <a:r>
+              <a:rPr b="0" lang="en-US" sz="1600" spc="-1" strike="noStrike">
+                <a:solidFill>
+                  <a:srgbClr val="0070c1"/>
+                </a:solidFill>
+                <a:latin typeface="Consolas"/>
+              </a:rPr>
+              <a:t>output</a:t>
+            </a:r>
+            <a:r>
+              <a:rPr b="0" lang="en-US" sz="1600" spc="-1" strike="noStrike">
+                <a:solidFill>
+                  <a:srgbClr val="3b3b3b"/>
+                </a:solidFill>
+                <a:latin typeface="Consolas"/>
+              </a:rPr>
+              <a:t>) </a:t>
+            </a:r>
+            <a:r>
+              <a:rPr b="0" lang="en-US" sz="1600" spc="-1" strike="noStrike">
+                <a:solidFill>
+                  <a:srgbClr val="000000"/>
+                </a:solidFill>
+                <a:latin typeface="Consolas"/>
+              </a:rPr>
+              <a:t>||</a:t>
+            </a:r>
+            <a:endParaRPr b="0" lang="en-US" sz="1600" spc="-1" strike="noStrike">
+              <a:latin typeface="Arial"/>
+            </a:endParaRPr>
+          </a:p>
+          <a:p>
+            <a:pPr>
+              <a:lnSpc>
+                <a:spcPct val="100000"/>
+              </a:lnSpc>
+              <a:spcBef>
+                <a:spcPts val="289"/>
+              </a:spcBef>
+              <a:buNone/>
+            </a:pPr>
+            <a:r>
+              <a:rPr b="0" lang="en-US" sz="1600" spc="-1" strike="noStrike">
+                <a:solidFill>
+                  <a:srgbClr val="0070c1"/>
+                </a:solidFill>
+                <a:latin typeface="Consolas"/>
+              </a:rPr>
+              <a:t>    </a:t>
+            </a:r>
+            <a:r>
+              <a:rPr b="0" lang="en-US" sz="1600" spc="-1" strike="noStrike">
+                <a:solidFill>
+                  <a:srgbClr val="3b3b3b"/>
+                </a:solidFill>
+                <a:latin typeface="Consolas"/>
+              </a:rPr>
+              <a:t>(mode </a:t>
+            </a:r>
+            <a:r>
+              <a:rPr b="0" lang="en-US" sz="1600" spc="-1" strike="noStrike">
+                <a:solidFill>
+                  <a:srgbClr val="000000"/>
+                </a:solidFill>
+                <a:latin typeface="Consolas"/>
+              </a:rPr>
+              <a:t>==</a:t>
+            </a:r>
+            <a:r>
+              <a:rPr b="0" lang="en-US" sz="1600" spc="-1" strike="noStrike">
+                <a:solidFill>
+                  <a:srgbClr val="3b3b3b"/>
+                </a:solidFill>
+                <a:latin typeface="Consolas"/>
+              </a:rPr>
+              <a:t> </a:t>
+            </a:r>
+            <a:r>
+              <a:rPr b="0" lang="en-US" sz="1600" spc="-1" strike="noStrike">
+                <a:solidFill>
+                  <a:srgbClr val="267f99"/>
+                </a:solidFill>
+                <a:latin typeface="Consolas"/>
+              </a:rPr>
+              <a:t>modes</a:t>
+            </a:r>
+            <a:r>
+              <a:rPr b="0" lang="en-US" sz="1600" spc="-1" strike="noStrike">
+                <a:solidFill>
+                  <a:srgbClr val="3b3b3b"/>
+                </a:solidFill>
+                <a:latin typeface="Consolas"/>
+              </a:rPr>
+              <a:t>::</a:t>
+            </a:r>
+            <a:r>
+              <a:rPr b="0" lang="en-US" sz="1600" spc="-1" strike="noStrike">
+                <a:solidFill>
+                  <a:srgbClr val="0070c1"/>
+                </a:solidFill>
+                <a:latin typeface="Consolas"/>
+              </a:rPr>
+              <a:t>alt_func</a:t>
+            </a:r>
+            <a:r>
+              <a:rPr b="0" lang="en-US" sz="1600" spc="-1" strike="noStrike">
+                <a:solidFill>
+                  <a:srgbClr val="3b3b3b"/>
+                </a:solidFill>
+                <a:latin typeface="Consolas"/>
+              </a:rPr>
+              <a:t>) </a:t>
+            </a:r>
+            <a:r>
+              <a:rPr b="0" lang="en-US" sz="1600" spc="-1" strike="noStrike">
+                <a:solidFill>
+                  <a:srgbClr val="000000"/>
+                </a:solidFill>
+                <a:latin typeface="Consolas"/>
+              </a:rPr>
+              <a:t>||</a:t>
+            </a:r>
+            <a:endParaRPr b="0" lang="en-US" sz="1600" spc="-1" strike="noStrike">
+              <a:latin typeface="Arial"/>
+            </a:endParaRPr>
+          </a:p>
+          <a:p>
+            <a:pPr>
+              <a:lnSpc>
+                <a:spcPct val="100000"/>
+              </a:lnSpc>
+              <a:spcBef>
+                <a:spcPts val="289"/>
+              </a:spcBef>
+              <a:buNone/>
+            </a:pPr>
+            <a:r>
+              <a:rPr b="0" lang="en-US" sz="1600" spc="-1" strike="noStrike">
+                <a:solidFill>
+                  <a:srgbClr val="0070c1"/>
+                </a:solidFill>
+                <a:latin typeface="Consolas"/>
+              </a:rPr>
+              <a:t>    </a:t>
+            </a:r>
+            <a:r>
+              <a:rPr b="0" lang="en-US" sz="1600" spc="-1" strike="noStrike">
+                <a:solidFill>
+                  <a:srgbClr val="3b3b3b"/>
+                </a:solidFill>
+                <a:latin typeface="Consolas"/>
+              </a:rPr>
+              <a:t>(mode </a:t>
+            </a:r>
+            <a:r>
+              <a:rPr b="0" lang="en-US" sz="1600" spc="-1" strike="noStrike">
+                <a:solidFill>
+                  <a:srgbClr val="000000"/>
+                </a:solidFill>
+                <a:latin typeface="Consolas"/>
+              </a:rPr>
+              <a:t>==</a:t>
+            </a:r>
+            <a:r>
+              <a:rPr b="0" lang="en-US" sz="1600" spc="-1" strike="noStrike">
+                <a:solidFill>
+                  <a:srgbClr val="3b3b3b"/>
+                </a:solidFill>
+                <a:latin typeface="Consolas"/>
+              </a:rPr>
+              <a:t> </a:t>
+            </a:r>
+            <a:r>
+              <a:rPr b="0" lang="en-US" sz="1600" spc="-1" strike="noStrike">
+                <a:solidFill>
+                  <a:srgbClr val="267f99"/>
+                </a:solidFill>
+                <a:latin typeface="Consolas"/>
+              </a:rPr>
+              <a:t>modes</a:t>
+            </a:r>
+            <a:r>
+              <a:rPr b="0" lang="en-US" sz="1600" spc="-1" strike="noStrike">
+                <a:solidFill>
+                  <a:srgbClr val="3b3b3b"/>
+                </a:solidFill>
+                <a:latin typeface="Consolas"/>
+              </a:rPr>
+              <a:t>::</a:t>
+            </a:r>
+            <a:r>
+              <a:rPr b="0" lang="en-US" sz="1600" spc="-1" strike="noStrike">
+                <a:solidFill>
+                  <a:srgbClr val="0070c1"/>
+                </a:solidFill>
+                <a:latin typeface="Consolas"/>
+              </a:rPr>
+              <a:t>analog</a:t>
+            </a:r>
+            <a:r>
+              <a:rPr b="0" lang="en-US" sz="1600" spc="-1" strike="noStrike">
+                <a:solidFill>
+                  <a:srgbClr val="3b3b3b"/>
+                </a:solidFill>
+                <a:latin typeface="Consolas"/>
+              </a:rPr>
+              <a:t>)</a:t>
+            </a:r>
+            <a:endParaRPr b="0" lang="en-US" sz="1600" spc="-1" strike="noStrike">
+              <a:latin typeface="Arial"/>
+            </a:endParaRPr>
+          </a:p>
+          <a:p>
+            <a:pPr>
+              <a:lnSpc>
+                <a:spcPct val="100000"/>
+              </a:lnSpc>
+              <a:spcBef>
+                <a:spcPts val="289"/>
+              </a:spcBef>
+              <a:buNone/>
+            </a:pPr>
+            <a:r>
+              <a:rPr b="0" lang="en-US" sz="1600" spc="-1" strike="noStrike">
+                <a:solidFill>
+                  <a:srgbClr val="3b3b3b"/>
+                </a:solidFill>
+                <a:latin typeface="Consolas"/>
+              </a:rPr>
+              <a:t>);</a:t>
+            </a:r>
+            <a:endParaRPr b="0" lang="en-US" sz="1600" spc="-1" strike="noStrike">
+              <a:latin typeface="Arial"/>
+            </a:endParaRPr>
+          </a:p>
+        </p:txBody>
+      </p:sp>
+      <p:sp>
+        <p:nvSpPr>
+          <p:cNvPr id="288" name=""/>
+          <p:cNvSpPr/>
+          <p:nvPr/>
+        </p:nvSpPr>
+        <p:spPr>
+          <a:xfrm>
+            <a:off x="731520" y="4114440"/>
+            <a:ext cx="5964840" cy="1508760"/>
+          </a:xfrm>
+          <a:prstGeom prst="rect">
+            <a:avLst/>
+          </a:prstGeom>
+          <a:noFill/>
+          <a:ln w="0">
+            <a:noFill/>
+          </a:ln>
+        </p:spPr>
+        <p:style>
+          <a:lnRef idx="0"/>
+          <a:fillRef idx="0"/>
+          <a:effectRef idx="0"/>
+          <a:fontRef idx="minor"/>
+        </p:style>
+        <p:txBody>
+          <a:bodyPr lIns="90000" rIns="90000" tIns="45000" bIns="45000" anchor="t">
+            <a:noAutofit/>
+          </a:bodyPr>
+          <a:p>
+            <a:pPr>
+              <a:lnSpc>
+                <a:spcPct val="100000"/>
+              </a:lnSpc>
+              <a:buNone/>
+            </a:pPr>
+            <a:r>
+              <a:rPr b="0" lang="en-US" sz="1600" spc="-1" strike="noStrike">
+                <a:solidFill>
+                  <a:srgbClr val="0000ff"/>
+                </a:solidFill>
+                <a:latin typeface="Consolas"/>
+              </a:rPr>
+              <a:t>template</a:t>
+            </a:r>
+            <a:r>
+              <a:rPr b="0" lang="en-US" sz="1600" spc="-1" strike="noStrike">
+                <a:solidFill>
+                  <a:srgbClr val="3b3b3b"/>
+                </a:solidFill>
+                <a:latin typeface="Consolas"/>
+              </a:rPr>
+              <a:t> &lt;</a:t>
+            </a:r>
+            <a:r>
+              <a:rPr b="0" lang="en-US" sz="1600" spc="-1" strike="noStrike">
+                <a:solidFill>
+                  <a:srgbClr val="267f99"/>
+                </a:solidFill>
+                <a:latin typeface="Consolas"/>
+              </a:rPr>
+              <a:t>pins</a:t>
+            </a:r>
+            <a:r>
+              <a:rPr b="0" lang="en-US" sz="1600" spc="-1" strike="noStrike">
+                <a:solidFill>
+                  <a:srgbClr val="3b3b3b"/>
+                </a:solidFill>
+                <a:latin typeface="Consolas"/>
+              </a:rPr>
+              <a:t> </a:t>
+            </a:r>
+            <a:r>
+              <a:rPr b="0" lang="en-US" sz="1600" spc="-1" strike="noStrike">
+                <a:solidFill>
+                  <a:srgbClr val="267f99"/>
+                </a:solidFill>
+                <a:latin typeface="Consolas"/>
+              </a:rPr>
+              <a:t>pin</a:t>
+            </a:r>
+            <a:r>
+              <a:rPr b="0" lang="en-US" sz="1600" spc="-1" strike="noStrike">
+                <a:solidFill>
+                  <a:srgbClr val="3b3b3b"/>
+                </a:solidFill>
+                <a:latin typeface="Consolas"/>
+              </a:rPr>
+              <a:t>&gt;</a:t>
+            </a:r>
+            <a:endParaRPr b="0" lang="en-US" sz="1600" spc="-1" strike="noStrike">
+              <a:latin typeface="Arial"/>
+            </a:endParaRPr>
+          </a:p>
+          <a:p>
+            <a:pPr>
+              <a:lnSpc>
+                <a:spcPct val="100000"/>
+              </a:lnSpc>
+              <a:buNone/>
+            </a:pPr>
+            <a:r>
+              <a:rPr b="0" lang="en-US" sz="1600" spc="-1" strike="noStrike">
+                <a:solidFill>
+                  <a:srgbClr val="0000ff"/>
+                </a:solidFill>
+                <a:latin typeface="Consolas"/>
+              </a:rPr>
+              <a:t>concept</a:t>
+            </a:r>
+            <a:r>
+              <a:rPr b="0" lang="en-US" sz="1600" spc="-1" strike="noStrike">
+                <a:solidFill>
+                  <a:srgbClr val="3b3b3b"/>
+                </a:solidFill>
+                <a:latin typeface="Consolas"/>
+              </a:rPr>
+              <a:t> </a:t>
+            </a:r>
+            <a:r>
+              <a:rPr b="0" lang="en-US" sz="1600" spc="-1" strike="noStrike">
+                <a:solidFill>
+                  <a:srgbClr val="267f99"/>
+                </a:solidFill>
+                <a:latin typeface="Consolas"/>
+              </a:rPr>
+              <a:t>is_valid_pin</a:t>
+            </a:r>
+            <a:r>
+              <a:rPr b="0" lang="en-US" sz="1600" spc="-1" strike="noStrike">
+                <a:solidFill>
+                  <a:srgbClr val="3b3b3b"/>
+                </a:solidFill>
+                <a:latin typeface="Consolas"/>
+              </a:rPr>
+              <a:t> </a:t>
+            </a:r>
+            <a:r>
+              <a:rPr b="0" lang="en-US" sz="1600" spc="-1" strike="noStrike">
+                <a:solidFill>
+                  <a:srgbClr val="000000"/>
+                </a:solidFill>
+                <a:latin typeface="Consolas"/>
+              </a:rPr>
+              <a:t>=</a:t>
+            </a:r>
+            <a:r>
+              <a:rPr b="0" lang="en-US" sz="1600" spc="-1" strike="noStrike">
+                <a:solidFill>
+                  <a:srgbClr val="3b3b3b"/>
+                </a:solidFill>
+                <a:latin typeface="Consolas"/>
+              </a:rPr>
+              <a:t> (</a:t>
+            </a:r>
+            <a:endParaRPr b="0" lang="en-US" sz="1600" spc="-1" strike="noStrike">
+              <a:latin typeface="Arial"/>
+            </a:endParaRPr>
+          </a:p>
+          <a:p>
+            <a:pPr>
+              <a:lnSpc>
+                <a:spcPct val="100000"/>
+              </a:lnSpc>
+              <a:buNone/>
+            </a:pPr>
+            <a:r>
+              <a:rPr b="0" lang="en-US" sz="1600" spc="-1" strike="noStrike">
+                <a:solidFill>
+                  <a:srgbClr val="267f99"/>
+                </a:solidFill>
+                <a:latin typeface="Consolas"/>
+              </a:rPr>
+              <a:t>    </a:t>
+            </a:r>
+            <a:r>
+              <a:rPr b="0" lang="en-US" sz="1600" spc="-1" strike="noStrike">
+                <a:solidFill>
+                  <a:srgbClr val="267f99"/>
+                </a:solidFill>
+                <a:latin typeface="Consolas"/>
+              </a:rPr>
+              <a:t>is_valid_low_pin</a:t>
+            </a:r>
+            <a:r>
+              <a:rPr b="0" lang="en-US" sz="1600" spc="-1" strike="noStrike">
+                <a:solidFill>
+                  <a:srgbClr val="000000"/>
+                </a:solidFill>
+                <a:latin typeface="Consolas"/>
+              </a:rPr>
+              <a:t>&lt;</a:t>
+            </a:r>
+            <a:r>
+              <a:rPr b="0" lang="en-US" sz="1600" spc="-1" strike="noStrike">
+                <a:solidFill>
+                  <a:srgbClr val="3b3b3b"/>
+                </a:solidFill>
+                <a:latin typeface="Consolas"/>
+              </a:rPr>
+              <a:t>pin</a:t>
+            </a:r>
+            <a:r>
+              <a:rPr b="0" lang="en-US" sz="1600" spc="-1" strike="noStrike">
+                <a:solidFill>
+                  <a:srgbClr val="000000"/>
+                </a:solidFill>
+                <a:latin typeface="Consolas"/>
+              </a:rPr>
+              <a:t>&gt;</a:t>
+            </a:r>
+            <a:r>
+              <a:rPr b="0" lang="en-US" sz="1600" spc="-1" strike="noStrike">
+                <a:solidFill>
+                  <a:srgbClr val="3b3b3b"/>
+                </a:solidFill>
+                <a:latin typeface="Consolas"/>
+              </a:rPr>
+              <a:t> </a:t>
+            </a:r>
+            <a:r>
+              <a:rPr b="0" lang="en-US" sz="1600" spc="-1" strike="noStrike">
+                <a:solidFill>
+                  <a:srgbClr val="000000"/>
+                </a:solidFill>
+                <a:latin typeface="Consolas"/>
+              </a:rPr>
+              <a:t>||</a:t>
+            </a:r>
+            <a:r>
+              <a:rPr b="0" lang="en-US" sz="1600" spc="-1" strike="noStrike">
+                <a:solidFill>
+                  <a:srgbClr val="3b3b3b"/>
+                </a:solidFill>
+                <a:latin typeface="Consolas"/>
+              </a:rPr>
+              <a:t> </a:t>
+            </a:r>
+            <a:r>
+              <a:rPr b="0" lang="en-US" sz="1600" spc="-1" strike="noStrike">
+                <a:solidFill>
+                  <a:srgbClr val="267f99"/>
+                </a:solidFill>
+                <a:latin typeface="Consolas"/>
+              </a:rPr>
+              <a:t>is_valid_high_pin</a:t>
+            </a:r>
+            <a:r>
+              <a:rPr b="0" lang="en-US" sz="1600" spc="-1" strike="noStrike">
+                <a:solidFill>
+                  <a:srgbClr val="000000"/>
+                </a:solidFill>
+                <a:latin typeface="Consolas"/>
+              </a:rPr>
+              <a:t>&lt;</a:t>
+            </a:r>
+            <a:r>
+              <a:rPr b="0" lang="en-US" sz="1600" spc="-1" strike="noStrike">
+                <a:solidFill>
+                  <a:srgbClr val="3b3b3b"/>
+                </a:solidFill>
+                <a:latin typeface="Consolas"/>
+              </a:rPr>
+              <a:t>pin</a:t>
+            </a:r>
+            <a:r>
+              <a:rPr b="0" lang="en-US" sz="1600" spc="-1" strike="noStrike">
+                <a:solidFill>
+                  <a:srgbClr val="000000"/>
+                </a:solidFill>
+                <a:latin typeface="Consolas"/>
+              </a:rPr>
+              <a:t>&gt;</a:t>
+            </a:r>
+            <a:endParaRPr b="0" lang="en-US" sz="1600" spc="-1" strike="noStrike">
+              <a:latin typeface="Arial"/>
+            </a:endParaRPr>
+          </a:p>
+          <a:p>
+            <a:pPr>
+              <a:lnSpc>
+                <a:spcPct val="100000"/>
+              </a:lnSpc>
+              <a:buNone/>
+            </a:pPr>
+            <a:r>
+              <a:rPr b="0" lang="en-US" sz="1600" spc="-1" strike="noStrike">
+                <a:solidFill>
+                  <a:srgbClr val="3b3b3b"/>
+                </a:solidFill>
+                <a:latin typeface="Consolas"/>
+              </a:rPr>
+              <a:t>);</a:t>
+            </a:r>
+            <a:endParaRPr b="0" lang="en-US" sz="1600" spc="-1" strike="noStrike">
+              <a:latin typeface="Arial"/>
+            </a:endParaRPr>
+          </a:p>
+          <a:p>
+            <a:pPr>
+              <a:lnSpc>
+                <a:spcPct val="100000"/>
+              </a:lnSpc>
+              <a:buNone/>
+            </a:pPr>
+            <a:endParaRPr b="0" lang="en-US" sz="1600" spc="-1" strike="noStrike">
+              <a:latin typeface="Arial"/>
+            </a:endParaRPr>
+          </a:p>
+          <a:p>
+            <a:pPr>
+              <a:lnSpc>
+                <a:spcPct val="100000"/>
+              </a:lnSpc>
+              <a:buNone/>
+            </a:pPr>
+            <a:r>
+              <a:rPr b="0" lang="en-US" sz="1600" spc="-1" strike="noStrike">
+                <a:solidFill>
+                  <a:srgbClr val="0000ff"/>
+                </a:solidFill>
+                <a:latin typeface="Consolas"/>
+              </a:rPr>
+              <a:t>template</a:t>
+            </a:r>
+            <a:r>
+              <a:rPr b="0" lang="en-US" sz="1600" spc="-1" strike="noStrike">
+                <a:solidFill>
+                  <a:srgbClr val="3b3b3b"/>
+                </a:solidFill>
+                <a:latin typeface="Consolas"/>
+              </a:rPr>
+              <a:t> &lt;</a:t>
+            </a:r>
+            <a:r>
+              <a:rPr b="0" lang="en-US" sz="1600" spc="-1" strike="noStrike">
+                <a:solidFill>
+                  <a:srgbClr val="267f99"/>
+                </a:solidFill>
+                <a:latin typeface="Consolas"/>
+              </a:rPr>
+              <a:t>pins</a:t>
+            </a:r>
+            <a:r>
+              <a:rPr b="0" lang="en-US" sz="1600" spc="-1" strike="noStrike">
+                <a:solidFill>
+                  <a:srgbClr val="3b3b3b"/>
+                </a:solidFill>
+                <a:latin typeface="Consolas"/>
+              </a:rPr>
+              <a:t>... </a:t>
+            </a:r>
+            <a:r>
+              <a:rPr b="0" lang="en-US" sz="1600" spc="-1" strike="noStrike">
+                <a:solidFill>
+                  <a:srgbClr val="267f99"/>
+                </a:solidFill>
+                <a:latin typeface="Consolas"/>
+              </a:rPr>
+              <a:t>pin</a:t>
+            </a:r>
+            <a:r>
+              <a:rPr b="0" lang="en-US" sz="1600" spc="-1" strike="noStrike">
+                <a:solidFill>
+                  <a:srgbClr val="3b3b3b"/>
+                </a:solidFill>
+                <a:latin typeface="Consolas"/>
+              </a:rPr>
+              <a:t>&gt;</a:t>
+            </a:r>
+            <a:endParaRPr b="0" lang="en-US" sz="1600" spc="-1" strike="noStrike">
+              <a:latin typeface="Arial"/>
+            </a:endParaRPr>
+          </a:p>
+          <a:p>
+            <a:pPr>
+              <a:lnSpc>
+                <a:spcPct val="100000"/>
+              </a:lnSpc>
+              <a:buNone/>
+            </a:pPr>
+            <a:r>
+              <a:rPr b="0" lang="en-US" sz="1600" spc="-1" strike="noStrike">
+                <a:solidFill>
+                  <a:srgbClr val="0000ff"/>
+                </a:solidFill>
+                <a:latin typeface="Consolas"/>
+              </a:rPr>
+              <a:t>concept</a:t>
+            </a:r>
+            <a:r>
+              <a:rPr b="0" lang="en-US" sz="1600" spc="-1" strike="noStrike">
+                <a:solidFill>
+                  <a:srgbClr val="3b3b3b"/>
+                </a:solidFill>
+                <a:latin typeface="Consolas"/>
+              </a:rPr>
+              <a:t> </a:t>
+            </a:r>
+            <a:r>
+              <a:rPr b="0" lang="en-US" sz="1600" spc="-1" strike="noStrike">
+                <a:solidFill>
+                  <a:srgbClr val="267f99"/>
+                </a:solidFill>
+                <a:latin typeface="Consolas"/>
+              </a:rPr>
+              <a:t>are_valid_pins</a:t>
+            </a:r>
+            <a:r>
+              <a:rPr b="0" lang="en-US" sz="1600" spc="-1" strike="noStrike">
+                <a:solidFill>
+                  <a:srgbClr val="3b3b3b"/>
+                </a:solidFill>
+                <a:latin typeface="Consolas"/>
+              </a:rPr>
+              <a:t> </a:t>
+            </a:r>
+            <a:r>
+              <a:rPr b="0" lang="en-US" sz="1600" spc="-1" strike="noStrike">
+                <a:solidFill>
+                  <a:srgbClr val="000000"/>
+                </a:solidFill>
+                <a:latin typeface="Consolas"/>
+              </a:rPr>
+              <a:t>=</a:t>
+            </a:r>
+            <a:r>
+              <a:rPr b="0" lang="en-US" sz="1600" spc="-1" strike="noStrike">
+                <a:solidFill>
+                  <a:srgbClr val="3b3b3b"/>
+                </a:solidFill>
+                <a:latin typeface="Consolas"/>
+              </a:rPr>
+              <a:t> (</a:t>
+            </a:r>
+            <a:r>
+              <a:rPr b="0" lang="en-US" sz="1600" spc="-1" strike="noStrike">
+                <a:solidFill>
+                  <a:srgbClr val="267f99"/>
+                </a:solidFill>
+                <a:latin typeface="Consolas"/>
+              </a:rPr>
+              <a:t>is_valid_pin</a:t>
+            </a:r>
+            <a:r>
+              <a:rPr b="0" lang="en-US" sz="1600" spc="-1" strike="noStrike">
+                <a:solidFill>
+                  <a:srgbClr val="000000"/>
+                </a:solidFill>
+                <a:latin typeface="Consolas"/>
+              </a:rPr>
+              <a:t>&lt;</a:t>
+            </a:r>
+            <a:r>
+              <a:rPr b="0" lang="en-US" sz="1600" spc="-1" strike="noStrike">
+                <a:solidFill>
+                  <a:srgbClr val="3b3b3b"/>
+                </a:solidFill>
+                <a:latin typeface="Consolas"/>
+              </a:rPr>
+              <a:t>pin</a:t>
+            </a:r>
+            <a:r>
+              <a:rPr b="0" lang="en-US" sz="1600" spc="-1" strike="noStrike">
+                <a:solidFill>
+                  <a:srgbClr val="000000"/>
+                </a:solidFill>
+                <a:latin typeface="Consolas"/>
+              </a:rPr>
+              <a:t>&gt;</a:t>
+            </a:r>
+            <a:r>
+              <a:rPr b="0" lang="en-US" sz="1600" spc="-1" strike="noStrike">
+                <a:solidFill>
+                  <a:srgbClr val="3b3b3b"/>
+                </a:solidFill>
+                <a:latin typeface="Consolas"/>
+              </a:rPr>
+              <a:t> </a:t>
+            </a:r>
+            <a:r>
+              <a:rPr b="0" lang="en-US" sz="1600" spc="-1" strike="noStrike">
+                <a:solidFill>
+                  <a:srgbClr val="000000"/>
+                </a:solidFill>
+                <a:latin typeface="Consolas"/>
+              </a:rPr>
+              <a:t>&amp;&amp;</a:t>
+            </a:r>
+            <a:r>
+              <a:rPr b="0" lang="en-US" sz="1600" spc="-1" strike="noStrike">
+                <a:solidFill>
+                  <a:srgbClr val="3b3b3b"/>
+                </a:solidFill>
+                <a:latin typeface="Consolas"/>
+              </a:rPr>
+              <a:t> ...);</a:t>
+            </a:r>
+            <a:endParaRPr b="0" lang="en-US" sz="1600" spc="-1" strike="noStrike">
               <a:latin typeface="Arial"/>
             </a:endParaRPr>
           </a:p>
@@ -38776,7 +37709,7 @@
         <p:txBody>
           <a:bodyPr/>
           <a:p>
-            <a:fld id="{7C13DA57-263A-4C1A-8108-B12D78CF20D1}" type="slidenum">
+            <a:fld id="{3E699E5C-8F25-40FD-8DF6-7B010484AF5A}" type="slidenum">
               <a:t>35</a:t>
             </a:fld>
           </a:p>
@@ -38814,14 +37747,14 @@
       </p:grpSpPr>
       <p:sp>
         <p:nvSpPr>
-          <p:cNvPr id="290" name="Subtitle 3"/>
+          <p:cNvPr id="289" name="Subtitle 27"/>
           <p:cNvSpPr/>
           <p:nvPr/>
         </p:nvSpPr>
         <p:spPr>
           <a:xfrm>
             <a:off x="1933920" y="633240"/>
-            <a:ext cx="8323200" cy="1014480"/>
+            <a:ext cx="8322840" cy="1014120"/>
           </a:xfrm>
           <a:prstGeom prst="rect">
             <a:avLst/>
@@ -38862,9 +37795,1166 @@
                 <a:latin typeface="Aptos"/>
                 <a:ea typeface="DejaVu Sans"/>
               </a:rPr>
-              <a:t>Inheritance</a:t>
+              <a:t>Immediate Functions</a:t>
             </a:r>
             <a:endParaRPr b="0" lang="en-US" sz="3200" spc="-1" strike="noStrike">
+              <a:latin typeface="Arial"/>
+            </a:endParaRPr>
+          </a:p>
+        </p:txBody>
+      </p:sp>
+      <p:sp>
+        <p:nvSpPr>
+          <p:cNvPr id="290" name=""/>
+          <p:cNvSpPr/>
+          <p:nvPr/>
+        </p:nvSpPr>
+        <p:spPr>
+          <a:xfrm>
+            <a:off x="3256200" y="2514600"/>
+            <a:ext cx="5297760" cy="1968120"/>
+          </a:xfrm>
+          <a:prstGeom prst="rect">
+            <a:avLst/>
+          </a:prstGeom>
+          <a:noFill/>
+          <a:ln w="0">
+            <a:noFill/>
+          </a:ln>
+        </p:spPr>
+        <p:style>
+          <a:lnRef idx="0"/>
+          <a:fillRef idx="0"/>
+          <a:effectRef idx="0"/>
+          <a:fontRef idx="minor"/>
+        </p:style>
+      </p:sp>
+      <p:sp>
+        <p:nvSpPr>
+          <p:cNvPr id="291" name=""/>
+          <p:cNvSpPr/>
+          <p:nvPr/>
+        </p:nvSpPr>
+        <p:spPr>
+          <a:xfrm>
+            <a:off x="731520" y="2091960"/>
+            <a:ext cx="7223400" cy="3165480"/>
+          </a:xfrm>
+          <a:prstGeom prst="rect">
+            <a:avLst/>
+          </a:prstGeom>
+          <a:noFill/>
+          <a:ln w="0">
+            <a:noFill/>
+          </a:ln>
+        </p:spPr>
+        <p:style>
+          <a:lnRef idx="0"/>
+          <a:fillRef idx="0"/>
+          <a:effectRef idx="0"/>
+          <a:fontRef idx="minor"/>
+        </p:style>
+        <p:txBody>
+          <a:bodyPr lIns="90000" rIns="90000" tIns="45000" bIns="45000" anchor="t">
+            <a:noAutofit/>
+          </a:bodyPr>
+          <a:p>
+            <a:pPr>
+              <a:lnSpc>
+                <a:spcPct val="100000"/>
+              </a:lnSpc>
+              <a:spcBef>
+                <a:spcPts val="289"/>
+              </a:spcBef>
+              <a:buNone/>
+            </a:pPr>
+            <a:r>
+              <a:rPr b="0" lang="en-US" sz="1600" spc="-1" strike="noStrike">
+                <a:solidFill>
+                  <a:srgbClr val="0000ff"/>
+                </a:solidFill>
+                <a:latin typeface="Consolas"/>
+              </a:rPr>
+              <a:t>template</a:t>
+            </a:r>
+            <a:r>
+              <a:rPr b="0" lang="en-US" sz="1600" spc="-1" strike="noStrike">
+                <a:solidFill>
+                  <a:srgbClr val="3b3b3b"/>
+                </a:solidFill>
+                <a:latin typeface="Consolas"/>
+              </a:rPr>
+              <a:t> &lt;</a:t>
+            </a:r>
+            <a:r>
+              <a:rPr b="0" lang="en-US" sz="1600" spc="-1" strike="noStrike">
+                <a:solidFill>
+                  <a:srgbClr val="267f99"/>
+                </a:solidFill>
+                <a:latin typeface="Consolas"/>
+              </a:rPr>
+              <a:t>modes</a:t>
+            </a:r>
+            <a:r>
+              <a:rPr b="0" lang="en-US" sz="1600" spc="-1" strike="noStrike">
+                <a:solidFill>
+                  <a:srgbClr val="3b3b3b"/>
+                </a:solidFill>
+                <a:latin typeface="Consolas"/>
+              </a:rPr>
+              <a:t> </a:t>
+            </a:r>
+            <a:r>
+              <a:rPr b="0" lang="en-US" sz="1600" spc="-1" strike="noStrike">
+                <a:solidFill>
+                  <a:srgbClr val="267f99"/>
+                </a:solidFill>
+                <a:latin typeface="Consolas"/>
+              </a:rPr>
+              <a:t>mode</a:t>
+            </a:r>
+            <a:r>
+              <a:rPr b="0" lang="en-US" sz="1600" spc="-1" strike="noStrike">
+                <a:solidFill>
+                  <a:srgbClr val="3b3b3b"/>
+                </a:solidFill>
+                <a:latin typeface="Consolas"/>
+              </a:rPr>
+              <a:t>, </a:t>
+            </a:r>
+            <a:r>
+              <a:rPr b="0" lang="en-US" sz="1600" spc="-1" strike="noStrike">
+                <a:solidFill>
+                  <a:srgbClr val="267f99"/>
+                </a:solidFill>
+                <a:latin typeface="Consolas"/>
+              </a:rPr>
+              <a:t>pins</a:t>
+            </a:r>
+            <a:r>
+              <a:rPr b="0" lang="en-US" sz="1600" spc="-1" strike="noStrike">
+                <a:solidFill>
+                  <a:srgbClr val="3b3b3b"/>
+                </a:solidFill>
+                <a:latin typeface="Consolas"/>
+              </a:rPr>
+              <a:t>... </a:t>
+            </a:r>
+            <a:r>
+              <a:rPr b="0" lang="en-US" sz="1600" spc="-1" strike="noStrike">
+                <a:solidFill>
+                  <a:srgbClr val="267f99"/>
+                </a:solidFill>
+                <a:latin typeface="Consolas"/>
+              </a:rPr>
+              <a:t>pin</a:t>
+            </a:r>
+            <a:r>
+              <a:rPr b="0" lang="en-US" sz="1600" spc="-1" strike="noStrike">
+                <a:solidFill>
+                  <a:srgbClr val="3b3b3b"/>
+                </a:solidFill>
+                <a:latin typeface="Consolas"/>
+              </a:rPr>
+              <a:t>&gt;</a:t>
+            </a:r>
+            <a:endParaRPr b="0" lang="en-US" sz="1600" spc="-1" strike="noStrike">
+              <a:latin typeface="Arial"/>
+            </a:endParaRPr>
+          </a:p>
+          <a:p>
+            <a:pPr>
+              <a:lnSpc>
+                <a:spcPct val="100000"/>
+              </a:lnSpc>
+              <a:spcBef>
+                <a:spcPts val="289"/>
+              </a:spcBef>
+              <a:buNone/>
+            </a:pPr>
+            <a:r>
+              <a:rPr b="0" lang="en-US" sz="1600" spc="-1" strike="noStrike">
+                <a:solidFill>
+                  <a:srgbClr val="0000ff"/>
+                </a:solidFill>
+                <a:latin typeface="Consolas"/>
+              </a:rPr>
+              <a:t>requires</a:t>
+            </a:r>
+            <a:r>
+              <a:rPr b="0" lang="en-US" sz="1600" spc="-1" strike="noStrike">
+                <a:solidFill>
+                  <a:srgbClr val="3b3b3b"/>
+                </a:solidFill>
+                <a:latin typeface="Consolas"/>
+              </a:rPr>
+              <a:t> (</a:t>
+            </a:r>
+            <a:r>
+              <a:rPr b="0" lang="en-US" sz="1600" spc="-1" strike="noStrike">
+                <a:solidFill>
+                  <a:srgbClr val="267f99"/>
+                </a:solidFill>
+                <a:latin typeface="Consolas"/>
+              </a:rPr>
+              <a:t>are_valid_pins</a:t>
+            </a:r>
+            <a:r>
+              <a:rPr b="0" lang="en-US" sz="1600" spc="-1" strike="noStrike">
+                <a:solidFill>
+                  <a:srgbClr val="000000"/>
+                </a:solidFill>
+                <a:latin typeface="Consolas"/>
+              </a:rPr>
+              <a:t>&lt;</a:t>
+            </a:r>
+            <a:r>
+              <a:rPr b="0" lang="en-US" sz="1600" spc="-1" strike="noStrike">
+                <a:solidFill>
+                  <a:srgbClr val="3b3b3b"/>
+                </a:solidFill>
+                <a:latin typeface="Consolas"/>
+              </a:rPr>
+              <a:t>pin ...</a:t>
+            </a:r>
+            <a:r>
+              <a:rPr b="0" lang="en-US" sz="1600" spc="-1" strike="noStrike">
+                <a:solidFill>
+                  <a:srgbClr val="000000"/>
+                </a:solidFill>
+                <a:latin typeface="Consolas"/>
+              </a:rPr>
+              <a:t>&gt;</a:t>
+            </a:r>
+            <a:r>
+              <a:rPr b="0" lang="en-US" sz="1600" spc="-1" strike="noStrike">
+                <a:solidFill>
+                  <a:srgbClr val="3b3b3b"/>
+                </a:solidFill>
+                <a:latin typeface="Consolas"/>
+              </a:rPr>
+              <a:t> </a:t>
+            </a:r>
+            <a:r>
+              <a:rPr b="0" lang="en-US" sz="1600" spc="-1" strike="noStrike">
+                <a:solidFill>
+                  <a:srgbClr val="000000"/>
+                </a:solidFill>
+                <a:latin typeface="Consolas"/>
+              </a:rPr>
+              <a:t>&amp;&amp;</a:t>
+            </a:r>
+            <a:r>
+              <a:rPr b="0" lang="en-US" sz="1600" spc="-1" strike="noStrike">
+                <a:solidFill>
+                  <a:srgbClr val="3b3b3b"/>
+                </a:solidFill>
+                <a:latin typeface="Consolas"/>
+              </a:rPr>
+              <a:t> </a:t>
+            </a:r>
+            <a:r>
+              <a:rPr b="0" lang="en-US" sz="1600" spc="-1" strike="noStrike">
+                <a:solidFill>
+                  <a:srgbClr val="267f99"/>
+                </a:solidFill>
+                <a:latin typeface="Consolas"/>
+              </a:rPr>
+              <a:t>is_valid_mode</a:t>
+            </a:r>
+            <a:r>
+              <a:rPr b="0" lang="en-US" sz="1600" spc="-1" strike="noStrike">
+                <a:solidFill>
+                  <a:srgbClr val="000000"/>
+                </a:solidFill>
+                <a:latin typeface="Consolas"/>
+              </a:rPr>
+              <a:t>&lt;</a:t>
+            </a:r>
+            <a:r>
+              <a:rPr b="0" lang="en-US" sz="1600" spc="-1" strike="noStrike">
+                <a:solidFill>
+                  <a:srgbClr val="3b3b3b"/>
+                </a:solidFill>
+                <a:latin typeface="Consolas"/>
+              </a:rPr>
+              <a:t>mode</a:t>
+            </a:r>
+            <a:r>
+              <a:rPr b="0" lang="en-US" sz="1600" spc="-1" strike="noStrike">
+                <a:solidFill>
+                  <a:srgbClr val="000000"/>
+                </a:solidFill>
+                <a:latin typeface="Consolas"/>
+              </a:rPr>
+              <a:t>&gt;</a:t>
+            </a:r>
+            <a:r>
+              <a:rPr b="0" lang="en-US" sz="1600" spc="-1" strike="noStrike">
+                <a:solidFill>
+                  <a:srgbClr val="3b3b3b"/>
+                </a:solidFill>
+                <a:latin typeface="Consolas"/>
+              </a:rPr>
+              <a:t>)</a:t>
+            </a:r>
+            <a:endParaRPr b="0" lang="en-US" sz="1600" spc="-1" strike="noStrike">
+              <a:latin typeface="Arial"/>
+            </a:endParaRPr>
+          </a:p>
+          <a:p>
+            <a:pPr>
+              <a:lnSpc>
+                <a:spcPct val="100000"/>
+              </a:lnSpc>
+              <a:spcBef>
+                <a:spcPts val="289"/>
+              </a:spcBef>
+              <a:buNone/>
+            </a:pPr>
+            <a:r>
+              <a:rPr b="0" lang="en-US" sz="1600" spc="-1" strike="noStrike">
+                <a:solidFill>
+                  <a:srgbClr val="0000ff"/>
+                </a:solidFill>
+                <a:latin typeface="Consolas"/>
+              </a:rPr>
+              <a:t>consteval</a:t>
+            </a:r>
+            <a:r>
+              <a:rPr b="0" lang="en-US" sz="1600" spc="-1" strike="noStrike">
+                <a:solidFill>
+                  <a:srgbClr val="3b3b3b"/>
+                </a:solidFill>
+                <a:latin typeface="Consolas"/>
+              </a:rPr>
+              <a:t> </a:t>
+            </a:r>
+            <a:r>
+              <a:rPr b="0" lang="en-US" sz="1600" spc="-1" strike="noStrike">
+                <a:solidFill>
+                  <a:srgbClr val="267f99"/>
+                </a:solidFill>
+                <a:latin typeface="Consolas"/>
+              </a:rPr>
+              <a:t>std</a:t>
+            </a:r>
+            <a:r>
+              <a:rPr b="0" lang="en-US" sz="1600" spc="-1" strike="noStrike">
+                <a:solidFill>
+                  <a:srgbClr val="3b3b3b"/>
+                </a:solidFill>
+                <a:latin typeface="Consolas"/>
+              </a:rPr>
+              <a:t>::</a:t>
+            </a:r>
+            <a:r>
+              <a:rPr b="0" lang="en-US" sz="1600" spc="-1" strike="noStrike">
+                <a:solidFill>
+                  <a:srgbClr val="267f99"/>
+                </a:solidFill>
+                <a:latin typeface="Consolas"/>
+              </a:rPr>
+              <a:t>uint32_t</a:t>
+            </a:r>
+            <a:r>
+              <a:rPr b="0" lang="en-US" sz="1600" spc="-1" strike="noStrike">
+                <a:solidFill>
+                  <a:srgbClr val="3b3b3b"/>
+                </a:solidFill>
+                <a:latin typeface="Consolas"/>
+              </a:rPr>
+              <a:t> </a:t>
+            </a:r>
+            <a:r>
+              <a:rPr b="0" lang="en-US" sz="1600" spc="-1" strike="noStrike">
+                <a:solidFill>
+                  <a:srgbClr val="795e26"/>
+                </a:solidFill>
+                <a:latin typeface="Consolas"/>
+              </a:rPr>
+              <a:t>moder_value</a:t>
+            </a:r>
+            <a:r>
+              <a:rPr b="0" lang="en-US" sz="1600" spc="-1" strike="noStrike">
+                <a:solidFill>
+                  <a:srgbClr val="3b3b3b"/>
+                </a:solidFill>
+                <a:latin typeface="Consolas"/>
+              </a:rPr>
+              <a:t> () {</a:t>
+            </a:r>
+            <a:endParaRPr b="0" lang="en-US" sz="1600" spc="-1" strike="noStrike">
+              <a:latin typeface="Arial"/>
+            </a:endParaRPr>
+          </a:p>
+          <a:p>
+            <a:pPr>
+              <a:lnSpc>
+                <a:spcPct val="100000"/>
+              </a:lnSpc>
+              <a:spcBef>
+                <a:spcPts val="289"/>
+              </a:spcBef>
+              <a:buNone/>
+            </a:pPr>
+            <a:r>
+              <a:rPr b="0" lang="en-US" sz="1600" spc="-1" strike="noStrike">
+                <a:solidFill>
+                  <a:srgbClr val="0070c1"/>
+                </a:solidFill>
+                <a:latin typeface="Consolas"/>
+              </a:rPr>
+              <a:t>    </a:t>
+            </a:r>
+            <a:r>
+              <a:rPr b="0" lang="en-US" sz="1600" spc="-1" strike="noStrike">
+                <a:solidFill>
+                  <a:srgbClr val="af00db"/>
+                </a:solidFill>
+                <a:latin typeface="Consolas"/>
+              </a:rPr>
+              <a:t>return</a:t>
+            </a:r>
+            <a:r>
+              <a:rPr b="0" lang="en-US" sz="1600" spc="-1" strike="noStrike">
+                <a:solidFill>
+                  <a:srgbClr val="3b3b3b"/>
+                </a:solidFill>
+                <a:latin typeface="Consolas"/>
+              </a:rPr>
+              <a:t> (... </a:t>
+            </a:r>
+            <a:r>
+              <a:rPr b="0" lang="en-US" sz="1600" spc="-1" strike="noStrike">
+                <a:solidFill>
+                  <a:srgbClr val="000000"/>
+                </a:solidFill>
+                <a:latin typeface="Consolas"/>
+              </a:rPr>
+              <a:t>|</a:t>
+            </a:r>
+            <a:r>
+              <a:rPr b="0" lang="en-US" sz="1600" spc="-1" strike="noStrike">
+                <a:solidFill>
+                  <a:srgbClr val="3b3b3b"/>
+                </a:solidFill>
+                <a:latin typeface="Consolas"/>
+              </a:rPr>
+              <a:t> (</a:t>
+            </a:r>
+            <a:r>
+              <a:rPr b="0" lang="en-US" sz="1600" spc="-1" strike="noStrike">
+                <a:solidFill>
+                  <a:srgbClr val="0000ff"/>
+                </a:solidFill>
+                <a:latin typeface="Consolas"/>
+              </a:rPr>
+              <a:t>static_cast</a:t>
+            </a:r>
+            <a:r>
+              <a:rPr b="0" lang="en-US" sz="1600" spc="-1" strike="noStrike">
+                <a:solidFill>
+                  <a:srgbClr val="000000"/>
+                </a:solidFill>
+                <a:latin typeface="Consolas"/>
+              </a:rPr>
+              <a:t>&lt;</a:t>
+            </a:r>
+            <a:r>
+              <a:rPr b="0" lang="en-US" sz="1600" spc="-1" strike="noStrike">
+                <a:solidFill>
+                  <a:srgbClr val="267f99"/>
+                </a:solidFill>
+                <a:latin typeface="Consolas"/>
+              </a:rPr>
+              <a:t>std</a:t>
+            </a:r>
+            <a:r>
+              <a:rPr b="0" lang="en-US" sz="1600" spc="-1" strike="noStrike">
+                <a:solidFill>
+                  <a:srgbClr val="3b3b3b"/>
+                </a:solidFill>
+                <a:latin typeface="Consolas"/>
+              </a:rPr>
+              <a:t>::</a:t>
+            </a:r>
+            <a:r>
+              <a:rPr b="0" lang="en-US" sz="1600" spc="-1" strike="noStrike">
+                <a:solidFill>
+                  <a:srgbClr val="267f99"/>
+                </a:solidFill>
+                <a:latin typeface="Consolas"/>
+              </a:rPr>
+              <a:t>uint32_t</a:t>
+            </a:r>
+            <a:r>
+              <a:rPr b="0" lang="en-US" sz="1600" spc="-1" strike="noStrike">
+                <a:solidFill>
+                  <a:srgbClr val="000000"/>
+                </a:solidFill>
+                <a:latin typeface="Consolas"/>
+              </a:rPr>
+              <a:t>&gt;</a:t>
+            </a:r>
+            <a:r>
+              <a:rPr b="0" lang="en-US" sz="1600" spc="-1" strike="noStrike">
+                <a:solidFill>
+                  <a:srgbClr val="3b3b3b"/>
+                </a:solidFill>
+                <a:latin typeface="Consolas"/>
+              </a:rPr>
+              <a:t>(mode) </a:t>
+            </a:r>
+            <a:r>
+              <a:rPr b="0" lang="en-US" sz="1600" spc="-1" strike="noStrike">
+                <a:solidFill>
+                  <a:srgbClr val="000000"/>
+                </a:solidFill>
+                <a:latin typeface="Consolas"/>
+              </a:rPr>
+              <a:t>&lt;&lt;</a:t>
+            </a:r>
+            <a:endParaRPr b="0" lang="en-US" sz="1600" spc="-1" strike="noStrike">
+              <a:latin typeface="Arial"/>
+            </a:endParaRPr>
+          </a:p>
+          <a:p>
+            <a:pPr>
+              <a:lnSpc>
+                <a:spcPct val="100000"/>
+              </a:lnSpc>
+              <a:spcBef>
+                <a:spcPts val="289"/>
+              </a:spcBef>
+              <a:buNone/>
+            </a:pPr>
+            <a:r>
+              <a:rPr b="0" lang="en-US" sz="1600" spc="-1" strike="noStrike">
+                <a:solidFill>
+                  <a:srgbClr val="000000"/>
+                </a:solidFill>
+                <a:latin typeface="Consolas"/>
+              </a:rPr>
+              <a:t>                     </a:t>
+            </a:r>
+            <a:r>
+              <a:rPr b="0" lang="en-US" sz="1600" spc="-1" strike="noStrike">
+                <a:solidFill>
+                  <a:srgbClr val="3b3b3b"/>
+                </a:solidFill>
+                <a:latin typeface="Consolas"/>
+              </a:rPr>
+              <a:t>(</a:t>
+            </a:r>
+            <a:r>
+              <a:rPr b="0" lang="en-US" sz="1600" spc="-1" strike="noStrike">
+                <a:solidFill>
+                  <a:srgbClr val="0000ff"/>
+                </a:solidFill>
+                <a:latin typeface="Consolas"/>
+              </a:rPr>
+              <a:t>static_cast</a:t>
+            </a:r>
+            <a:r>
+              <a:rPr b="0" lang="en-US" sz="1600" spc="-1" strike="noStrike">
+                <a:solidFill>
+                  <a:srgbClr val="000000"/>
+                </a:solidFill>
+                <a:latin typeface="Consolas"/>
+              </a:rPr>
+              <a:t>&lt;</a:t>
+            </a:r>
+            <a:r>
+              <a:rPr b="0" lang="en-US" sz="1600" spc="-1" strike="noStrike">
+                <a:solidFill>
+                  <a:srgbClr val="267f99"/>
+                </a:solidFill>
+                <a:latin typeface="Consolas"/>
+              </a:rPr>
+              <a:t>std</a:t>
+            </a:r>
+            <a:r>
+              <a:rPr b="0" lang="en-US" sz="1600" spc="-1" strike="noStrike">
+                <a:solidFill>
+                  <a:srgbClr val="3b3b3b"/>
+                </a:solidFill>
+                <a:latin typeface="Consolas"/>
+              </a:rPr>
+              <a:t>::</a:t>
+            </a:r>
+            <a:r>
+              <a:rPr b="0" lang="en-US" sz="1600" spc="-1" strike="noStrike">
+                <a:solidFill>
+                  <a:srgbClr val="267f99"/>
+                </a:solidFill>
+                <a:latin typeface="Consolas"/>
+              </a:rPr>
+              <a:t>uint32_t</a:t>
+            </a:r>
+            <a:r>
+              <a:rPr b="0" lang="en-US" sz="1600" spc="-1" strike="noStrike">
+                <a:solidFill>
+                  <a:srgbClr val="000000"/>
+                </a:solidFill>
+                <a:latin typeface="Consolas"/>
+              </a:rPr>
+              <a:t>&gt;</a:t>
+            </a:r>
+            <a:r>
+              <a:rPr b="0" lang="en-US" sz="1600" spc="-1" strike="noStrike">
+                <a:solidFill>
+                  <a:srgbClr val="3b3b3b"/>
+                </a:solidFill>
+                <a:latin typeface="Consolas"/>
+              </a:rPr>
+              <a:t>(pin) </a:t>
+            </a:r>
+            <a:r>
+              <a:rPr b="0" lang="en-US" sz="1600" spc="-1" strike="noStrike">
+                <a:solidFill>
+                  <a:srgbClr val="000000"/>
+                </a:solidFill>
+                <a:latin typeface="Consolas"/>
+              </a:rPr>
+              <a:t>*</a:t>
+            </a:r>
+            <a:r>
+              <a:rPr b="0" lang="en-US" sz="1600" spc="-1" strike="noStrike">
+                <a:solidFill>
+                  <a:srgbClr val="3b3b3b"/>
+                </a:solidFill>
+                <a:latin typeface="Consolas"/>
+              </a:rPr>
+              <a:t> </a:t>
+            </a:r>
+            <a:r>
+              <a:rPr b="0" lang="en-US" sz="1600" spc="-1" strike="noStrike">
+                <a:solidFill>
+                  <a:srgbClr val="098658"/>
+                </a:solidFill>
+                <a:latin typeface="Consolas"/>
+              </a:rPr>
+              <a:t>2</a:t>
+            </a:r>
+            <a:r>
+              <a:rPr b="0" lang="en-US" sz="1600" spc="-1" strike="noStrike">
+                <a:solidFill>
+                  <a:srgbClr val="3b3b3b"/>
+                </a:solidFill>
+                <a:latin typeface="Consolas"/>
+              </a:rPr>
+              <a:t>)));</a:t>
+            </a:r>
+            <a:endParaRPr b="0" lang="en-US" sz="1600" spc="-1" strike="noStrike">
+              <a:latin typeface="Arial"/>
+            </a:endParaRPr>
+          </a:p>
+          <a:p>
+            <a:pPr>
+              <a:lnSpc>
+                <a:spcPct val="100000"/>
+              </a:lnSpc>
+              <a:spcBef>
+                <a:spcPts val="289"/>
+              </a:spcBef>
+              <a:buNone/>
+            </a:pPr>
+            <a:r>
+              <a:rPr b="0" lang="en-US" sz="1600" spc="-1" strike="noStrike">
+                <a:solidFill>
+                  <a:srgbClr val="3b3b3b"/>
+                </a:solidFill>
+                <a:latin typeface="Consolas"/>
+              </a:rPr>
+              <a:t>}</a:t>
+            </a:r>
+            <a:endParaRPr b="0" lang="en-US" sz="1600" spc="-1" strike="noStrike">
+              <a:latin typeface="Arial"/>
+            </a:endParaRPr>
+          </a:p>
+          <a:p>
+            <a:pPr>
+              <a:lnSpc>
+                <a:spcPct val="100000"/>
+              </a:lnSpc>
+              <a:spcBef>
+                <a:spcPts val="289"/>
+              </a:spcBef>
+              <a:buNone/>
+            </a:pPr>
+            <a:endParaRPr b="0" lang="en-US" sz="1600" spc="-1" strike="noStrike">
+              <a:latin typeface="Arial"/>
+            </a:endParaRPr>
+          </a:p>
+          <a:p>
+            <a:pPr>
+              <a:lnSpc>
+                <a:spcPct val="100000"/>
+              </a:lnSpc>
+              <a:spcBef>
+                <a:spcPts val="289"/>
+              </a:spcBef>
+              <a:buNone/>
+            </a:pPr>
+            <a:r>
+              <a:rPr b="0" lang="en-US" sz="1600" spc="-1" strike="noStrike">
+                <a:solidFill>
+                  <a:srgbClr val="0000ff"/>
+                </a:solidFill>
+                <a:latin typeface="Consolas"/>
+              </a:rPr>
+              <a:t>template</a:t>
+            </a:r>
+            <a:r>
+              <a:rPr b="0" lang="en-US" sz="1600" spc="-1" strike="noStrike">
+                <a:solidFill>
+                  <a:srgbClr val="3b3b3b"/>
+                </a:solidFill>
+                <a:latin typeface="Consolas"/>
+              </a:rPr>
+              <a:t> &lt;</a:t>
+            </a:r>
+            <a:r>
+              <a:rPr b="0" lang="en-US" sz="1600" spc="-1" strike="noStrike">
+                <a:solidFill>
+                  <a:srgbClr val="267f99"/>
+                </a:solidFill>
+                <a:latin typeface="Consolas"/>
+              </a:rPr>
+              <a:t>pins</a:t>
+            </a:r>
+            <a:r>
+              <a:rPr b="0" lang="en-US" sz="1600" spc="-1" strike="noStrike">
+                <a:solidFill>
+                  <a:srgbClr val="3b3b3b"/>
+                </a:solidFill>
+                <a:latin typeface="Consolas"/>
+              </a:rPr>
+              <a:t>... </a:t>
+            </a:r>
+            <a:r>
+              <a:rPr b="0" lang="en-US" sz="1600" spc="-1" strike="noStrike">
+                <a:solidFill>
+                  <a:srgbClr val="267f99"/>
+                </a:solidFill>
+                <a:latin typeface="Consolas"/>
+              </a:rPr>
+              <a:t>pin</a:t>
+            </a:r>
+            <a:r>
+              <a:rPr b="0" lang="en-US" sz="1600" spc="-1" strike="noStrike">
+                <a:solidFill>
+                  <a:srgbClr val="3b3b3b"/>
+                </a:solidFill>
+                <a:latin typeface="Consolas"/>
+              </a:rPr>
+              <a:t>&gt;</a:t>
+            </a:r>
+            <a:endParaRPr b="0" lang="en-US" sz="1600" spc="-1" strike="noStrike">
+              <a:latin typeface="Arial"/>
+            </a:endParaRPr>
+          </a:p>
+          <a:p>
+            <a:pPr>
+              <a:lnSpc>
+                <a:spcPct val="100000"/>
+              </a:lnSpc>
+              <a:spcBef>
+                <a:spcPts val="289"/>
+              </a:spcBef>
+              <a:buNone/>
+            </a:pPr>
+            <a:r>
+              <a:rPr b="0" lang="en-US" sz="1600" spc="-1" strike="noStrike">
+                <a:solidFill>
+                  <a:srgbClr val="0000ff"/>
+                </a:solidFill>
+                <a:latin typeface="Consolas"/>
+              </a:rPr>
+              <a:t>requires</a:t>
+            </a:r>
+            <a:r>
+              <a:rPr b="0" lang="en-US" sz="1600" spc="-1" strike="noStrike">
+                <a:solidFill>
+                  <a:srgbClr val="3b3b3b"/>
+                </a:solidFill>
+                <a:latin typeface="Consolas"/>
+              </a:rPr>
+              <a:t> (</a:t>
+            </a:r>
+            <a:r>
+              <a:rPr b="0" lang="en-US" sz="1600" spc="-1" strike="noStrike">
+                <a:solidFill>
+                  <a:srgbClr val="267f99"/>
+                </a:solidFill>
+                <a:latin typeface="Consolas"/>
+              </a:rPr>
+              <a:t>are_valid_pins</a:t>
+            </a:r>
+            <a:r>
+              <a:rPr b="0" lang="en-US" sz="1600" spc="-1" strike="noStrike">
+                <a:solidFill>
+                  <a:srgbClr val="000000"/>
+                </a:solidFill>
+                <a:latin typeface="Consolas"/>
+              </a:rPr>
+              <a:t>&lt;</a:t>
+            </a:r>
+            <a:r>
+              <a:rPr b="0" lang="en-US" sz="1600" spc="-1" strike="noStrike">
+                <a:solidFill>
+                  <a:srgbClr val="3b3b3b"/>
+                </a:solidFill>
+                <a:latin typeface="Consolas"/>
+              </a:rPr>
+              <a:t>pin ...</a:t>
+            </a:r>
+            <a:r>
+              <a:rPr b="0" lang="en-US" sz="1600" spc="-1" strike="noStrike">
+                <a:solidFill>
+                  <a:srgbClr val="000000"/>
+                </a:solidFill>
+                <a:latin typeface="Consolas"/>
+              </a:rPr>
+              <a:t>&gt;</a:t>
+            </a:r>
+            <a:r>
+              <a:rPr b="0" lang="en-US" sz="1600" spc="-1" strike="noStrike">
+                <a:solidFill>
+                  <a:srgbClr val="3b3b3b"/>
+                </a:solidFill>
+                <a:latin typeface="Consolas"/>
+              </a:rPr>
+              <a:t>)</a:t>
+            </a:r>
+            <a:endParaRPr b="0" lang="en-US" sz="1600" spc="-1" strike="noStrike">
+              <a:latin typeface="Arial"/>
+            </a:endParaRPr>
+          </a:p>
+          <a:p>
+            <a:pPr>
+              <a:lnSpc>
+                <a:spcPct val="100000"/>
+              </a:lnSpc>
+              <a:spcBef>
+                <a:spcPts val="289"/>
+              </a:spcBef>
+              <a:buNone/>
+            </a:pPr>
+            <a:r>
+              <a:rPr b="0" lang="en-US" sz="1600" spc="-1" strike="noStrike">
+                <a:solidFill>
+                  <a:srgbClr val="0000ff"/>
+                </a:solidFill>
+                <a:latin typeface="Consolas"/>
+              </a:rPr>
+              <a:t>consteval</a:t>
+            </a:r>
+            <a:r>
+              <a:rPr b="0" lang="en-US" sz="1600" spc="-1" strike="noStrike">
+                <a:solidFill>
+                  <a:srgbClr val="3b3b3b"/>
+                </a:solidFill>
+                <a:latin typeface="Consolas"/>
+              </a:rPr>
+              <a:t> </a:t>
+            </a:r>
+            <a:r>
+              <a:rPr b="0" lang="en-US" sz="1600" spc="-1" strike="noStrike">
+                <a:solidFill>
+                  <a:srgbClr val="267f99"/>
+                </a:solidFill>
+                <a:latin typeface="Consolas"/>
+              </a:rPr>
+              <a:t>std</a:t>
+            </a:r>
+            <a:r>
+              <a:rPr b="0" lang="en-US" sz="1600" spc="-1" strike="noStrike">
+                <a:solidFill>
+                  <a:srgbClr val="3b3b3b"/>
+                </a:solidFill>
+                <a:latin typeface="Consolas"/>
+              </a:rPr>
+              <a:t>::</a:t>
+            </a:r>
+            <a:r>
+              <a:rPr b="0" lang="en-US" sz="1600" spc="-1" strike="noStrike">
+                <a:solidFill>
+                  <a:srgbClr val="267f99"/>
+                </a:solidFill>
+                <a:latin typeface="Consolas"/>
+              </a:rPr>
+              <a:t>uint32_t</a:t>
+            </a:r>
+            <a:r>
+              <a:rPr b="0" lang="en-US" sz="1600" spc="-1" strike="noStrike">
+                <a:solidFill>
+                  <a:srgbClr val="3b3b3b"/>
+                </a:solidFill>
+                <a:latin typeface="Consolas"/>
+              </a:rPr>
+              <a:t> </a:t>
+            </a:r>
+            <a:r>
+              <a:rPr b="0" lang="en-US" sz="1600" spc="-1" strike="noStrike">
+                <a:solidFill>
+                  <a:srgbClr val="795e26"/>
+                </a:solidFill>
+                <a:latin typeface="Consolas"/>
+              </a:rPr>
+              <a:t>moder_bitmask</a:t>
+            </a:r>
+            <a:r>
+              <a:rPr b="0" lang="en-US" sz="1600" spc="-1" strike="noStrike">
+                <a:solidFill>
+                  <a:srgbClr val="3b3b3b"/>
+                </a:solidFill>
+                <a:latin typeface="Consolas"/>
+              </a:rPr>
+              <a:t> () {</a:t>
+            </a:r>
+            <a:endParaRPr b="0" lang="en-US" sz="1600" spc="-1" strike="noStrike">
+              <a:latin typeface="Arial"/>
+            </a:endParaRPr>
+          </a:p>
+          <a:p>
+            <a:pPr>
+              <a:lnSpc>
+                <a:spcPct val="100000"/>
+              </a:lnSpc>
+              <a:spcBef>
+                <a:spcPts val="289"/>
+              </a:spcBef>
+              <a:buNone/>
+            </a:pPr>
+            <a:r>
+              <a:rPr b="0" lang="en-US" sz="1600" spc="-1" strike="noStrike">
+                <a:solidFill>
+                  <a:srgbClr val="0070c1"/>
+                </a:solidFill>
+                <a:latin typeface="Consolas"/>
+              </a:rPr>
+              <a:t>    </a:t>
+            </a:r>
+            <a:r>
+              <a:rPr b="0" lang="en-US" sz="1600" spc="-1" strike="noStrike">
+                <a:solidFill>
+                  <a:srgbClr val="af00db"/>
+                </a:solidFill>
+                <a:latin typeface="Consolas"/>
+              </a:rPr>
+              <a:t>return</a:t>
+            </a:r>
+            <a:r>
+              <a:rPr b="0" lang="en-US" sz="1600" spc="-1" strike="noStrike">
+                <a:solidFill>
+                  <a:srgbClr val="3b3b3b"/>
+                </a:solidFill>
+                <a:latin typeface="Consolas"/>
+              </a:rPr>
+              <a:t> (... </a:t>
+            </a:r>
+            <a:r>
+              <a:rPr b="0" lang="en-US" sz="1600" spc="-1" strike="noStrike">
+                <a:solidFill>
+                  <a:srgbClr val="000000"/>
+                </a:solidFill>
+                <a:latin typeface="Consolas"/>
+              </a:rPr>
+              <a:t>|</a:t>
+            </a:r>
+            <a:r>
+              <a:rPr b="0" lang="en-US" sz="1600" spc="-1" strike="noStrike">
+                <a:solidFill>
+                  <a:srgbClr val="3b3b3b"/>
+                </a:solidFill>
+                <a:latin typeface="Consolas"/>
+              </a:rPr>
+              <a:t> (</a:t>
+            </a:r>
+            <a:r>
+              <a:rPr b="0" lang="en-US" sz="1600" spc="-1" strike="noStrike">
+                <a:solidFill>
+                  <a:srgbClr val="0000ff"/>
+                </a:solidFill>
+                <a:latin typeface="Consolas"/>
+              </a:rPr>
+              <a:t>GPIO_MODER_MODER0</a:t>
+            </a:r>
+            <a:r>
+              <a:rPr b="0" lang="en-US" sz="1600" spc="-1" strike="noStrike">
+                <a:solidFill>
+                  <a:srgbClr val="3b3b3b"/>
+                </a:solidFill>
+                <a:latin typeface="Consolas"/>
+              </a:rPr>
+              <a:t> </a:t>
+            </a:r>
+            <a:r>
+              <a:rPr b="0" lang="en-US" sz="1600" spc="-1" strike="noStrike">
+                <a:solidFill>
+                  <a:srgbClr val="000000"/>
+                </a:solidFill>
+                <a:latin typeface="Consolas"/>
+              </a:rPr>
+              <a:t>&lt;&lt;</a:t>
+            </a:r>
+            <a:endParaRPr b="0" lang="en-US" sz="1600" spc="-1" strike="noStrike">
+              <a:latin typeface="Arial"/>
+            </a:endParaRPr>
+          </a:p>
+          <a:p>
+            <a:pPr>
+              <a:lnSpc>
+                <a:spcPct val="100000"/>
+              </a:lnSpc>
+              <a:spcBef>
+                <a:spcPts val="289"/>
+              </a:spcBef>
+              <a:buNone/>
+            </a:pPr>
+            <a:r>
+              <a:rPr b="0" lang="en-US" sz="1600" spc="-1" strike="noStrike">
+                <a:solidFill>
+                  <a:srgbClr val="000000"/>
+                </a:solidFill>
+                <a:latin typeface="Consolas"/>
+              </a:rPr>
+              <a:t>                     </a:t>
+            </a:r>
+            <a:r>
+              <a:rPr b="0" lang="en-US" sz="1600" spc="-1" strike="noStrike">
+                <a:solidFill>
+                  <a:srgbClr val="3b3b3b"/>
+                </a:solidFill>
+                <a:latin typeface="Consolas"/>
+              </a:rPr>
+              <a:t>(</a:t>
+            </a:r>
+            <a:r>
+              <a:rPr b="0" lang="en-US" sz="1600" spc="-1" strike="noStrike">
+                <a:solidFill>
+                  <a:srgbClr val="0000ff"/>
+                </a:solidFill>
+                <a:latin typeface="Consolas"/>
+              </a:rPr>
+              <a:t>static_cast</a:t>
+            </a:r>
+            <a:r>
+              <a:rPr b="0" lang="en-US" sz="1600" spc="-1" strike="noStrike">
+                <a:solidFill>
+                  <a:srgbClr val="000000"/>
+                </a:solidFill>
+                <a:latin typeface="Consolas"/>
+              </a:rPr>
+              <a:t>&lt;</a:t>
+            </a:r>
+            <a:r>
+              <a:rPr b="0" lang="en-US" sz="1600" spc="-1" strike="noStrike">
+                <a:solidFill>
+                  <a:srgbClr val="267f99"/>
+                </a:solidFill>
+                <a:latin typeface="Consolas"/>
+              </a:rPr>
+              <a:t>std</a:t>
+            </a:r>
+            <a:r>
+              <a:rPr b="0" lang="en-US" sz="1600" spc="-1" strike="noStrike">
+                <a:solidFill>
+                  <a:srgbClr val="3b3b3b"/>
+                </a:solidFill>
+                <a:latin typeface="Consolas"/>
+              </a:rPr>
+              <a:t>::</a:t>
+            </a:r>
+            <a:r>
+              <a:rPr b="0" lang="en-US" sz="1600" spc="-1" strike="noStrike">
+                <a:solidFill>
+                  <a:srgbClr val="267f99"/>
+                </a:solidFill>
+                <a:latin typeface="Consolas"/>
+              </a:rPr>
+              <a:t>uint32_t</a:t>
+            </a:r>
+            <a:r>
+              <a:rPr b="0" lang="en-US" sz="1600" spc="-1" strike="noStrike">
+                <a:solidFill>
+                  <a:srgbClr val="000000"/>
+                </a:solidFill>
+                <a:latin typeface="Consolas"/>
+              </a:rPr>
+              <a:t>&gt;</a:t>
+            </a:r>
+            <a:r>
+              <a:rPr b="0" lang="en-US" sz="1600" spc="-1" strike="noStrike">
+                <a:solidFill>
+                  <a:srgbClr val="3b3b3b"/>
+                </a:solidFill>
+                <a:latin typeface="Consolas"/>
+              </a:rPr>
+              <a:t>(pin) </a:t>
+            </a:r>
+            <a:r>
+              <a:rPr b="0" lang="en-US" sz="1600" spc="-1" strike="noStrike">
+                <a:solidFill>
+                  <a:srgbClr val="000000"/>
+                </a:solidFill>
+                <a:latin typeface="Consolas"/>
+              </a:rPr>
+              <a:t>*</a:t>
+            </a:r>
+            <a:r>
+              <a:rPr b="0" lang="en-US" sz="1600" spc="-1" strike="noStrike">
+                <a:solidFill>
+                  <a:srgbClr val="3b3b3b"/>
+                </a:solidFill>
+                <a:latin typeface="Consolas"/>
+              </a:rPr>
+              <a:t> </a:t>
+            </a:r>
+            <a:r>
+              <a:rPr b="0" lang="en-US" sz="1600" spc="-1" strike="noStrike">
+                <a:solidFill>
+                  <a:srgbClr val="098658"/>
+                </a:solidFill>
+                <a:latin typeface="Consolas"/>
+              </a:rPr>
+              <a:t>2</a:t>
+            </a:r>
+            <a:r>
+              <a:rPr b="0" lang="en-US" sz="1600" spc="-1" strike="noStrike">
+                <a:solidFill>
+                  <a:srgbClr val="3b3b3b"/>
+                </a:solidFill>
+                <a:latin typeface="Consolas"/>
+              </a:rPr>
+              <a:t>)));</a:t>
+            </a:r>
+            <a:endParaRPr b="0" lang="en-US" sz="1600" spc="-1" strike="noStrike">
+              <a:latin typeface="Arial"/>
+            </a:endParaRPr>
+          </a:p>
+          <a:p>
+            <a:pPr>
+              <a:lnSpc>
+                <a:spcPct val="100000"/>
+              </a:lnSpc>
+              <a:spcBef>
+                <a:spcPts val="289"/>
+              </a:spcBef>
+              <a:buNone/>
+            </a:pPr>
+            <a:r>
+              <a:rPr b="0" lang="en-US" sz="1600" spc="-1" strike="noStrike">
+                <a:solidFill>
+                  <a:srgbClr val="3b3b3b"/>
+                </a:solidFill>
+                <a:latin typeface="Consolas"/>
+              </a:rPr>
+              <a:t>}</a:t>
+            </a:r>
+            <a:endParaRPr b="0" lang="en-US" sz="1600" spc="-1" strike="noStrike">
               <a:latin typeface="Arial"/>
             </a:endParaRPr>
           </a:p>
@@ -38884,7 +38974,7 @@
         <p:txBody>
           <a:bodyPr/>
           <a:p>
-            <a:fld id="{2EE8D22E-6A59-4E09-AB31-01A7FDC67ACC}" type="slidenum">
+            <a:fld id="{970D5C0D-E8DF-44A9-A164-F0957E8184A0}" type="slidenum">
               <a:t>36</a:t>
             </a:fld>
           </a:p>
@@ -38922,14 +39012,14 @@
       </p:grpSpPr>
       <p:sp>
         <p:nvSpPr>
-          <p:cNvPr id="291" name="Subtitle 2"/>
+          <p:cNvPr id="292" name="Subtitle 30"/>
           <p:cNvSpPr/>
           <p:nvPr/>
         </p:nvSpPr>
         <p:spPr>
           <a:xfrm>
             <a:off x="1933920" y="633240"/>
-            <a:ext cx="8323200" cy="1014480"/>
+            <a:ext cx="8322840" cy="1014120"/>
           </a:xfrm>
           <a:prstGeom prst="rect">
             <a:avLst/>
@@ -38970,7 +39060,7 @@
                 <a:latin typeface="Aptos"/>
                 <a:ea typeface="DejaVu Sans"/>
               </a:rPr>
-              <a:t>Dynamic Polymorphism</a:t>
+              <a:t>Compile-time Branching</a:t>
             </a:r>
             <a:endParaRPr b="0" lang="en-US" sz="3200" spc="-1" strike="noStrike">
               <a:latin typeface="Arial"/>
@@ -38992,7 +39082,7 @@
         <p:txBody>
           <a:bodyPr/>
           <a:p>
-            <a:fld id="{63B1B0D5-4E69-4A62-8F60-001F3A14130B}" type="slidenum">
+            <a:fld id="{FE01E2F9-4DD8-4DC3-97A0-8209A52E97E9}" type="slidenum">
               <a:t>37</a:t>
             </a:fld>
           </a:p>
@@ -39030,14 +39120,14 @@
       </p:grpSpPr>
       <p:sp>
         <p:nvSpPr>
-          <p:cNvPr id="292" name="Subtitle 2"/>
+          <p:cNvPr id="293" name="Subtitle 2"/>
           <p:cNvSpPr/>
           <p:nvPr/>
         </p:nvSpPr>
         <p:spPr>
           <a:xfrm>
             <a:off x="1933920" y="633240"/>
-            <a:ext cx="8323200" cy="1014480"/>
+            <a:ext cx="8322840" cy="1014120"/>
           </a:xfrm>
           <a:prstGeom prst="rect">
             <a:avLst/>
@@ -39078,7 +39168,7 @@
                 <a:latin typeface="Aptos"/>
                 <a:ea typeface="DejaVu Sans"/>
               </a:rPr>
-              <a:t>Static Polymorphism</a:t>
+              <a:t>Measurement</a:t>
             </a:r>
             <a:endParaRPr b="0" lang="en-US" sz="3200" spc="-1" strike="noStrike">
               <a:latin typeface="Arial"/>
@@ -39100,116 +39190,8 @@
         <p:txBody>
           <a:bodyPr/>
           <a:p>
-            <a:fld id="{FC9E352C-51CD-4D29-BF4A-0081DC327E38}" type="slidenum">
+            <a:fld id="{131B8CFF-3B83-4CB4-9643-D733041133EF}" type="slidenum">
               <a:t>38</a:t>
-            </a:fld>
-          </a:p>
-        </p:txBody>
-      </p:sp>
-    </p:spTree>
-  </p:cSld>
-  <mc:AlternateContent>
-    <mc:Choice Requires="p14">
-      <p:transition spd="slow" p14:dur="2000"/>
-    </mc:Choice>
-    <mc:Fallback>
-      <p:transition spd="slow"/>
-    </mc:Fallback>
-  </mc:AlternateContent>
-</p:sld>
-</file>
-
-<file path=ppt/slides/slide39.xml><?xml version="1.0" encoding="utf-8"?>
-<p:sld xmlns:a="http://schemas.openxmlformats.org/drawingml/2006/main" xmlns:p="http://schemas.openxmlformats.org/presentationml/2006/main" xmlns:r="http://schemas.openxmlformats.org/officeDocument/2006/relationships" xmlns:p14="http://schemas.microsoft.com/office/powerpoint/2010/main" xmlns:p15="http://schemas.microsoft.com/office/powerpoint/2012/main" xmlns:mc="http://schemas.openxmlformats.org/markup-compatibility/2006">
-  <p:cSld>
-    <p:spTree>
-      <p:nvGrpSpPr>
-        <p:cNvPr id="1" name=""/>
-        <p:cNvGrpSpPr/>
-        <p:nvPr/>
-      </p:nvGrpSpPr>
-      <p:grpSpPr>
-        <a:xfrm>
-          <a:off x="0" y="0"/>
-          <a:ext cx="0" cy="0"/>
-          <a:chOff x="0" y="0"/>
-          <a:chExt cx="0" cy="0"/>
-        </a:xfrm>
-      </p:grpSpPr>
-      <p:sp>
-        <p:nvSpPr>
-          <p:cNvPr id="293" name="Subtitle 2"/>
-          <p:cNvSpPr/>
-          <p:nvPr/>
-        </p:nvSpPr>
-        <p:spPr>
-          <a:xfrm>
-            <a:off x="1933920" y="633240"/>
-            <a:ext cx="8323200" cy="1014480"/>
-          </a:xfrm>
-          <a:prstGeom prst="rect">
-            <a:avLst/>
-          </a:prstGeom>
-          <a:noFill/>
-          <a:ln w="0">
-            <a:noFill/>
-          </a:ln>
-        </p:spPr>
-        <p:style>
-          <a:lnRef idx="0"/>
-          <a:fillRef idx="0"/>
-          <a:effectRef idx="0"/>
-          <a:fontRef idx="minor"/>
-        </p:style>
-        <p:txBody>
-          <a:bodyPr lIns="90000" rIns="90000" tIns="45000" bIns="45000" anchor="t">
-            <a:normAutofit/>
-          </a:bodyPr>
-          <a:p>
-            <a:pPr algn="ctr">
-              <a:lnSpc>
-                <a:spcPct val="90000"/>
-              </a:lnSpc>
-              <a:spcBef>
-                <a:spcPts val="1001"/>
-              </a:spcBef>
-              <a:buNone/>
-              <a:tabLst>
-                <a:tab algn="l" pos="0"/>
-              </a:tabLst>
-            </a:pPr>
-            <a:r>
-              <a:rPr b="0" lang="en-US" sz="3200" spc="-1" strike="noStrike">
-                <a:solidFill>
-                  <a:srgbClr val="000000"/>
-                </a:solidFill>
-                <a:latin typeface="Aptos"/>
-                <a:ea typeface="DejaVu Sans"/>
-              </a:rPr>
-              <a:t>Measurement</a:t>
-            </a:r>
-            <a:endParaRPr b="0" lang="en-US" sz="3200" spc="-1" strike="noStrike">
-              <a:latin typeface="Arial"/>
-            </a:endParaRPr>
-          </a:p>
-        </p:txBody>
-      </p:sp>
-      <p:sp>
-        <p:nvSpPr>
-          <p:cNvPr id="2" name="PlaceHolder 1"/>
-          <p:cNvSpPr>
-            <a:spLocks noGrp="1"/>
-          </p:cNvSpPr>
-          <p:nvPr>
-            <p:ph type="sldNum" idx="5"/>
-          </p:nvPr>
-        </p:nvSpPr>
-        <p:spPr/>
-        <p:txBody>
-          <a:bodyPr/>
-          <a:p>
-            <a:fld id="{D67A78EE-4FB6-462C-87DA-5AE026F49A76}" type="slidenum">
-              <a:t>39</a:t>
             </a:fld>
           </a:p>
         </p:txBody>
@@ -39253,7 +39235,7 @@
         <p:spPr>
           <a:xfrm>
             <a:off x="1933920" y="633240"/>
-            <a:ext cx="8323200" cy="1014480"/>
+            <a:ext cx="8322840" cy="1014120"/>
           </a:xfrm>
           <a:prstGeom prst="rect">
             <a:avLst/>
@@ -39315,7 +39297,7 @@
         <p:spPr>
           <a:xfrm>
             <a:off x="861840" y="1547640"/>
-            <a:ext cx="1423080" cy="1423080"/>
+            <a:ext cx="1422720" cy="1422720"/>
           </a:xfrm>
           <a:prstGeom prst="rect">
             <a:avLst/>
@@ -39334,7 +39316,7 @@
         <p:spPr>
           <a:xfrm>
             <a:off x="2286000" y="2057400"/>
-            <a:ext cx="5028120" cy="429120"/>
+            <a:ext cx="5027760" cy="428760"/>
           </a:xfrm>
           <a:prstGeom prst="rect">
             <a:avLst/>
@@ -39439,7 +39421,7 @@
         <p:spPr>
           <a:xfrm>
             <a:off x="1600200" y="3429000"/>
-            <a:ext cx="2742120" cy="1648800"/>
+            <a:ext cx="2741760" cy="1648440"/>
           </a:xfrm>
           <a:prstGeom prst="rect">
             <a:avLst/>
@@ -39557,7 +39539,7 @@
         <p:spPr>
           <a:xfrm>
             <a:off x="5257800" y="3914640"/>
-            <a:ext cx="475200" cy="656280"/>
+            <a:ext cx="474840" cy="655920"/>
           </a:xfrm>
           <a:prstGeom prst="rect">
             <a:avLst/>
@@ -39609,7 +39591,7 @@
         <p:spPr>
           <a:xfrm>
             <a:off x="6629400" y="3200400"/>
-            <a:ext cx="5028120" cy="2338200"/>
+            <a:ext cx="5027760" cy="2337840"/>
           </a:xfrm>
           <a:prstGeom prst="rect">
             <a:avLst/>
@@ -39819,7 +39801,7 @@
         <p:txBody>
           <a:bodyPr/>
           <a:p>
-            <a:fld id="{832EE7EF-D403-4E58-8AEE-9032BF3AFF94}" type="slidenum">
+            <a:fld id="{61B8A78B-DA67-46F1-A456-31959E437E44}" type="slidenum">
               <a:t>4</a:t>
             </a:fld>
           </a:p>
@@ -39864,7 +39846,7 @@
         <p:spPr>
           <a:xfrm flipH="1">
             <a:off x="3199320" y="3739320"/>
-            <a:ext cx="816120" cy="1628640"/>
+            <a:ext cx="815760" cy="1628280"/>
           </a:xfrm>
           <a:prstGeom prst="curvedConnector3">
             <a:avLst>
@@ -39896,7 +39878,7 @@
         <p:spPr>
           <a:xfrm>
             <a:off x="2742480" y="3738960"/>
-            <a:ext cx="2549520" cy="360"/>
+            <a:ext cx="2549160" cy="360"/>
           </a:xfrm>
           <a:custGeom>
             <a:avLst/>
@@ -39939,7 +39921,7 @@
         <p:spPr>
           <a:xfrm>
             <a:off x="914400" y="3429360"/>
-            <a:ext cx="1827720" cy="619200"/>
+            <a:ext cx="1827360" cy="618840"/>
           </a:xfrm>
           <a:prstGeom prst="rect">
             <a:avLst/>
@@ -40005,7 +39987,7 @@
         <p:spPr>
           <a:xfrm>
             <a:off x="2077560" y="776880"/>
-            <a:ext cx="8323200" cy="1014480"/>
+            <a:ext cx="8322840" cy="1014120"/>
           </a:xfrm>
           <a:prstGeom prst="rect">
             <a:avLst/>
@@ -40063,7 +40045,7 @@
         <p:spPr>
           <a:xfrm flipV="1">
             <a:off x="6671880" y="1972080"/>
-            <a:ext cx="1752480" cy="1765080"/>
+            <a:ext cx="1752120" cy="1764720"/>
           </a:xfrm>
           <a:prstGeom prst="curvedConnector3">
             <a:avLst>
@@ -40095,7 +40077,7 @@
         <p:spPr>
           <a:xfrm>
             <a:off x="6671880" y="3739320"/>
-            <a:ext cx="1752480" cy="1157040"/>
+            <a:ext cx="1752120" cy="1156680"/>
           </a:xfrm>
           <a:prstGeom prst="curvedConnector3">
             <a:avLst>
@@ -40127,7 +40109,7 @@
         <p:spPr>
           <a:xfrm>
             <a:off x="3074400" y="3311280"/>
-            <a:ext cx="1953720" cy="345240"/>
+            <a:ext cx="1953360" cy="344880"/>
           </a:xfrm>
           <a:prstGeom prst="rect">
             <a:avLst/>
@@ -40179,7 +40161,7 @@
         <p:spPr>
           <a:xfrm>
             <a:off x="2743200" y="2598120"/>
-            <a:ext cx="2742120" cy="601200"/>
+            <a:ext cx="2741760" cy="600840"/>
           </a:xfrm>
           <a:prstGeom prst="rect">
             <a:avLst/>
@@ -40252,7 +40234,7 @@
         <p:spPr>
           <a:xfrm>
             <a:off x="6489720" y="2514600"/>
-            <a:ext cx="1053000" cy="345240"/>
+            <a:ext cx="1052640" cy="344880"/>
           </a:xfrm>
           <a:prstGeom prst="rect">
             <a:avLst/>
@@ -40304,7 +40286,7 @@
         <p:spPr>
           <a:xfrm>
             <a:off x="6671880" y="4454280"/>
-            <a:ext cx="915840" cy="345240"/>
+            <a:ext cx="915480" cy="344880"/>
           </a:xfrm>
           <a:prstGeom prst="rect">
             <a:avLst/>
@@ -40356,7 +40338,7 @@
         <p:spPr>
           <a:xfrm>
             <a:off x="2286720" y="5368680"/>
-            <a:ext cx="1827000" cy="345240"/>
+            <a:ext cx="1826640" cy="344880"/>
           </a:xfrm>
           <a:prstGeom prst="rect">
             <a:avLst/>
@@ -40408,7 +40390,7 @@
         <p:spPr>
           <a:xfrm>
             <a:off x="8458200" y="3082680"/>
-            <a:ext cx="3450240" cy="345240"/>
+            <a:ext cx="3449880" cy="344880"/>
           </a:xfrm>
           <a:prstGeom prst="rect">
             <a:avLst/>
@@ -40460,7 +40442,7 @@
         <p:spPr>
           <a:xfrm>
             <a:off x="8458200" y="6054480"/>
-            <a:ext cx="3412080" cy="345240"/>
+            <a:ext cx="3411720" cy="344880"/>
           </a:xfrm>
           <a:prstGeom prst="rect">
             <a:avLst/>
@@ -40512,7 +40494,7 @@
         <p:spPr>
           <a:xfrm>
             <a:off x="5130360" y="5368680"/>
-            <a:ext cx="1269360" cy="345240"/>
+            <a:ext cx="1269000" cy="344880"/>
           </a:xfrm>
           <a:prstGeom prst="rect">
             <a:avLst/>
@@ -40564,7 +40546,7 @@
         <p:spPr>
           <a:xfrm flipH="1">
             <a:off x="5763960" y="4049640"/>
-            <a:ext cx="215640" cy="1318320"/>
+            <a:ext cx="215280" cy="1317960"/>
           </a:xfrm>
           <a:prstGeom prst="curvedConnector3">
             <a:avLst>
@@ -40596,7 +40578,7 @@
         <p:spPr>
           <a:xfrm>
             <a:off x="9470160" y="2575800"/>
-            <a:ext cx="712800" cy="506160"/>
+            <a:ext cx="712440" cy="505800"/>
           </a:xfrm>
           <a:prstGeom prst="curvedConnector3">
             <a:avLst>
@@ -40628,7 +40610,7 @@
         <p:spPr>
           <a:xfrm>
             <a:off x="9470160" y="5486400"/>
-            <a:ext cx="693720" cy="567360"/>
+            <a:ext cx="693360" cy="567000"/>
           </a:xfrm>
           <a:prstGeom prst="curvedConnector3">
             <a:avLst>
@@ -40660,7 +40642,7 @@
         <p:spPr>
           <a:xfrm>
             <a:off x="5292000" y="3429360"/>
-            <a:ext cx="1378800" cy="619200"/>
+            <a:ext cx="1378440" cy="618840"/>
           </a:xfrm>
           <a:prstGeom prst="rect">
             <a:avLst/>
@@ -40726,7 +40708,7 @@
         <p:spPr>
           <a:xfrm>
             <a:off x="8425080" y="1371600"/>
-            <a:ext cx="2089440" cy="1203120"/>
+            <a:ext cx="2089080" cy="1202760"/>
           </a:xfrm>
           <a:prstGeom prst="rect">
             <a:avLst/>
@@ -40792,7 +40774,7 @@
         <p:spPr>
           <a:xfrm>
             <a:off x="8425080" y="4308120"/>
-            <a:ext cx="2089440" cy="1177200"/>
+            <a:ext cx="2089080" cy="1176840"/>
           </a:xfrm>
           <a:prstGeom prst="rect">
             <a:avLst/>
@@ -40863,7 +40845,7 @@
         <p:txBody>
           <a:bodyPr/>
           <a:p>
-            <a:fld id="{003CDC59-BB37-4DA1-8824-F2F6D41263BB}" type="slidenum">
+            <a:fld id="{22F6BCFF-371E-41F1-B985-A521172158C1}" type="slidenum">
               <a:t>5</a:t>
             </a:fld>
           </a:p>
@@ -40908,7 +40890,7 @@
         <p:spPr>
           <a:xfrm>
             <a:off x="1933920" y="633240"/>
-            <a:ext cx="8323200" cy="1014480"/>
+            <a:ext cx="8322840" cy="1014120"/>
           </a:xfrm>
           <a:prstGeom prst="rect">
             <a:avLst/>
@@ -40966,7 +40948,7 @@
         <p:spPr>
           <a:xfrm>
             <a:off x="715320" y="1828800"/>
-            <a:ext cx="6827400" cy="4166640"/>
+            <a:ext cx="6827040" cy="4166280"/>
           </a:xfrm>
           <a:prstGeom prst="rect">
             <a:avLst/>
@@ -41347,7 +41329,7 @@
         <p:spPr>
           <a:xfrm>
             <a:off x="8761320" y="2971800"/>
-            <a:ext cx="2485440" cy="1599840"/>
+            <a:ext cx="2485080" cy="1599480"/>
           </a:xfrm>
           <a:prstGeom prst="rect">
             <a:avLst/>
@@ -41496,7 +41478,7 @@
         <p:txBody>
           <a:bodyPr/>
           <a:p>
-            <a:fld id="{3175E2BA-C96D-4E00-B3B4-8F46A3E335A8}" type="slidenum">
+            <a:fld id="{2D01AF33-0315-427C-AC31-D8D5611E3DD9}" type="slidenum">
               <a:t>6</a:t>
             </a:fld>
           </a:p>
@@ -41541,7 +41523,7 @@
         <p:spPr>
           <a:xfrm>
             <a:off x="1933920" y="633240"/>
-            <a:ext cx="8323200" cy="1014480"/>
+            <a:ext cx="8322840" cy="1014120"/>
           </a:xfrm>
           <a:prstGeom prst="rect">
             <a:avLst/>
@@ -41599,7 +41581,7 @@
         <p:spPr>
           <a:xfrm>
             <a:off x="7543800" y="1976400"/>
-            <a:ext cx="3885120" cy="3051720"/>
+            <a:ext cx="3884760" cy="3051360"/>
           </a:xfrm>
           <a:prstGeom prst="rect">
             <a:avLst/>
@@ -41746,7 +41728,7 @@
         <p:spPr>
           <a:xfrm>
             <a:off x="457560" y="954720"/>
-            <a:ext cx="6856920" cy="5216760"/>
+            <a:ext cx="6856560" cy="5216400"/>
           </a:xfrm>
           <a:prstGeom prst="rect">
             <a:avLst/>
@@ -43048,8 +43030,8 @@
         </p:nvSpPr>
         <p:spPr>
           <a:xfrm flipH="1" flipV="1">
-            <a:off x="2971080" y="1599120"/>
-            <a:ext cx="4571280" cy="685080"/>
+            <a:off x="2970360" y="1599120"/>
+            <a:ext cx="4570920" cy="684720"/>
           </a:xfrm>
           <a:prstGeom prst="curvedConnector3">
             <a:avLst>
@@ -43080,8 +43062,8 @@
         </p:nvSpPr>
         <p:spPr>
           <a:xfrm flipH="1">
-            <a:off x="5485680" y="3200400"/>
-            <a:ext cx="2103120" cy="1142280"/>
+            <a:off x="5484960" y="3200400"/>
+            <a:ext cx="2102760" cy="1141920"/>
           </a:xfrm>
           <a:prstGeom prst="curvedConnector3">
             <a:avLst>
@@ -43112,8 +43094,8 @@
         </p:nvSpPr>
         <p:spPr>
           <a:xfrm flipH="1">
-            <a:off x="5714280" y="2286360"/>
-            <a:ext cx="1828080" cy="1141920"/>
+            <a:off x="5713560" y="2286360"/>
+            <a:ext cx="1827720" cy="1141560"/>
           </a:xfrm>
           <a:prstGeom prst="curvedConnector3">
             <a:avLst>
@@ -43144,8 +43126,8 @@
         </p:nvSpPr>
         <p:spPr>
           <a:xfrm flipH="1">
-            <a:off x="6400080" y="4206240"/>
-            <a:ext cx="1188720" cy="593640"/>
+            <a:off x="6399360" y="4206240"/>
+            <a:ext cx="1188360" cy="593280"/>
           </a:xfrm>
           <a:prstGeom prst="curvedConnector3">
             <a:avLst>
@@ -43182,7 +43164,7 @@
         <p:txBody>
           <a:bodyPr/>
           <a:p>
-            <a:fld id="{98AB6585-D50D-46D6-B103-B3DB18642EC3}" type="slidenum">
+            <a:fld id="{1DA5C07A-8515-4BAA-B1FB-0D170ACAA56C}" type="slidenum">
               <a:t>7</a:t>
             </a:fld>
           </a:p>
@@ -43227,7 +43209,7 @@
         <p:spPr>
           <a:xfrm>
             <a:off x="3703320" y="6035040"/>
-            <a:ext cx="4811400" cy="345960"/>
+            <a:ext cx="4811040" cy="345600"/>
           </a:xfrm>
           <a:prstGeom prst="rect">
             <a:avLst/>
@@ -43257,7 +43239,7 @@
         <p:spPr>
           <a:xfrm>
             <a:off x="7040880" y="2468880"/>
-            <a:ext cx="1782720" cy="228240"/>
+            <a:ext cx="1782360" cy="227880"/>
           </a:xfrm>
           <a:prstGeom prst="rect">
             <a:avLst/>
@@ -43287,7 +43269,7 @@
         <p:spPr>
           <a:xfrm>
             <a:off x="1933920" y="633240"/>
-            <a:ext cx="8323200" cy="1014480"/>
+            <a:ext cx="8322840" cy="1014120"/>
           </a:xfrm>
           <a:prstGeom prst="rect">
             <a:avLst/>
@@ -43345,7 +43327,7 @@
         <p:spPr>
           <a:xfrm>
             <a:off x="914760" y="2286360"/>
-            <a:ext cx="4799520" cy="2513520"/>
+            <a:ext cx="4799160" cy="2513160"/>
           </a:xfrm>
           <a:prstGeom prst="rect">
             <a:avLst/>
@@ -43876,7 +43858,7 @@
         <p:spPr>
           <a:xfrm>
             <a:off x="7040880" y="2103120"/>
-            <a:ext cx="4343040" cy="3079080"/>
+            <a:ext cx="4342680" cy="3078720"/>
           </a:xfrm>
           <a:prstGeom prst="rect">
             <a:avLst/>
@@ -44095,8 +44077,8 @@
         </p:nvSpPr>
         <p:spPr>
           <a:xfrm flipH="1">
-            <a:off x="3565440" y="2560320"/>
-            <a:ext cx="3474000" cy="639360"/>
+            <a:off x="3564720" y="2560320"/>
+            <a:ext cx="3473640" cy="639000"/>
           </a:xfrm>
           <a:prstGeom prst="curvedConnector3">
             <a:avLst>
@@ -44128,7 +44110,7 @@
         <p:spPr>
           <a:xfrm>
             <a:off x="3677040" y="6035040"/>
-            <a:ext cx="4837680" cy="345960"/>
+            <a:ext cx="4837320" cy="345600"/>
           </a:xfrm>
           <a:prstGeom prst="rect">
             <a:avLst/>
@@ -44157,7 +44139,11 @@
             </a:pPr>
             <a:r>
               <a:rPr b="0" lang="en-US" sz="1800" spc="-1" strike="noStrike">
+                <a:solidFill>
+                  <a:srgbClr val="000000"/>
+                </a:solidFill>
                 <a:latin typeface="Arial"/>
+                <a:ea typeface="DejaVu Sans"/>
               </a:rPr>
               <a:t>set up the pin value for GPIO_PIN_6 (value 6)</a:t>
             </a:r>
@@ -44181,7 +44167,7 @@
         <p:txBody>
           <a:bodyPr/>
           <a:p>
-            <a:fld id="{F4F96070-757F-4CBC-9D9E-A61312838948}" type="slidenum">
+            <a:fld id="{8ED649FB-59EA-42C4-B8F8-F1B3C9911C7F}" type="slidenum">
               <a:t>8</a:t>
             </a:fld>
           </a:p>
@@ -44226,7 +44212,7 @@
         <p:spPr>
           <a:xfrm>
             <a:off x="3200400" y="6035040"/>
-            <a:ext cx="5760360" cy="365400"/>
+            <a:ext cx="5760000" cy="365040"/>
           </a:xfrm>
           <a:prstGeom prst="rect">
             <a:avLst/>
@@ -44256,7 +44242,7 @@
         <p:spPr>
           <a:xfrm>
             <a:off x="7040880" y="2743200"/>
-            <a:ext cx="2880000" cy="228240"/>
+            <a:ext cx="2879640" cy="227880"/>
           </a:xfrm>
           <a:prstGeom prst="rect">
             <a:avLst/>
@@ -44286,7 +44272,7 @@
         <p:spPr>
           <a:xfrm>
             <a:off x="1933920" y="633240"/>
-            <a:ext cx="8323200" cy="1014480"/>
+            <a:ext cx="8322840" cy="1014120"/>
           </a:xfrm>
           <a:prstGeom prst="rect">
             <a:avLst/>
@@ -44344,7 +44330,7 @@
         <p:spPr>
           <a:xfrm>
             <a:off x="914760" y="2286360"/>
-            <a:ext cx="4799520" cy="2513520"/>
+            <a:ext cx="4799160" cy="2513160"/>
           </a:xfrm>
           <a:prstGeom prst="rect">
             <a:avLst/>
@@ -44875,7 +44861,7 @@
         <p:spPr>
           <a:xfrm>
             <a:off x="7040880" y="2103120"/>
-            <a:ext cx="4343040" cy="3079080"/>
+            <a:ext cx="4342680" cy="3078720"/>
           </a:xfrm>
           <a:prstGeom prst="rect">
             <a:avLst/>
@@ -45094,8 +45080,8 @@
         </p:nvSpPr>
         <p:spPr>
           <a:xfrm flipH="1">
-            <a:off x="3016800" y="2834280"/>
-            <a:ext cx="4022640" cy="1096920"/>
+            <a:off x="3016080" y="2834280"/>
+            <a:ext cx="4022280" cy="1096560"/>
           </a:xfrm>
           <a:prstGeom prst="curvedConnector3">
             <a:avLst>
@@ -45127,7 +45113,7 @@
         <p:spPr>
           <a:xfrm>
             <a:off x="3179880" y="6035040"/>
-            <a:ext cx="5832000" cy="365400"/>
+            <a:ext cx="5831640" cy="365040"/>
           </a:xfrm>
           <a:prstGeom prst="rect">
             <a:avLst/>
@@ -45156,7 +45142,11 @@
             </a:pPr>
             <a:r>
               <a:rPr b="0" lang="en-US" sz="1800" spc="-1" strike="noStrike">
+                <a:solidFill>
+                  <a:srgbClr val="000000"/>
+                </a:solidFill>
                 <a:latin typeface="Arial"/>
+                <a:ea typeface="DejaVu Sans"/>
               </a:rPr>
               <a:t>prepare for calling a function by saving the current state</a:t>
             </a:r>
@@ -45180,7 +45170,7 @@
         <p:txBody>
           <a:bodyPr/>
           <a:p>
-            <a:fld id="{66BBE0CE-3C2D-4289-92E1-5B723EF40099}" type="slidenum">
+            <a:fld id="{55699D1B-BD8E-4A2E-9E0E-18B188E97781}" type="slidenum">
               <a:t>9</a:t>
             </a:fld>
           </a:p>
